--- a/화면 설계서/3.수주 품목 상세정보 조회 페이지.pptx
+++ b/화면 설계서/3.수주 품목 상세정보 조회 페이지.pptx
@@ -6,6 +6,7 @@
   </p:sldMasterIdLst>
   <p:sldIdLst>
     <p:sldId id="256" r:id="rId2"/>
+    <p:sldId id="257" r:id="rId3"/>
   </p:sldIdLst>
   <p:sldSz cx="12192000" cy="6858000"/>
   <p:notesSz cx="6858000" cy="9144000"/>
@@ -259,7 +260,7 @@
           <a:p>
             <a:fld id="{C242C0C9-765C-413A-B37B-2062E4D73562}" type="datetimeFigureOut">
               <a:rPr lang="ko-KR" altLang="en-US" smtClean="0"/>
-              <a:t>2025-10-02</a:t>
+              <a:t>2025-10-10</a:t>
             </a:fld>
             <a:endParaRPr lang="ko-KR" altLang="en-US"/>
           </a:p>
@@ -457,7 +458,7 @@
           <a:p>
             <a:fld id="{C242C0C9-765C-413A-B37B-2062E4D73562}" type="datetimeFigureOut">
               <a:rPr lang="ko-KR" altLang="en-US" smtClean="0"/>
-              <a:t>2025-10-02</a:t>
+              <a:t>2025-10-10</a:t>
             </a:fld>
             <a:endParaRPr lang="ko-KR" altLang="en-US"/>
           </a:p>
@@ -665,7 +666,7 @@
           <a:p>
             <a:fld id="{C242C0C9-765C-413A-B37B-2062E4D73562}" type="datetimeFigureOut">
               <a:rPr lang="ko-KR" altLang="en-US" smtClean="0"/>
-              <a:t>2025-10-02</a:t>
+              <a:t>2025-10-10</a:t>
             </a:fld>
             <a:endParaRPr lang="ko-KR" altLang="en-US"/>
           </a:p>
@@ -863,7 +864,7 @@
           <a:p>
             <a:fld id="{C242C0C9-765C-413A-B37B-2062E4D73562}" type="datetimeFigureOut">
               <a:rPr lang="ko-KR" altLang="en-US" smtClean="0"/>
-              <a:t>2025-10-02</a:t>
+              <a:t>2025-10-10</a:t>
             </a:fld>
             <a:endParaRPr lang="ko-KR" altLang="en-US"/>
           </a:p>
@@ -1138,7 +1139,7 @@
           <a:p>
             <a:fld id="{C242C0C9-765C-413A-B37B-2062E4D73562}" type="datetimeFigureOut">
               <a:rPr lang="ko-KR" altLang="en-US" smtClean="0"/>
-              <a:t>2025-10-02</a:t>
+              <a:t>2025-10-10</a:t>
             </a:fld>
             <a:endParaRPr lang="ko-KR" altLang="en-US"/>
           </a:p>
@@ -1403,7 +1404,7 @@
           <a:p>
             <a:fld id="{C242C0C9-765C-413A-B37B-2062E4D73562}" type="datetimeFigureOut">
               <a:rPr lang="ko-KR" altLang="en-US" smtClean="0"/>
-              <a:t>2025-10-02</a:t>
+              <a:t>2025-10-10</a:t>
             </a:fld>
             <a:endParaRPr lang="ko-KR" altLang="en-US"/>
           </a:p>
@@ -1815,7 +1816,7 @@
           <a:p>
             <a:fld id="{C242C0C9-765C-413A-B37B-2062E4D73562}" type="datetimeFigureOut">
               <a:rPr lang="ko-KR" altLang="en-US" smtClean="0"/>
-              <a:t>2025-10-02</a:t>
+              <a:t>2025-10-10</a:t>
             </a:fld>
             <a:endParaRPr lang="ko-KR" altLang="en-US"/>
           </a:p>
@@ -1956,7 +1957,7 @@
           <a:p>
             <a:fld id="{C242C0C9-765C-413A-B37B-2062E4D73562}" type="datetimeFigureOut">
               <a:rPr lang="ko-KR" altLang="en-US" smtClean="0"/>
-              <a:t>2025-10-02</a:t>
+              <a:t>2025-10-10</a:t>
             </a:fld>
             <a:endParaRPr lang="ko-KR" altLang="en-US"/>
           </a:p>
@@ -2069,7 +2070,7 @@
           <a:p>
             <a:fld id="{C242C0C9-765C-413A-B37B-2062E4D73562}" type="datetimeFigureOut">
               <a:rPr lang="ko-KR" altLang="en-US" smtClean="0"/>
-              <a:t>2025-10-02</a:t>
+              <a:t>2025-10-10</a:t>
             </a:fld>
             <a:endParaRPr lang="ko-KR" altLang="en-US"/>
           </a:p>
@@ -2380,7 +2381,7 @@
           <a:p>
             <a:fld id="{C242C0C9-765C-413A-B37B-2062E4D73562}" type="datetimeFigureOut">
               <a:rPr lang="ko-KR" altLang="en-US" smtClean="0"/>
-              <a:t>2025-10-02</a:t>
+              <a:t>2025-10-10</a:t>
             </a:fld>
             <a:endParaRPr lang="ko-KR" altLang="en-US"/>
           </a:p>
@@ -2668,7 +2669,7 @@
           <a:p>
             <a:fld id="{C242C0C9-765C-413A-B37B-2062E4D73562}" type="datetimeFigureOut">
               <a:rPr lang="ko-KR" altLang="en-US" smtClean="0"/>
-              <a:t>2025-10-02</a:t>
+              <a:t>2025-10-10</a:t>
             </a:fld>
             <a:endParaRPr lang="ko-KR" altLang="en-US"/>
           </a:p>
@@ -2909,7 +2910,7 @@
           <a:p>
             <a:fld id="{C242C0C9-765C-413A-B37B-2062E4D73562}" type="datetimeFigureOut">
               <a:rPr lang="ko-KR" altLang="en-US" smtClean="0"/>
-              <a:t>2025-10-02</a:t>
+              <a:t>2025-10-10</a:t>
             </a:fld>
             <a:endParaRPr lang="ko-KR" altLang="en-US"/>
           </a:p>
@@ -3376,7 +3377,7 @@
           <p:nvPr>
             <p:extLst>
               <p:ext uri="{D42A27DB-BD31-4B8C-83A1-F6EECF244321}">
-                <p14:modId xmlns:p14="http://schemas.microsoft.com/office/powerpoint/2010/main" val="1654757940"/>
+                <p14:modId xmlns:p14="http://schemas.microsoft.com/office/powerpoint/2010/main" val="1370104957"/>
               </p:ext>
             </p:extLst>
           </p:nvPr>
@@ -3441,28 +3442,28 @@
                     </a:ext>
                   </a:extLst>
                 </a:gridCol>
-                <a:gridCol w="720436">
+                <a:gridCol w="842356">
                   <a:extLst>
                     <a:ext uri="{9D8B030D-6E8A-4147-A177-3AD203B41FA5}">
                       <a16:colId xmlns:a16="http://schemas.microsoft.com/office/drawing/2014/main" val="2975567022"/>
                     </a:ext>
                   </a:extLst>
                 </a:gridCol>
-                <a:gridCol w="870066">
+                <a:gridCol w="1197033">
                   <a:extLst>
                     <a:ext uri="{9D8B030D-6E8A-4147-A177-3AD203B41FA5}">
                       <a16:colId xmlns:a16="http://schemas.microsoft.com/office/drawing/2014/main" val="1447583512"/>
                     </a:ext>
                   </a:extLst>
                 </a:gridCol>
-                <a:gridCol w="1475582">
+                <a:gridCol w="1934095">
                   <a:extLst>
                     <a:ext uri="{9D8B030D-6E8A-4147-A177-3AD203B41FA5}">
                       <a16:colId xmlns:a16="http://schemas.microsoft.com/office/drawing/2014/main" val="1400550291"/>
                     </a:ext>
                   </a:extLst>
                 </a:gridCol>
-                <a:gridCol w="1716506">
+                <a:gridCol w="809106">
                   <a:extLst>
                     <a:ext uri="{9D8B030D-6E8A-4147-A177-3AD203B41FA5}">
                       <a16:colId xmlns:a16="http://schemas.microsoft.com/office/drawing/2014/main" val="3519181327"/>
@@ -5473,6 +5474,2543 @@
     <p:extLst>
       <p:ext uri="{BB962C8B-B14F-4D97-AF65-F5344CB8AC3E}">
         <p14:creationId xmlns:p14="http://schemas.microsoft.com/office/powerpoint/2010/main" val="896952428"/>
+      </p:ext>
+    </p:extLst>
+  </p:cSld>
+  <p:clrMapOvr>
+    <a:masterClrMapping/>
+  </p:clrMapOvr>
+</p:sld>
+</file>
+
+<file path=ppt/slides/slide2.xml><?xml version="1.0" encoding="utf-8"?>
+<p:sld xmlns:a="http://schemas.openxmlformats.org/drawingml/2006/main" xmlns:r="http://schemas.openxmlformats.org/officeDocument/2006/relationships" xmlns:p="http://schemas.openxmlformats.org/presentationml/2006/main">
+  <p:cSld>
+    <p:spTree>
+      <p:nvGrpSpPr>
+        <p:cNvPr id="1" name=""/>
+        <p:cNvGrpSpPr/>
+        <p:nvPr/>
+      </p:nvGrpSpPr>
+      <p:grpSpPr>
+        <a:xfrm>
+          <a:off x="0" y="0"/>
+          <a:ext cx="0" cy="0"/>
+          <a:chOff x="0" y="0"/>
+          <a:chExt cx="0" cy="0"/>
+        </a:xfrm>
+      </p:grpSpPr>
+      <p:sp>
+        <p:nvSpPr>
+          <p:cNvPr id="4" name="사각형: 둥근 모서리 3">
+            <a:extLst>
+              <a:ext uri="{FF2B5EF4-FFF2-40B4-BE49-F238E27FC236}">
+                <a16:creationId xmlns:a16="http://schemas.microsoft.com/office/drawing/2014/main" id="{9E86B9D6-7302-8E89-0DF7-50A972A5E43D}"/>
+              </a:ext>
+            </a:extLst>
+          </p:cNvPr>
+          <p:cNvSpPr/>
+          <p:nvPr/>
+        </p:nvSpPr>
+        <p:spPr>
+          <a:xfrm>
+            <a:off x="1403308" y="1296229"/>
+            <a:ext cx="1324588" cy="375385"/>
+          </a:xfrm>
+          <a:prstGeom prst="roundRect">
+            <a:avLst/>
+          </a:prstGeom>
+          <a:solidFill>
+            <a:schemeClr val="bg2">
+              <a:lumMod val="90000"/>
+            </a:schemeClr>
+          </a:solidFill>
+        </p:spPr>
+        <p:style>
+          <a:lnRef idx="2">
+            <a:schemeClr val="dk1"/>
+          </a:lnRef>
+          <a:fillRef idx="1">
+            <a:schemeClr val="lt1"/>
+          </a:fillRef>
+          <a:effectRef idx="0">
+            <a:schemeClr val="dk1"/>
+          </a:effectRef>
+          <a:fontRef idx="minor">
+            <a:schemeClr val="dk1"/>
+          </a:fontRef>
+        </p:style>
+        <p:txBody>
+          <a:bodyPr rtlCol="0" anchor="ctr"/>
+          <a:lstStyle/>
+          <a:p>
+            <a:pPr algn="ctr"/>
+            <a:r>
+              <a:rPr lang="ko-KR" altLang="en-US">
+                <a:solidFill>
+                  <a:schemeClr val="tx1"/>
+                </a:solidFill>
+              </a:rPr>
+              <a:t>일도테크</a:t>
+            </a:r>
+          </a:p>
+        </p:txBody>
+      </p:sp>
+      <p:sp>
+        <p:nvSpPr>
+          <p:cNvPr id="5" name="사각형: 둥근 모서리 4">
+            <a:extLst>
+              <a:ext uri="{FF2B5EF4-FFF2-40B4-BE49-F238E27FC236}">
+                <a16:creationId xmlns:a16="http://schemas.microsoft.com/office/drawing/2014/main" id="{97A5CF00-0819-5220-5704-AF26630F95E2}"/>
+              </a:ext>
+            </a:extLst>
+          </p:cNvPr>
+          <p:cNvSpPr/>
+          <p:nvPr/>
+        </p:nvSpPr>
+        <p:spPr>
+          <a:xfrm>
+            <a:off x="3437748" y="1301854"/>
+            <a:ext cx="1091242" cy="375385"/>
+          </a:xfrm>
+          <a:prstGeom prst="roundRect">
+            <a:avLst/>
+          </a:prstGeom>
+        </p:spPr>
+        <p:style>
+          <a:lnRef idx="2">
+            <a:schemeClr val="dk1"/>
+          </a:lnRef>
+          <a:fillRef idx="1">
+            <a:schemeClr val="lt1"/>
+          </a:fillRef>
+          <a:effectRef idx="0">
+            <a:schemeClr val="dk1"/>
+          </a:effectRef>
+          <a:fontRef idx="minor">
+            <a:schemeClr val="dk1"/>
+          </a:fontRef>
+        </p:style>
+        <p:txBody>
+          <a:bodyPr rtlCol="0" anchor="ctr"/>
+          <a:lstStyle/>
+          <a:p>
+            <a:pPr algn="ctr"/>
+            <a:r>
+              <a:rPr lang="en-US" altLang="ko-KR">
+                <a:solidFill>
+                  <a:schemeClr val="tx1"/>
+                </a:solidFill>
+              </a:rPr>
+              <a:t> </a:t>
+            </a:r>
+            <a:r>
+              <a:rPr lang="ko-KR" altLang="en-US">
+                <a:solidFill>
+                  <a:schemeClr val="tx1"/>
+                </a:solidFill>
+              </a:rPr>
+              <a:t>스프링</a:t>
+            </a:r>
+          </a:p>
+        </p:txBody>
+      </p:sp>
+      <p:sp>
+        <p:nvSpPr>
+          <p:cNvPr id="6" name="사각형: 둥근 모서리 5">
+            <a:extLst>
+              <a:ext uri="{FF2B5EF4-FFF2-40B4-BE49-F238E27FC236}">
+                <a16:creationId xmlns:a16="http://schemas.microsoft.com/office/drawing/2014/main" id="{0C720EA1-2C9F-4A72-346E-B43C09C535D5}"/>
+              </a:ext>
+            </a:extLst>
+          </p:cNvPr>
+          <p:cNvSpPr/>
+          <p:nvPr/>
+        </p:nvSpPr>
+        <p:spPr>
+          <a:xfrm>
+            <a:off x="5444426" y="1307669"/>
+            <a:ext cx="1164611" cy="375385"/>
+          </a:xfrm>
+          <a:prstGeom prst="roundRect">
+            <a:avLst/>
+          </a:prstGeom>
+        </p:spPr>
+        <p:style>
+          <a:lnRef idx="2">
+            <a:schemeClr val="dk1"/>
+          </a:lnRef>
+          <a:fillRef idx="1">
+            <a:schemeClr val="lt1"/>
+          </a:fillRef>
+          <a:effectRef idx="0">
+            <a:schemeClr val="dk1"/>
+          </a:effectRef>
+          <a:fontRef idx="minor">
+            <a:schemeClr val="dk1"/>
+          </a:fontRef>
+        </p:style>
+        <p:txBody>
+          <a:bodyPr rtlCol="0" anchor="ctr"/>
+          <a:lstStyle/>
+          <a:p>
+            <a:pPr algn="ctr"/>
+            <a:r>
+              <a:rPr lang="en-US" altLang="ko-KR">
+                <a:solidFill>
+                  <a:schemeClr val="tx1"/>
+                </a:solidFill>
+              </a:rPr>
+              <a:t>AD-217</a:t>
+            </a:r>
+            <a:endParaRPr lang="ko-KR" altLang="en-US">
+              <a:solidFill>
+                <a:schemeClr val="tx1"/>
+              </a:solidFill>
+            </a:endParaRPr>
+          </a:p>
+        </p:txBody>
+      </p:sp>
+      <p:sp>
+        <p:nvSpPr>
+          <p:cNvPr id="7" name="사각형: 둥근 모서리 6">
+            <a:extLst>
+              <a:ext uri="{FF2B5EF4-FFF2-40B4-BE49-F238E27FC236}">
+                <a16:creationId xmlns:a16="http://schemas.microsoft.com/office/drawing/2014/main" id="{EF0781BC-DF65-A294-B6DC-40F8BE9906FC}"/>
+              </a:ext>
+            </a:extLst>
+          </p:cNvPr>
+          <p:cNvSpPr/>
+          <p:nvPr/>
+        </p:nvSpPr>
+        <p:spPr>
+          <a:xfrm>
+            <a:off x="9703150" y="1327784"/>
+            <a:ext cx="1229410" cy="375385"/>
+          </a:xfrm>
+          <a:prstGeom prst="roundRect">
+            <a:avLst/>
+          </a:prstGeom>
+        </p:spPr>
+        <p:style>
+          <a:lnRef idx="2">
+            <a:schemeClr val="dk1"/>
+          </a:lnRef>
+          <a:fillRef idx="1">
+            <a:schemeClr val="lt1"/>
+          </a:fillRef>
+          <a:effectRef idx="0">
+            <a:schemeClr val="dk1"/>
+          </a:effectRef>
+          <a:fontRef idx="minor">
+            <a:schemeClr val="dk1"/>
+          </a:fontRef>
+        </p:style>
+        <p:txBody>
+          <a:bodyPr rtlCol="0" anchor="ctr"/>
+          <a:lstStyle/>
+          <a:p>
+            <a:pPr algn="ctr"/>
+            <a:r>
+              <a:rPr lang="en-US" altLang="ko-KR">
+                <a:solidFill>
+                  <a:schemeClr val="tx1"/>
+                </a:solidFill>
+              </a:rPr>
+              <a:t>Gold</a:t>
+            </a:r>
+            <a:endParaRPr lang="ko-KR" altLang="en-US">
+              <a:solidFill>
+                <a:schemeClr val="tx1"/>
+              </a:solidFill>
+            </a:endParaRPr>
+          </a:p>
+        </p:txBody>
+      </p:sp>
+      <p:sp>
+        <p:nvSpPr>
+          <p:cNvPr id="8" name="사각형: 둥근 모서리 7">
+            <a:extLst>
+              <a:ext uri="{FF2B5EF4-FFF2-40B4-BE49-F238E27FC236}">
+                <a16:creationId xmlns:a16="http://schemas.microsoft.com/office/drawing/2014/main" id="{0AF6E25F-19CE-12DD-4EA7-DFEF2F70CC13}"/>
+              </a:ext>
+            </a:extLst>
+          </p:cNvPr>
+          <p:cNvSpPr/>
+          <p:nvPr/>
+        </p:nvSpPr>
+        <p:spPr>
+          <a:xfrm>
+            <a:off x="5444426" y="1910879"/>
+            <a:ext cx="1164611" cy="375385"/>
+          </a:xfrm>
+          <a:prstGeom prst="roundRect">
+            <a:avLst/>
+          </a:prstGeom>
+        </p:spPr>
+        <p:style>
+          <a:lnRef idx="2">
+            <a:schemeClr val="dk1"/>
+          </a:lnRef>
+          <a:fillRef idx="1">
+            <a:schemeClr val="lt1"/>
+          </a:fillRef>
+          <a:effectRef idx="0">
+            <a:schemeClr val="dk1"/>
+          </a:effectRef>
+          <a:fontRef idx="minor">
+            <a:schemeClr val="dk1"/>
+          </a:fontRef>
+        </p:style>
+        <p:txBody>
+          <a:bodyPr rtlCol="0" anchor="ctr"/>
+          <a:lstStyle/>
+          <a:p>
+            <a:pPr algn="ctr"/>
+            <a:r>
+              <a:rPr lang="ko-KR" altLang="en-US">
+                <a:solidFill>
+                  <a:schemeClr val="tx1"/>
+                </a:solidFill>
+              </a:rPr>
+              <a:t>방산</a:t>
+            </a:r>
+          </a:p>
+        </p:txBody>
+      </p:sp>
+      <p:sp>
+        <p:nvSpPr>
+          <p:cNvPr id="9" name="사각형: 둥근 모서리 8">
+            <a:extLst>
+              <a:ext uri="{FF2B5EF4-FFF2-40B4-BE49-F238E27FC236}">
+                <a16:creationId xmlns:a16="http://schemas.microsoft.com/office/drawing/2014/main" id="{F860B9E4-DE24-82DD-3B35-E4CA05606D96}"/>
+              </a:ext>
+            </a:extLst>
+          </p:cNvPr>
+          <p:cNvSpPr/>
+          <p:nvPr/>
+        </p:nvSpPr>
+        <p:spPr>
+          <a:xfrm>
+            <a:off x="7721369" y="1314083"/>
+            <a:ext cx="1229410" cy="375385"/>
+          </a:xfrm>
+          <a:prstGeom prst="roundRect">
+            <a:avLst/>
+          </a:prstGeom>
+        </p:spPr>
+        <p:style>
+          <a:lnRef idx="2">
+            <a:schemeClr val="dk1"/>
+          </a:lnRef>
+          <a:fillRef idx="1">
+            <a:schemeClr val="lt1"/>
+          </a:fillRef>
+          <a:effectRef idx="0">
+            <a:schemeClr val="dk1"/>
+          </a:effectRef>
+          <a:fontRef idx="minor">
+            <a:schemeClr val="dk1"/>
+          </a:fontRef>
+        </p:style>
+        <p:txBody>
+          <a:bodyPr rtlCol="0" anchor="ctr"/>
+          <a:lstStyle/>
+          <a:p>
+            <a:pPr algn="ctr"/>
+            <a:r>
+              <a:rPr lang="en-US" altLang="ko-KR">
+                <a:solidFill>
+                  <a:schemeClr val="tx1"/>
+                </a:solidFill>
+              </a:rPr>
+              <a:t>19000</a:t>
+            </a:r>
+            <a:endParaRPr lang="ko-KR" altLang="en-US">
+              <a:solidFill>
+                <a:schemeClr val="tx1"/>
+              </a:solidFill>
+            </a:endParaRPr>
+          </a:p>
+        </p:txBody>
+      </p:sp>
+      <p:sp>
+        <p:nvSpPr>
+          <p:cNvPr id="10" name="사각형: 둥근 모서리 9">
+            <a:extLst>
+              <a:ext uri="{FF2B5EF4-FFF2-40B4-BE49-F238E27FC236}">
+                <a16:creationId xmlns:a16="http://schemas.microsoft.com/office/drawing/2014/main" id="{1086AB74-B3A0-E00B-4ED1-CCC1C61A14A0}"/>
+              </a:ext>
+            </a:extLst>
+          </p:cNvPr>
+          <p:cNvSpPr/>
+          <p:nvPr/>
+        </p:nvSpPr>
+        <p:spPr>
+          <a:xfrm>
+            <a:off x="1403308" y="1920373"/>
+            <a:ext cx="1324588" cy="375385"/>
+          </a:xfrm>
+          <a:prstGeom prst="roundRect">
+            <a:avLst/>
+          </a:prstGeom>
+        </p:spPr>
+        <p:style>
+          <a:lnRef idx="2">
+            <a:schemeClr val="dk1"/>
+          </a:lnRef>
+          <a:fillRef idx="1">
+            <a:schemeClr val="lt1"/>
+          </a:fillRef>
+          <a:effectRef idx="0">
+            <a:schemeClr val="dk1"/>
+          </a:effectRef>
+          <a:fontRef idx="minor">
+            <a:schemeClr val="dk1"/>
+          </a:fontRef>
+        </p:style>
+        <p:txBody>
+          <a:bodyPr rtlCol="0" anchor="ctr"/>
+          <a:lstStyle/>
+          <a:p>
+            <a:pPr algn="ctr"/>
+            <a:r>
+              <a:rPr lang="ko-KR" altLang="en-US">
+                <a:solidFill>
+                  <a:schemeClr val="tx1"/>
+                </a:solidFill>
+              </a:rPr>
+              <a:t>액체</a:t>
+            </a:r>
+          </a:p>
+        </p:txBody>
+      </p:sp>
+      <p:sp>
+        <p:nvSpPr>
+          <p:cNvPr id="11" name="사각형: 둥근 모서리 10">
+            <a:extLst>
+              <a:ext uri="{FF2B5EF4-FFF2-40B4-BE49-F238E27FC236}">
+                <a16:creationId xmlns:a16="http://schemas.microsoft.com/office/drawing/2014/main" id="{2F619221-49FF-2FB0-F4B8-420AFCE16E5D}"/>
+              </a:ext>
+            </a:extLst>
+          </p:cNvPr>
+          <p:cNvSpPr/>
+          <p:nvPr/>
+        </p:nvSpPr>
+        <p:spPr>
+          <a:xfrm>
+            <a:off x="3438312" y="1910380"/>
+            <a:ext cx="1090678" cy="375385"/>
+          </a:xfrm>
+          <a:prstGeom prst="roundRect">
+            <a:avLst/>
+          </a:prstGeom>
+        </p:spPr>
+        <p:style>
+          <a:lnRef idx="2">
+            <a:schemeClr val="dk1"/>
+          </a:lnRef>
+          <a:fillRef idx="1">
+            <a:schemeClr val="lt1"/>
+          </a:fillRef>
+          <a:effectRef idx="0">
+            <a:schemeClr val="dk1"/>
+          </a:effectRef>
+          <a:fontRef idx="minor">
+            <a:schemeClr val="dk1"/>
+          </a:fontRef>
+        </p:style>
+        <p:txBody>
+          <a:bodyPr rtlCol="0" anchor="ctr"/>
+          <a:lstStyle/>
+          <a:p>
+            <a:pPr algn="ctr"/>
+            <a:r>
+              <a:rPr lang="ko-KR" altLang="en-US">
+                <a:solidFill>
+                  <a:schemeClr val="tx1"/>
+                </a:solidFill>
+              </a:rPr>
+              <a:t>비고</a:t>
+            </a:r>
+          </a:p>
+        </p:txBody>
+      </p:sp>
+      <p:sp>
+        <p:nvSpPr>
+          <p:cNvPr id="12" name="사각형: 둥근 모서리 11">
+            <a:extLst>
+              <a:ext uri="{FF2B5EF4-FFF2-40B4-BE49-F238E27FC236}">
+                <a16:creationId xmlns:a16="http://schemas.microsoft.com/office/drawing/2014/main" id="{502B8601-553F-8AD4-44E8-96567397E501}"/>
+              </a:ext>
+            </a:extLst>
+          </p:cNvPr>
+          <p:cNvSpPr/>
+          <p:nvPr/>
+        </p:nvSpPr>
+        <p:spPr>
+          <a:xfrm>
+            <a:off x="1540584" y="3674418"/>
+            <a:ext cx="1619803" cy="1478280"/>
+          </a:xfrm>
+          <a:prstGeom prst="roundRect">
+            <a:avLst/>
+          </a:prstGeom>
+        </p:spPr>
+        <p:style>
+          <a:lnRef idx="2">
+            <a:schemeClr val="dk1"/>
+          </a:lnRef>
+          <a:fillRef idx="1">
+            <a:schemeClr val="lt1"/>
+          </a:fillRef>
+          <a:effectRef idx="0">
+            <a:schemeClr val="dk1"/>
+          </a:effectRef>
+          <a:fontRef idx="minor">
+            <a:schemeClr val="dk1"/>
+          </a:fontRef>
+        </p:style>
+        <p:txBody>
+          <a:bodyPr rtlCol="0" anchor="ctr"/>
+          <a:lstStyle/>
+          <a:p>
+            <a:pPr algn="ctr"/>
+            <a:r>
+              <a:rPr lang="ko-KR" altLang="en-US">
+                <a:solidFill>
+                  <a:schemeClr val="bg2">
+                    <a:lumMod val="75000"/>
+                  </a:schemeClr>
+                </a:solidFill>
+              </a:rPr>
+              <a:t>이미지</a:t>
+            </a:r>
+            <a:endParaRPr lang="en-US" altLang="ko-KR">
+              <a:solidFill>
+                <a:schemeClr val="bg2">
+                  <a:lumMod val="75000"/>
+                </a:schemeClr>
+              </a:solidFill>
+            </a:endParaRPr>
+          </a:p>
+          <a:p>
+            <a:pPr algn="ctr"/>
+            <a:r>
+              <a:rPr lang="ko-KR" altLang="en-US"/>
+              <a:t> </a:t>
+            </a:r>
+          </a:p>
+        </p:txBody>
+      </p:sp>
+      <p:sp>
+        <p:nvSpPr>
+          <p:cNvPr id="13" name="사각형: 둥근 모서리 12">
+            <a:extLst>
+              <a:ext uri="{FF2B5EF4-FFF2-40B4-BE49-F238E27FC236}">
+                <a16:creationId xmlns:a16="http://schemas.microsoft.com/office/drawing/2014/main" id="{69C956C6-3B5B-218E-C64F-5DC68D6A8926}"/>
+              </a:ext>
+            </a:extLst>
+          </p:cNvPr>
+          <p:cNvSpPr/>
+          <p:nvPr/>
+        </p:nvSpPr>
+        <p:spPr>
+          <a:xfrm>
+            <a:off x="9316599" y="5576608"/>
+            <a:ext cx="950879" cy="596762"/>
+          </a:xfrm>
+          <a:prstGeom prst="roundRect">
+            <a:avLst/>
+          </a:prstGeom>
+          <a:solidFill>
+            <a:schemeClr val="accent1"/>
+          </a:solidFill>
+          <a:ln>
+            <a:noFill/>
+          </a:ln>
+        </p:spPr>
+        <p:style>
+          <a:lnRef idx="0">
+            <a:scrgbClr r="0" g="0" b="0"/>
+          </a:lnRef>
+          <a:fillRef idx="0">
+            <a:scrgbClr r="0" g="0" b="0"/>
+          </a:fillRef>
+          <a:effectRef idx="0">
+            <a:scrgbClr r="0" g="0" b="0"/>
+          </a:effectRef>
+          <a:fontRef idx="minor">
+            <a:schemeClr val="lt1"/>
+          </a:fontRef>
+        </p:style>
+        <p:txBody>
+          <a:bodyPr rtlCol="0" anchor="ctr"/>
+          <a:lstStyle/>
+          <a:p>
+            <a:pPr algn="ctr"/>
+            <a:r>
+              <a:rPr lang="ko-KR" altLang="en-US"/>
+              <a:t>수정</a:t>
+            </a:r>
+          </a:p>
+        </p:txBody>
+      </p:sp>
+      <p:sp>
+        <p:nvSpPr>
+          <p:cNvPr id="14" name="TextBox 13">
+            <a:extLst>
+              <a:ext uri="{FF2B5EF4-FFF2-40B4-BE49-F238E27FC236}">
+                <a16:creationId xmlns:a16="http://schemas.microsoft.com/office/drawing/2014/main" id="{629C068B-A990-BBB8-2511-6921F685EC94}"/>
+              </a:ext>
+            </a:extLst>
+          </p:cNvPr>
+          <p:cNvSpPr txBox="1"/>
+          <p:nvPr/>
+        </p:nvSpPr>
+        <p:spPr>
+          <a:xfrm>
+            <a:off x="1276434" y="397021"/>
+            <a:ext cx="6949440" cy="523220"/>
+          </a:xfrm>
+          <a:prstGeom prst="rect">
+            <a:avLst/>
+          </a:prstGeom>
+          <a:noFill/>
+        </p:spPr>
+        <p:txBody>
+          <a:bodyPr wrap="square" rtlCol="0">
+            <a:spAutoFit/>
+          </a:bodyPr>
+          <a:lstStyle/>
+          <a:p>
+            <a:r>
+              <a:rPr lang="ko-KR" altLang="en-US" sz="2800"/>
+              <a:t>수주 품목 상세정보 조회 페이지</a:t>
+            </a:r>
+          </a:p>
+        </p:txBody>
+      </p:sp>
+      <p:cxnSp>
+        <p:nvCxnSpPr>
+          <p:cNvPr id="15" name="직선 연결선 14">
+            <a:extLst>
+              <a:ext uri="{FF2B5EF4-FFF2-40B4-BE49-F238E27FC236}">
+                <a16:creationId xmlns:a16="http://schemas.microsoft.com/office/drawing/2014/main" id="{289A21CC-9CE0-7B4C-A1C7-327EBC2EADD3}"/>
+              </a:ext>
+            </a:extLst>
+          </p:cNvPr>
+          <p:cNvCxnSpPr>
+            <a:cxnSpLocks/>
+          </p:cNvCxnSpPr>
+          <p:nvPr/>
+        </p:nvCxnSpPr>
+        <p:spPr>
+          <a:xfrm>
+            <a:off x="501198" y="1037475"/>
+            <a:ext cx="10781503" cy="0"/>
+          </a:xfrm>
+          <a:prstGeom prst="line">
+            <a:avLst/>
+          </a:prstGeom>
+        </p:spPr>
+        <p:style>
+          <a:lnRef idx="3">
+            <a:schemeClr val="dk1"/>
+          </a:lnRef>
+          <a:fillRef idx="0">
+            <a:schemeClr val="dk1"/>
+          </a:fillRef>
+          <a:effectRef idx="2">
+            <a:schemeClr val="dk1"/>
+          </a:effectRef>
+          <a:fontRef idx="minor">
+            <a:schemeClr val="tx1"/>
+          </a:fontRef>
+        </p:style>
+      </p:cxnSp>
+      <p:sp>
+        <p:nvSpPr>
+          <p:cNvPr id="16" name="사각형: 둥근 모서리 15">
+            <a:extLst>
+              <a:ext uri="{FF2B5EF4-FFF2-40B4-BE49-F238E27FC236}">
+                <a16:creationId xmlns:a16="http://schemas.microsoft.com/office/drawing/2014/main" id="{ADEF4F69-7F65-99FA-6391-542C22D527B0}"/>
+              </a:ext>
+            </a:extLst>
+          </p:cNvPr>
+          <p:cNvSpPr/>
+          <p:nvPr/>
+        </p:nvSpPr>
+        <p:spPr>
+          <a:xfrm>
+            <a:off x="7721369" y="1910380"/>
+            <a:ext cx="3216997" cy="375385"/>
+          </a:xfrm>
+          <a:prstGeom prst="roundRect">
+            <a:avLst/>
+          </a:prstGeom>
+        </p:spPr>
+        <p:style>
+          <a:lnRef idx="2">
+            <a:schemeClr val="dk1"/>
+          </a:lnRef>
+          <a:fillRef idx="1">
+            <a:schemeClr val="lt1"/>
+          </a:fillRef>
+          <a:effectRef idx="0">
+            <a:schemeClr val="dk1"/>
+          </a:effectRef>
+          <a:fontRef idx="minor">
+            <a:schemeClr val="dk1"/>
+          </a:fontRef>
+        </p:style>
+        <p:txBody>
+          <a:bodyPr rtlCol="0" anchor="ctr"/>
+          <a:lstStyle/>
+          <a:p>
+            <a:pPr algn="ctr"/>
+            <a:r>
+              <a:rPr lang="ko-KR" altLang="en-US">
+                <a:solidFill>
+                  <a:schemeClr val="tx1"/>
+                </a:solidFill>
+              </a:rPr>
+              <a:t>라우팅</a:t>
+            </a:r>
+            <a:r>
+              <a:rPr lang="ko-KR" altLang="en-US">
+                <a:solidFill>
+                  <a:schemeClr val="bg2">
+                    <a:lumMod val="75000"/>
+                  </a:schemeClr>
+                </a:solidFill>
+              </a:rPr>
+              <a:t> </a:t>
+            </a:r>
+            <a:r>
+              <a:rPr lang="ko-KR" altLang="en-US">
+                <a:solidFill>
+                  <a:schemeClr val="tx1"/>
+                </a:solidFill>
+              </a:rPr>
+              <a:t>정보</a:t>
+            </a:r>
+          </a:p>
+        </p:txBody>
+      </p:sp>
+      <p:sp>
+        <p:nvSpPr>
+          <p:cNvPr id="17" name="사각형: 둥근 모서리 16">
+            <a:extLst>
+              <a:ext uri="{FF2B5EF4-FFF2-40B4-BE49-F238E27FC236}">
+                <a16:creationId xmlns:a16="http://schemas.microsoft.com/office/drawing/2014/main" id="{53471329-2E98-DE24-AF47-EDEA13910843}"/>
+              </a:ext>
+            </a:extLst>
+          </p:cNvPr>
+          <p:cNvSpPr/>
+          <p:nvPr/>
+        </p:nvSpPr>
+        <p:spPr>
+          <a:xfrm>
+            <a:off x="3794428" y="3682015"/>
+            <a:ext cx="1619803" cy="1478280"/>
+          </a:xfrm>
+          <a:prstGeom prst="roundRect">
+            <a:avLst/>
+          </a:prstGeom>
+        </p:spPr>
+        <p:style>
+          <a:lnRef idx="2">
+            <a:schemeClr val="dk1"/>
+          </a:lnRef>
+          <a:fillRef idx="1">
+            <a:schemeClr val="lt1"/>
+          </a:fillRef>
+          <a:effectRef idx="0">
+            <a:schemeClr val="dk1"/>
+          </a:effectRef>
+          <a:fontRef idx="minor">
+            <a:schemeClr val="dk1"/>
+          </a:fontRef>
+        </p:style>
+        <p:txBody>
+          <a:bodyPr rtlCol="0" anchor="ctr"/>
+          <a:lstStyle/>
+          <a:p>
+            <a:pPr algn="ctr"/>
+            <a:r>
+              <a:rPr lang="ko-KR" altLang="en-US">
+                <a:solidFill>
+                  <a:schemeClr val="bg2">
+                    <a:lumMod val="75000"/>
+                  </a:schemeClr>
+                </a:solidFill>
+              </a:rPr>
+              <a:t>이미지</a:t>
+            </a:r>
+            <a:endParaRPr lang="en-US" altLang="ko-KR">
+              <a:solidFill>
+                <a:schemeClr val="bg2">
+                  <a:lumMod val="75000"/>
+                </a:schemeClr>
+              </a:solidFill>
+            </a:endParaRPr>
+          </a:p>
+          <a:p>
+            <a:pPr algn="ctr"/>
+            <a:r>
+              <a:rPr lang="ko-KR" altLang="en-US"/>
+              <a:t> </a:t>
+            </a:r>
+          </a:p>
+        </p:txBody>
+      </p:sp>
+      <p:sp>
+        <p:nvSpPr>
+          <p:cNvPr id="18" name="사각형: 둥근 모서리 17">
+            <a:extLst>
+              <a:ext uri="{FF2B5EF4-FFF2-40B4-BE49-F238E27FC236}">
+                <a16:creationId xmlns:a16="http://schemas.microsoft.com/office/drawing/2014/main" id="{C322CBC5-8719-6BAC-3F23-1A3AF4069929}"/>
+              </a:ext>
+            </a:extLst>
+          </p:cNvPr>
+          <p:cNvSpPr/>
+          <p:nvPr/>
+        </p:nvSpPr>
+        <p:spPr>
+          <a:xfrm>
+            <a:off x="6187240" y="3674418"/>
+            <a:ext cx="1619803" cy="1478280"/>
+          </a:xfrm>
+          <a:prstGeom prst="roundRect">
+            <a:avLst/>
+          </a:prstGeom>
+        </p:spPr>
+        <p:style>
+          <a:lnRef idx="2">
+            <a:schemeClr val="dk1"/>
+          </a:lnRef>
+          <a:fillRef idx="1">
+            <a:schemeClr val="lt1"/>
+          </a:fillRef>
+          <a:effectRef idx="0">
+            <a:schemeClr val="dk1"/>
+          </a:effectRef>
+          <a:fontRef idx="minor">
+            <a:schemeClr val="dk1"/>
+          </a:fontRef>
+        </p:style>
+        <p:txBody>
+          <a:bodyPr rtlCol="0" anchor="ctr"/>
+          <a:lstStyle/>
+          <a:p>
+            <a:pPr algn="ctr"/>
+            <a:r>
+              <a:rPr lang="ko-KR" altLang="en-US">
+                <a:solidFill>
+                  <a:schemeClr val="bg2">
+                    <a:lumMod val="75000"/>
+                  </a:schemeClr>
+                </a:solidFill>
+              </a:rPr>
+              <a:t>이미지</a:t>
+            </a:r>
+            <a:endParaRPr lang="en-US" altLang="ko-KR">
+              <a:solidFill>
+                <a:schemeClr val="bg2">
+                  <a:lumMod val="75000"/>
+                </a:schemeClr>
+              </a:solidFill>
+            </a:endParaRPr>
+          </a:p>
+          <a:p>
+            <a:pPr algn="ctr"/>
+            <a:r>
+              <a:rPr lang="ko-KR" altLang="en-US"/>
+              <a:t> </a:t>
+            </a:r>
+          </a:p>
+        </p:txBody>
+      </p:sp>
+      <p:sp>
+        <p:nvSpPr>
+          <p:cNvPr id="19" name="사각형: 둥근 모서리 18">
+            <a:extLst>
+              <a:ext uri="{FF2B5EF4-FFF2-40B4-BE49-F238E27FC236}">
+                <a16:creationId xmlns:a16="http://schemas.microsoft.com/office/drawing/2014/main" id="{F9C12F90-5C4F-DFC8-C836-CCA0E8457159}"/>
+              </a:ext>
+            </a:extLst>
+          </p:cNvPr>
+          <p:cNvSpPr/>
+          <p:nvPr/>
+        </p:nvSpPr>
+        <p:spPr>
+          <a:xfrm>
+            <a:off x="8580052" y="3682015"/>
+            <a:ext cx="1619803" cy="1478280"/>
+          </a:xfrm>
+          <a:prstGeom prst="roundRect">
+            <a:avLst/>
+          </a:prstGeom>
+        </p:spPr>
+        <p:style>
+          <a:lnRef idx="2">
+            <a:schemeClr val="dk1"/>
+          </a:lnRef>
+          <a:fillRef idx="1">
+            <a:schemeClr val="lt1"/>
+          </a:fillRef>
+          <a:effectRef idx="0">
+            <a:schemeClr val="dk1"/>
+          </a:effectRef>
+          <a:fontRef idx="minor">
+            <a:schemeClr val="dk1"/>
+          </a:fontRef>
+        </p:style>
+        <p:txBody>
+          <a:bodyPr rtlCol="0" anchor="ctr"/>
+          <a:lstStyle/>
+          <a:p>
+            <a:pPr algn="ctr"/>
+            <a:r>
+              <a:rPr lang="ko-KR" altLang="en-US">
+                <a:solidFill>
+                  <a:schemeClr val="bg2">
+                    <a:lumMod val="75000"/>
+                  </a:schemeClr>
+                </a:solidFill>
+              </a:rPr>
+              <a:t>이미지</a:t>
+            </a:r>
+            <a:endParaRPr lang="en-US" altLang="ko-KR">
+              <a:solidFill>
+                <a:schemeClr val="bg2">
+                  <a:lumMod val="75000"/>
+                </a:schemeClr>
+              </a:solidFill>
+            </a:endParaRPr>
+          </a:p>
+          <a:p>
+            <a:pPr algn="ctr"/>
+            <a:r>
+              <a:rPr lang="ko-KR" altLang="en-US"/>
+              <a:t> </a:t>
+            </a:r>
+          </a:p>
+        </p:txBody>
+      </p:sp>
+      <p:pic>
+        <p:nvPicPr>
+          <p:cNvPr id="20" name="그래픽 19" descr="이미지">
+            <a:extLst>
+              <a:ext uri="{FF2B5EF4-FFF2-40B4-BE49-F238E27FC236}">
+                <a16:creationId xmlns:a16="http://schemas.microsoft.com/office/drawing/2014/main" id="{43551B6A-73DB-FA2B-500A-1791FDF18AEF}"/>
+              </a:ext>
+            </a:extLst>
+          </p:cNvPr>
+          <p:cNvPicPr>
+            <a:picLocks noChangeAspect="1"/>
+          </p:cNvPicPr>
+          <p:nvPr/>
+        </p:nvPicPr>
+        <p:blipFill>
+          <a:blip r:embed="rId2">
+            <a:extLst>
+              <a:ext uri="{96DAC541-7B7A-43D3-8B79-37D633B846F1}">
+                <asvg:svgBlip xmlns:asvg="http://schemas.microsoft.com/office/drawing/2016/SVG/main" r:embed="rId3"/>
+              </a:ext>
+            </a:extLst>
+          </a:blip>
+          <a:stretch>
+            <a:fillRect/>
+          </a:stretch>
+        </p:blipFill>
+        <p:spPr>
+          <a:xfrm>
+            <a:off x="4378790" y="4421155"/>
+            <a:ext cx="445394" cy="375385"/>
+          </a:xfrm>
+          <a:prstGeom prst="rect">
+            <a:avLst/>
+          </a:prstGeom>
+        </p:spPr>
+      </p:pic>
+      <p:pic>
+        <p:nvPicPr>
+          <p:cNvPr id="21" name="그래픽 20" descr="이미지">
+            <a:extLst>
+              <a:ext uri="{FF2B5EF4-FFF2-40B4-BE49-F238E27FC236}">
+                <a16:creationId xmlns:a16="http://schemas.microsoft.com/office/drawing/2014/main" id="{11C5929B-FAA2-02EB-2448-3F389759B945}"/>
+              </a:ext>
+            </a:extLst>
+          </p:cNvPr>
+          <p:cNvPicPr>
+            <a:picLocks noChangeAspect="1"/>
+          </p:cNvPicPr>
+          <p:nvPr/>
+        </p:nvPicPr>
+        <p:blipFill>
+          <a:blip r:embed="rId2">
+            <a:extLst>
+              <a:ext uri="{96DAC541-7B7A-43D3-8B79-37D633B846F1}">
+                <asvg:svgBlip xmlns:asvg="http://schemas.microsoft.com/office/drawing/2016/SVG/main" r:embed="rId3"/>
+              </a:ext>
+            </a:extLst>
+          </a:blip>
+          <a:stretch>
+            <a:fillRect/>
+          </a:stretch>
+        </p:blipFill>
+        <p:spPr>
+          <a:xfrm>
+            <a:off x="6774444" y="4425004"/>
+            <a:ext cx="445394" cy="375385"/>
+          </a:xfrm>
+          <a:prstGeom prst="rect">
+            <a:avLst/>
+          </a:prstGeom>
+        </p:spPr>
+      </p:pic>
+      <p:pic>
+        <p:nvPicPr>
+          <p:cNvPr id="22" name="그래픽 21" descr="이미지">
+            <a:extLst>
+              <a:ext uri="{FF2B5EF4-FFF2-40B4-BE49-F238E27FC236}">
+                <a16:creationId xmlns:a16="http://schemas.microsoft.com/office/drawing/2014/main" id="{9F0701CF-4499-4266-37DB-9123DD656D5F}"/>
+              </a:ext>
+            </a:extLst>
+          </p:cNvPr>
+          <p:cNvPicPr>
+            <a:picLocks noChangeAspect="1"/>
+          </p:cNvPicPr>
+          <p:nvPr/>
+        </p:nvPicPr>
+        <p:blipFill>
+          <a:blip r:embed="rId2">
+            <a:extLst>
+              <a:ext uri="{96DAC541-7B7A-43D3-8B79-37D633B846F1}">
+                <asvg:svgBlip xmlns:asvg="http://schemas.microsoft.com/office/drawing/2016/SVG/main" r:embed="rId3"/>
+              </a:ext>
+            </a:extLst>
+          </a:blip>
+          <a:stretch>
+            <a:fillRect/>
+          </a:stretch>
+        </p:blipFill>
+        <p:spPr>
+          <a:xfrm>
+            <a:off x="2127788" y="4421155"/>
+            <a:ext cx="445394" cy="375385"/>
+          </a:xfrm>
+          <a:prstGeom prst="rect">
+            <a:avLst/>
+          </a:prstGeom>
+        </p:spPr>
+      </p:pic>
+      <p:pic>
+        <p:nvPicPr>
+          <p:cNvPr id="23" name="그래픽 22" descr="이미지">
+            <a:extLst>
+              <a:ext uri="{FF2B5EF4-FFF2-40B4-BE49-F238E27FC236}">
+                <a16:creationId xmlns:a16="http://schemas.microsoft.com/office/drawing/2014/main" id="{B61C897C-9049-55DA-A43C-5E37861EA47C}"/>
+              </a:ext>
+            </a:extLst>
+          </p:cNvPr>
+          <p:cNvPicPr>
+            <a:picLocks noChangeAspect="1"/>
+          </p:cNvPicPr>
+          <p:nvPr/>
+        </p:nvPicPr>
+        <p:blipFill>
+          <a:blip r:embed="rId2">
+            <a:extLst>
+              <a:ext uri="{96DAC541-7B7A-43D3-8B79-37D633B846F1}">
+                <asvg:svgBlip xmlns:asvg="http://schemas.microsoft.com/office/drawing/2016/SVG/main" r:embed="rId3"/>
+              </a:ext>
+            </a:extLst>
+          </a:blip>
+          <a:stretch>
+            <a:fillRect/>
+          </a:stretch>
+        </p:blipFill>
+        <p:spPr>
+          <a:xfrm>
+            <a:off x="9167256" y="4413558"/>
+            <a:ext cx="445394" cy="375385"/>
+          </a:xfrm>
+          <a:prstGeom prst="rect">
+            <a:avLst/>
+          </a:prstGeom>
+        </p:spPr>
+      </p:pic>
+      <p:sp>
+        <p:nvSpPr>
+          <p:cNvPr id="24" name="사각형: 둥근 모서리 23">
+            <a:extLst>
+              <a:ext uri="{FF2B5EF4-FFF2-40B4-BE49-F238E27FC236}">
+                <a16:creationId xmlns:a16="http://schemas.microsoft.com/office/drawing/2014/main" id="{74219841-0A8D-3D16-2F5F-932B939D6EC9}"/>
+              </a:ext>
+            </a:extLst>
+          </p:cNvPr>
+          <p:cNvSpPr/>
+          <p:nvPr/>
+        </p:nvSpPr>
+        <p:spPr>
+          <a:xfrm>
+            <a:off x="530345" y="1286235"/>
+            <a:ext cx="1022957" cy="375385"/>
+          </a:xfrm>
+          <a:prstGeom prst="roundRect">
+            <a:avLst/>
+          </a:prstGeom>
+          <a:noFill/>
+          <a:ln>
+            <a:noFill/>
+          </a:ln>
+        </p:spPr>
+        <p:style>
+          <a:lnRef idx="0">
+            <a:scrgbClr r="0" g="0" b="0"/>
+          </a:lnRef>
+          <a:fillRef idx="0">
+            <a:scrgbClr r="0" g="0" b="0"/>
+          </a:fillRef>
+          <a:effectRef idx="0">
+            <a:scrgbClr r="0" g="0" b="0"/>
+          </a:effectRef>
+          <a:fontRef idx="minor">
+            <a:schemeClr val="dk1"/>
+          </a:fontRef>
+        </p:style>
+        <p:txBody>
+          <a:bodyPr rtlCol="0" anchor="ctr"/>
+          <a:lstStyle/>
+          <a:p>
+            <a:pPr algn="ctr"/>
+            <a:r>
+              <a:rPr lang="ko-KR" altLang="en-US" sz="1200"/>
+              <a:t>거래처명</a:t>
+            </a:r>
+          </a:p>
+        </p:txBody>
+      </p:sp>
+      <p:sp>
+        <p:nvSpPr>
+          <p:cNvPr id="25" name="사각형: 둥근 모서리 24">
+            <a:extLst>
+              <a:ext uri="{FF2B5EF4-FFF2-40B4-BE49-F238E27FC236}">
+                <a16:creationId xmlns:a16="http://schemas.microsoft.com/office/drawing/2014/main" id="{3176B3D7-389A-5D58-0E29-2F3B28F1F95A}"/>
+              </a:ext>
+            </a:extLst>
+          </p:cNvPr>
+          <p:cNvSpPr/>
+          <p:nvPr/>
+        </p:nvSpPr>
+        <p:spPr>
+          <a:xfrm>
+            <a:off x="2648908" y="1312637"/>
+            <a:ext cx="1022957" cy="375385"/>
+          </a:xfrm>
+          <a:prstGeom prst="roundRect">
+            <a:avLst/>
+          </a:prstGeom>
+          <a:noFill/>
+          <a:ln>
+            <a:noFill/>
+          </a:ln>
+        </p:spPr>
+        <p:style>
+          <a:lnRef idx="0">
+            <a:scrgbClr r="0" g="0" b="0"/>
+          </a:lnRef>
+          <a:fillRef idx="0">
+            <a:scrgbClr r="0" g="0" b="0"/>
+          </a:fillRef>
+          <a:effectRef idx="0">
+            <a:scrgbClr r="0" g="0" b="0"/>
+          </a:effectRef>
+          <a:fontRef idx="minor">
+            <a:schemeClr val="dk1"/>
+          </a:fontRef>
+        </p:style>
+        <p:txBody>
+          <a:bodyPr rtlCol="0" anchor="ctr"/>
+          <a:lstStyle/>
+          <a:p>
+            <a:pPr algn="ctr"/>
+            <a:r>
+              <a:rPr lang="ko-KR" altLang="en-US" sz="1200"/>
+              <a:t>품목명</a:t>
+            </a:r>
+          </a:p>
+        </p:txBody>
+      </p:sp>
+      <p:sp>
+        <p:nvSpPr>
+          <p:cNvPr id="26" name="사각형: 둥근 모서리 25">
+            <a:extLst>
+              <a:ext uri="{FF2B5EF4-FFF2-40B4-BE49-F238E27FC236}">
+                <a16:creationId xmlns:a16="http://schemas.microsoft.com/office/drawing/2014/main" id="{14C54EC4-BC53-753B-5FC2-0BB0E62B4E9F}"/>
+              </a:ext>
+            </a:extLst>
+          </p:cNvPr>
+          <p:cNvSpPr/>
+          <p:nvPr/>
+        </p:nvSpPr>
+        <p:spPr>
+          <a:xfrm>
+            <a:off x="4578368" y="1307669"/>
+            <a:ext cx="1022957" cy="375385"/>
+          </a:xfrm>
+          <a:prstGeom prst="roundRect">
+            <a:avLst/>
+          </a:prstGeom>
+          <a:noFill/>
+          <a:ln>
+            <a:noFill/>
+          </a:ln>
+        </p:spPr>
+        <p:style>
+          <a:lnRef idx="0">
+            <a:scrgbClr r="0" g="0" b="0"/>
+          </a:lnRef>
+          <a:fillRef idx="0">
+            <a:scrgbClr r="0" g="0" b="0"/>
+          </a:fillRef>
+          <a:effectRef idx="0">
+            <a:scrgbClr r="0" g="0" b="0"/>
+          </a:effectRef>
+          <a:fontRef idx="minor">
+            <a:schemeClr val="dk1"/>
+          </a:fontRef>
+        </p:style>
+        <p:txBody>
+          <a:bodyPr rtlCol="0" anchor="ctr"/>
+          <a:lstStyle/>
+          <a:p>
+            <a:pPr algn="ctr"/>
+            <a:r>
+              <a:rPr lang="ko-KR" altLang="en-US" sz="1200"/>
+              <a:t>품목번호</a:t>
+            </a:r>
+          </a:p>
+        </p:txBody>
+      </p:sp>
+      <p:sp>
+        <p:nvSpPr>
+          <p:cNvPr id="27" name="사각형: 둥근 모서리 26">
+            <a:extLst>
+              <a:ext uri="{FF2B5EF4-FFF2-40B4-BE49-F238E27FC236}">
+                <a16:creationId xmlns:a16="http://schemas.microsoft.com/office/drawing/2014/main" id="{8F00D346-63B5-48C1-CA05-C9E0FCEFD412}"/>
+              </a:ext>
+            </a:extLst>
+          </p:cNvPr>
+          <p:cNvSpPr/>
+          <p:nvPr/>
+        </p:nvSpPr>
+        <p:spPr>
+          <a:xfrm>
+            <a:off x="6649036" y="1314083"/>
+            <a:ext cx="1022957" cy="375385"/>
+          </a:xfrm>
+          <a:prstGeom prst="roundRect">
+            <a:avLst/>
+          </a:prstGeom>
+          <a:noFill/>
+          <a:ln>
+            <a:noFill/>
+          </a:ln>
+        </p:spPr>
+        <p:style>
+          <a:lnRef idx="0">
+            <a:scrgbClr r="0" g="0" b="0"/>
+          </a:lnRef>
+          <a:fillRef idx="0">
+            <a:scrgbClr r="0" g="0" b="0"/>
+          </a:fillRef>
+          <a:effectRef idx="0">
+            <a:scrgbClr r="0" g="0" b="0"/>
+          </a:effectRef>
+          <a:fontRef idx="minor">
+            <a:schemeClr val="dk1"/>
+          </a:fontRef>
+        </p:style>
+        <p:txBody>
+          <a:bodyPr rtlCol="0" anchor="ctr"/>
+          <a:lstStyle/>
+          <a:p>
+            <a:pPr algn="ctr"/>
+            <a:r>
+              <a:rPr lang="ko-KR" altLang="en-US" sz="1200"/>
+              <a:t>품목 단가</a:t>
+            </a:r>
+          </a:p>
+        </p:txBody>
+      </p:sp>
+      <p:sp>
+        <p:nvSpPr>
+          <p:cNvPr id="28" name="사각형: 둥근 모서리 27">
+            <a:extLst>
+              <a:ext uri="{FF2B5EF4-FFF2-40B4-BE49-F238E27FC236}">
+                <a16:creationId xmlns:a16="http://schemas.microsoft.com/office/drawing/2014/main" id="{E0A38319-461D-93D3-12D5-FF27CE4B2B6C}"/>
+              </a:ext>
+            </a:extLst>
+          </p:cNvPr>
+          <p:cNvSpPr/>
+          <p:nvPr/>
+        </p:nvSpPr>
+        <p:spPr>
+          <a:xfrm>
+            <a:off x="9055921" y="1327784"/>
+            <a:ext cx="794599" cy="375385"/>
+          </a:xfrm>
+          <a:prstGeom prst="roundRect">
+            <a:avLst/>
+          </a:prstGeom>
+          <a:noFill/>
+          <a:ln>
+            <a:noFill/>
+          </a:ln>
+        </p:spPr>
+        <p:style>
+          <a:lnRef idx="0">
+            <a:scrgbClr r="0" g="0" b="0"/>
+          </a:lnRef>
+          <a:fillRef idx="0">
+            <a:scrgbClr r="0" g="0" b="0"/>
+          </a:fillRef>
+          <a:effectRef idx="0">
+            <a:scrgbClr r="0" g="0" b="0"/>
+          </a:effectRef>
+          <a:fontRef idx="minor">
+            <a:schemeClr val="dk1"/>
+          </a:fontRef>
+        </p:style>
+        <p:txBody>
+          <a:bodyPr rtlCol="0" anchor="ctr"/>
+          <a:lstStyle/>
+          <a:p>
+            <a:pPr algn="ctr"/>
+            <a:r>
+              <a:rPr lang="ko-KR" altLang="en-US" sz="1200"/>
+              <a:t>색상</a:t>
+            </a:r>
+          </a:p>
+        </p:txBody>
+      </p:sp>
+      <p:sp>
+        <p:nvSpPr>
+          <p:cNvPr id="29" name="사각형: 둥근 모서리 28">
+            <a:extLst>
+              <a:ext uri="{FF2B5EF4-FFF2-40B4-BE49-F238E27FC236}">
+                <a16:creationId xmlns:a16="http://schemas.microsoft.com/office/drawing/2014/main" id="{B9E7A1BC-D550-1164-46C5-8B79CFC203B9}"/>
+              </a:ext>
+            </a:extLst>
+          </p:cNvPr>
+          <p:cNvSpPr/>
+          <p:nvPr/>
+        </p:nvSpPr>
+        <p:spPr>
+          <a:xfrm>
+            <a:off x="530344" y="1888329"/>
+            <a:ext cx="1022957" cy="375385"/>
+          </a:xfrm>
+          <a:prstGeom prst="roundRect">
+            <a:avLst/>
+          </a:prstGeom>
+          <a:noFill/>
+          <a:ln>
+            <a:noFill/>
+          </a:ln>
+        </p:spPr>
+        <p:style>
+          <a:lnRef idx="0">
+            <a:scrgbClr r="0" g="0" b="0"/>
+          </a:lnRef>
+          <a:fillRef idx="0">
+            <a:scrgbClr r="0" g="0" b="0"/>
+          </a:fillRef>
+          <a:effectRef idx="0">
+            <a:scrgbClr r="0" g="0" b="0"/>
+          </a:effectRef>
+          <a:fontRef idx="minor">
+            <a:schemeClr val="dk1"/>
+          </a:fontRef>
+        </p:style>
+        <p:txBody>
+          <a:bodyPr rtlCol="0" anchor="ctr"/>
+          <a:lstStyle/>
+          <a:p>
+            <a:pPr algn="ctr"/>
+            <a:r>
+              <a:rPr lang="ko-KR" altLang="en-US" sz="1200"/>
+              <a:t>도장 방식</a:t>
+            </a:r>
+          </a:p>
+        </p:txBody>
+      </p:sp>
+      <p:sp>
+        <p:nvSpPr>
+          <p:cNvPr id="30" name="사각형: 둥근 모서리 29">
+            <a:extLst>
+              <a:ext uri="{FF2B5EF4-FFF2-40B4-BE49-F238E27FC236}">
+                <a16:creationId xmlns:a16="http://schemas.microsoft.com/office/drawing/2014/main" id="{B404D0B0-3623-395D-7072-5830037AA4DA}"/>
+              </a:ext>
+            </a:extLst>
+          </p:cNvPr>
+          <p:cNvSpPr/>
+          <p:nvPr/>
+        </p:nvSpPr>
+        <p:spPr>
+          <a:xfrm>
+            <a:off x="2609007" y="1880115"/>
+            <a:ext cx="1022957" cy="375385"/>
+          </a:xfrm>
+          <a:prstGeom prst="roundRect">
+            <a:avLst/>
+          </a:prstGeom>
+          <a:noFill/>
+          <a:ln>
+            <a:noFill/>
+          </a:ln>
+        </p:spPr>
+        <p:style>
+          <a:lnRef idx="0">
+            <a:scrgbClr r="0" g="0" b="0"/>
+          </a:lnRef>
+          <a:fillRef idx="0">
+            <a:scrgbClr r="0" g="0" b="0"/>
+          </a:fillRef>
+          <a:effectRef idx="0">
+            <a:scrgbClr r="0" g="0" b="0"/>
+          </a:effectRef>
+          <a:fontRef idx="minor">
+            <a:schemeClr val="dk1"/>
+          </a:fontRef>
+        </p:style>
+        <p:txBody>
+          <a:bodyPr rtlCol="0" anchor="ctr"/>
+          <a:lstStyle/>
+          <a:p>
+            <a:pPr algn="ctr"/>
+            <a:r>
+              <a:rPr lang="ko-KR" altLang="en-US" sz="1200"/>
+              <a:t>비고</a:t>
+            </a:r>
+          </a:p>
+        </p:txBody>
+      </p:sp>
+      <p:sp>
+        <p:nvSpPr>
+          <p:cNvPr id="31" name="사각형: 둥근 모서리 30">
+            <a:extLst>
+              <a:ext uri="{FF2B5EF4-FFF2-40B4-BE49-F238E27FC236}">
+                <a16:creationId xmlns:a16="http://schemas.microsoft.com/office/drawing/2014/main" id="{DDBBA812-6443-3CDC-AFF1-0725B00D5AA2}"/>
+              </a:ext>
+            </a:extLst>
+          </p:cNvPr>
+          <p:cNvSpPr/>
+          <p:nvPr/>
+        </p:nvSpPr>
+        <p:spPr>
+          <a:xfrm>
+            <a:off x="4578367" y="1888329"/>
+            <a:ext cx="1022957" cy="375385"/>
+          </a:xfrm>
+          <a:prstGeom prst="roundRect">
+            <a:avLst/>
+          </a:prstGeom>
+          <a:noFill/>
+          <a:ln>
+            <a:noFill/>
+          </a:ln>
+        </p:spPr>
+        <p:style>
+          <a:lnRef idx="0">
+            <a:scrgbClr r="0" g="0" b="0"/>
+          </a:lnRef>
+          <a:fillRef idx="0">
+            <a:scrgbClr r="0" g="0" b="0"/>
+          </a:fillRef>
+          <a:effectRef idx="0">
+            <a:scrgbClr r="0" g="0" b="0"/>
+          </a:effectRef>
+          <a:fontRef idx="minor">
+            <a:schemeClr val="dk1"/>
+          </a:fontRef>
+        </p:style>
+        <p:txBody>
+          <a:bodyPr rtlCol="0" anchor="ctr"/>
+          <a:lstStyle/>
+          <a:p>
+            <a:pPr algn="ctr"/>
+            <a:r>
+              <a:rPr lang="ko-KR" altLang="en-US" sz="1200"/>
+              <a:t>분류</a:t>
+            </a:r>
+          </a:p>
+        </p:txBody>
+      </p:sp>
+      <p:sp>
+        <p:nvSpPr>
+          <p:cNvPr id="32" name="사각형: 둥근 모서리 31">
+            <a:extLst>
+              <a:ext uri="{FF2B5EF4-FFF2-40B4-BE49-F238E27FC236}">
+                <a16:creationId xmlns:a16="http://schemas.microsoft.com/office/drawing/2014/main" id="{64B9DF6B-C4A1-3E76-F4B8-220144C232A6}"/>
+              </a:ext>
+            </a:extLst>
+          </p:cNvPr>
+          <p:cNvSpPr/>
+          <p:nvPr/>
+        </p:nvSpPr>
+        <p:spPr>
+          <a:xfrm>
+            <a:off x="6649036" y="1924171"/>
+            <a:ext cx="1164611" cy="375385"/>
+          </a:xfrm>
+          <a:prstGeom prst="roundRect">
+            <a:avLst/>
+          </a:prstGeom>
+          <a:noFill/>
+          <a:ln>
+            <a:noFill/>
+          </a:ln>
+        </p:spPr>
+        <p:style>
+          <a:lnRef idx="0">
+            <a:scrgbClr r="0" g="0" b="0"/>
+          </a:lnRef>
+          <a:fillRef idx="0">
+            <a:scrgbClr r="0" g="0" b="0"/>
+          </a:fillRef>
+          <a:effectRef idx="0">
+            <a:scrgbClr r="0" g="0" b="0"/>
+          </a:effectRef>
+          <a:fontRef idx="minor">
+            <a:schemeClr val="dk1"/>
+          </a:fontRef>
+        </p:style>
+        <p:txBody>
+          <a:bodyPr rtlCol="0" anchor="ctr"/>
+          <a:lstStyle/>
+          <a:p>
+            <a:pPr algn="ctr"/>
+            <a:r>
+              <a:rPr lang="ko-KR" altLang="en-US" sz="1200"/>
+              <a:t>라우팅 정보</a:t>
+            </a:r>
+          </a:p>
+        </p:txBody>
+      </p:sp>
+      <p:sp>
+        <p:nvSpPr>
+          <p:cNvPr id="33" name="순서도: 병합 32">
+            <a:extLst>
+              <a:ext uri="{FF2B5EF4-FFF2-40B4-BE49-F238E27FC236}">
+                <a16:creationId xmlns:a16="http://schemas.microsoft.com/office/drawing/2014/main" id="{87D2FD2F-9C0A-DB51-BF51-EDCD6A3EDEA4}"/>
+              </a:ext>
+            </a:extLst>
+          </p:cNvPr>
+          <p:cNvSpPr/>
+          <p:nvPr/>
+        </p:nvSpPr>
+        <p:spPr>
+          <a:xfrm>
+            <a:off x="2552811" y="1441052"/>
+            <a:ext cx="112195" cy="103405"/>
+          </a:xfrm>
+          <a:prstGeom prst="flowChartMerge">
+            <a:avLst/>
+          </a:prstGeom>
+        </p:spPr>
+        <p:style>
+          <a:lnRef idx="2">
+            <a:schemeClr val="accent1">
+              <a:shade val="15000"/>
+            </a:schemeClr>
+          </a:lnRef>
+          <a:fillRef idx="1">
+            <a:schemeClr val="accent1"/>
+          </a:fillRef>
+          <a:effectRef idx="0">
+            <a:schemeClr val="accent1"/>
+          </a:effectRef>
+          <a:fontRef idx="minor">
+            <a:schemeClr val="lt1"/>
+          </a:fontRef>
+        </p:style>
+        <p:txBody>
+          <a:bodyPr rtlCol="0" anchor="ctr"/>
+          <a:lstStyle/>
+          <a:p>
+            <a:pPr algn="ctr"/>
+            <a:endParaRPr lang="ko-KR" altLang="en-US"/>
+          </a:p>
+        </p:txBody>
+      </p:sp>
+      <p:sp>
+        <p:nvSpPr>
+          <p:cNvPr id="34" name="순서도: 병합 33">
+            <a:extLst>
+              <a:ext uri="{FF2B5EF4-FFF2-40B4-BE49-F238E27FC236}">
+                <a16:creationId xmlns:a16="http://schemas.microsoft.com/office/drawing/2014/main" id="{04E1E8E8-5C85-781A-AE74-BE29BB1EC536}"/>
+              </a:ext>
+            </a:extLst>
+          </p:cNvPr>
+          <p:cNvSpPr/>
+          <p:nvPr/>
+        </p:nvSpPr>
+        <p:spPr>
+          <a:xfrm>
+            <a:off x="6394837" y="2046369"/>
+            <a:ext cx="112195" cy="103405"/>
+          </a:xfrm>
+          <a:prstGeom prst="flowChartMerge">
+            <a:avLst/>
+          </a:prstGeom>
+        </p:spPr>
+        <p:style>
+          <a:lnRef idx="2">
+            <a:schemeClr val="accent1">
+              <a:shade val="15000"/>
+            </a:schemeClr>
+          </a:lnRef>
+          <a:fillRef idx="1">
+            <a:schemeClr val="accent1"/>
+          </a:fillRef>
+          <a:effectRef idx="0">
+            <a:schemeClr val="accent1"/>
+          </a:effectRef>
+          <a:fontRef idx="minor">
+            <a:schemeClr val="lt1"/>
+          </a:fontRef>
+        </p:style>
+        <p:txBody>
+          <a:bodyPr rtlCol="0" anchor="ctr"/>
+          <a:lstStyle/>
+          <a:p>
+            <a:pPr algn="ctr"/>
+            <a:endParaRPr lang="ko-KR" altLang="en-US"/>
+          </a:p>
+        </p:txBody>
+      </p:sp>
+      <p:sp>
+        <p:nvSpPr>
+          <p:cNvPr id="39" name="순서도: 연결자 38">
+            <a:extLst>
+              <a:ext uri="{FF2B5EF4-FFF2-40B4-BE49-F238E27FC236}">
+                <a16:creationId xmlns:a16="http://schemas.microsoft.com/office/drawing/2014/main" id="{8D22AAE9-9549-141F-B03A-41CA1AA6F0C5}"/>
+              </a:ext>
+            </a:extLst>
+          </p:cNvPr>
+          <p:cNvSpPr/>
+          <p:nvPr/>
+        </p:nvSpPr>
+        <p:spPr>
+          <a:xfrm>
+            <a:off x="1344081" y="1112376"/>
+            <a:ext cx="205584" cy="216674"/>
+          </a:xfrm>
+          <a:prstGeom prst="flowChartConnector">
+            <a:avLst/>
+          </a:prstGeom>
+          <a:solidFill>
+            <a:srgbClr val="FFFF00"/>
+          </a:solidFill>
+          <a:ln>
+            <a:solidFill>
+              <a:schemeClr val="tx1"/>
+            </a:solidFill>
+          </a:ln>
+        </p:spPr>
+        <p:style>
+          <a:lnRef idx="1">
+            <a:schemeClr val="accent4"/>
+          </a:lnRef>
+          <a:fillRef idx="2">
+            <a:schemeClr val="accent4"/>
+          </a:fillRef>
+          <a:effectRef idx="1">
+            <a:schemeClr val="accent4"/>
+          </a:effectRef>
+          <a:fontRef idx="minor">
+            <a:schemeClr val="dk1"/>
+          </a:fontRef>
+        </p:style>
+        <p:txBody>
+          <a:bodyPr rtlCol="0" anchor="ctr"/>
+          <a:lstStyle/>
+          <a:p>
+            <a:pPr algn="ctr"/>
+            <a:r>
+              <a:rPr lang="en-US" altLang="ko-KR" sz="1300"/>
+              <a:t>1</a:t>
+            </a:r>
+            <a:endParaRPr lang="ko-KR" altLang="en-US" sz="1300"/>
+          </a:p>
+        </p:txBody>
+      </p:sp>
+      <p:sp>
+        <p:nvSpPr>
+          <p:cNvPr id="40" name="순서도: 연결자 39">
+            <a:extLst>
+              <a:ext uri="{FF2B5EF4-FFF2-40B4-BE49-F238E27FC236}">
+                <a16:creationId xmlns:a16="http://schemas.microsoft.com/office/drawing/2014/main" id="{17C26B29-2886-8559-849E-62E116A28964}"/>
+              </a:ext>
+            </a:extLst>
+          </p:cNvPr>
+          <p:cNvSpPr/>
+          <p:nvPr/>
+        </p:nvSpPr>
+        <p:spPr>
+          <a:xfrm>
+            <a:off x="3379396" y="1107203"/>
+            <a:ext cx="205584" cy="216674"/>
+          </a:xfrm>
+          <a:prstGeom prst="flowChartConnector">
+            <a:avLst/>
+          </a:prstGeom>
+          <a:solidFill>
+            <a:srgbClr val="FFFF00"/>
+          </a:solidFill>
+          <a:ln>
+            <a:solidFill>
+              <a:schemeClr val="tx1"/>
+            </a:solidFill>
+          </a:ln>
+        </p:spPr>
+        <p:style>
+          <a:lnRef idx="1">
+            <a:schemeClr val="accent4"/>
+          </a:lnRef>
+          <a:fillRef idx="2">
+            <a:schemeClr val="accent4"/>
+          </a:fillRef>
+          <a:effectRef idx="1">
+            <a:schemeClr val="accent4"/>
+          </a:effectRef>
+          <a:fontRef idx="minor">
+            <a:schemeClr val="dk1"/>
+          </a:fontRef>
+        </p:style>
+        <p:txBody>
+          <a:bodyPr rtlCol="0" anchor="ctr"/>
+          <a:lstStyle/>
+          <a:p>
+            <a:pPr algn="ctr"/>
+            <a:r>
+              <a:rPr lang="en-US" altLang="ko-KR" sz="1300"/>
+              <a:t>2</a:t>
+            </a:r>
+            <a:endParaRPr lang="ko-KR" altLang="en-US" sz="1300"/>
+          </a:p>
+        </p:txBody>
+      </p:sp>
+      <p:sp>
+        <p:nvSpPr>
+          <p:cNvPr id="41" name="순서도: 연결자 40">
+            <a:extLst>
+              <a:ext uri="{FF2B5EF4-FFF2-40B4-BE49-F238E27FC236}">
+                <a16:creationId xmlns:a16="http://schemas.microsoft.com/office/drawing/2014/main" id="{54571438-2103-69F3-FEB2-694558A757C6}"/>
+              </a:ext>
+            </a:extLst>
+          </p:cNvPr>
+          <p:cNvSpPr/>
+          <p:nvPr/>
+        </p:nvSpPr>
+        <p:spPr>
+          <a:xfrm>
+            <a:off x="5415741" y="1110771"/>
+            <a:ext cx="205584" cy="216674"/>
+          </a:xfrm>
+          <a:prstGeom prst="flowChartConnector">
+            <a:avLst/>
+          </a:prstGeom>
+          <a:solidFill>
+            <a:srgbClr val="FFFF00"/>
+          </a:solidFill>
+          <a:ln>
+            <a:solidFill>
+              <a:schemeClr val="tx1"/>
+            </a:solidFill>
+          </a:ln>
+        </p:spPr>
+        <p:style>
+          <a:lnRef idx="1">
+            <a:schemeClr val="accent4"/>
+          </a:lnRef>
+          <a:fillRef idx="2">
+            <a:schemeClr val="accent4"/>
+          </a:fillRef>
+          <a:effectRef idx="1">
+            <a:schemeClr val="accent4"/>
+          </a:effectRef>
+          <a:fontRef idx="minor">
+            <a:schemeClr val="dk1"/>
+          </a:fontRef>
+        </p:style>
+        <p:txBody>
+          <a:bodyPr rtlCol="0" anchor="ctr"/>
+          <a:lstStyle/>
+          <a:p>
+            <a:pPr algn="ctr"/>
+            <a:r>
+              <a:rPr lang="en-US" altLang="ko-KR" sz="1300"/>
+              <a:t>3</a:t>
+            </a:r>
+            <a:endParaRPr lang="ko-KR" altLang="en-US" sz="1300"/>
+          </a:p>
+        </p:txBody>
+      </p:sp>
+      <p:sp>
+        <p:nvSpPr>
+          <p:cNvPr id="42" name="순서도: 연결자 41">
+            <a:extLst>
+              <a:ext uri="{FF2B5EF4-FFF2-40B4-BE49-F238E27FC236}">
+                <a16:creationId xmlns:a16="http://schemas.microsoft.com/office/drawing/2014/main" id="{074BA6D0-051B-1E97-279E-F0692A0638FB}"/>
+              </a:ext>
+            </a:extLst>
+          </p:cNvPr>
+          <p:cNvSpPr/>
+          <p:nvPr/>
+        </p:nvSpPr>
+        <p:spPr>
+          <a:xfrm>
+            <a:off x="7721369" y="1110771"/>
+            <a:ext cx="205584" cy="216674"/>
+          </a:xfrm>
+          <a:prstGeom prst="flowChartConnector">
+            <a:avLst/>
+          </a:prstGeom>
+          <a:solidFill>
+            <a:srgbClr val="FFFF00"/>
+          </a:solidFill>
+          <a:ln>
+            <a:solidFill>
+              <a:schemeClr val="tx1"/>
+            </a:solidFill>
+          </a:ln>
+        </p:spPr>
+        <p:style>
+          <a:lnRef idx="1">
+            <a:schemeClr val="accent4"/>
+          </a:lnRef>
+          <a:fillRef idx="2">
+            <a:schemeClr val="accent4"/>
+          </a:fillRef>
+          <a:effectRef idx="1">
+            <a:schemeClr val="accent4"/>
+          </a:effectRef>
+          <a:fontRef idx="minor">
+            <a:schemeClr val="dk1"/>
+          </a:fontRef>
+        </p:style>
+        <p:txBody>
+          <a:bodyPr rtlCol="0" anchor="ctr"/>
+          <a:lstStyle/>
+          <a:p>
+            <a:pPr algn="ctr"/>
+            <a:r>
+              <a:rPr lang="en-US" altLang="ko-KR" sz="1300"/>
+              <a:t>4</a:t>
+            </a:r>
+            <a:endParaRPr lang="ko-KR" altLang="en-US" sz="1300"/>
+          </a:p>
+        </p:txBody>
+      </p:sp>
+      <p:sp>
+        <p:nvSpPr>
+          <p:cNvPr id="43" name="순서도: 연결자 42">
+            <a:extLst>
+              <a:ext uri="{FF2B5EF4-FFF2-40B4-BE49-F238E27FC236}">
+                <a16:creationId xmlns:a16="http://schemas.microsoft.com/office/drawing/2014/main" id="{5C7AE475-AD72-F6D5-9F67-198334CC91E4}"/>
+              </a:ext>
+            </a:extLst>
+          </p:cNvPr>
+          <p:cNvSpPr/>
+          <p:nvPr/>
+        </p:nvSpPr>
+        <p:spPr>
+          <a:xfrm>
+            <a:off x="9689247" y="1120573"/>
+            <a:ext cx="205584" cy="216674"/>
+          </a:xfrm>
+          <a:prstGeom prst="flowChartConnector">
+            <a:avLst/>
+          </a:prstGeom>
+          <a:solidFill>
+            <a:srgbClr val="FFFF00"/>
+          </a:solidFill>
+          <a:ln>
+            <a:solidFill>
+              <a:schemeClr val="tx1"/>
+            </a:solidFill>
+          </a:ln>
+        </p:spPr>
+        <p:style>
+          <a:lnRef idx="1">
+            <a:schemeClr val="accent4"/>
+          </a:lnRef>
+          <a:fillRef idx="2">
+            <a:schemeClr val="accent4"/>
+          </a:fillRef>
+          <a:effectRef idx="1">
+            <a:schemeClr val="accent4"/>
+          </a:effectRef>
+          <a:fontRef idx="minor">
+            <a:schemeClr val="dk1"/>
+          </a:fontRef>
+        </p:style>
+        <p:txBody>
+          <a:bodyPr rtlCol="0" anchor="ctr"/>
+          <a:lstStyle/>
+          <a:p>
+            <a:pPr algn="ctr"/>
+            <a:r>
+              <a:rPr lang="en-US" altLang="ko-KR" sz="1300"/>
+              <a:t>5</a:t>
+            </a:r>
+            <a:endParaRPr lang="ko-KR" altLang="en-US" sz="1300"/>
+          </a:p>
+        </p:txBody>
+      </p:sp>
+      <p:sp>
+        <p:nvSpPr>
+          <p:cNvPr id="44" name="순서도: 연결자 43">
+            <a:extLst>
+              <a:ext uri="{FF2B5EF4-FFF2-40B4-BE49-F238E27FC236}">
+                <a16:creationId xmlns:a16="http://schemas.microsoft.com/office/drawing/2014/main" id="{AF5F2450-7666-B70C-7C00-AF056E9ACEB7}"/>
+              </a:ext>
+            </a:extLst>
+          </p:cNvPr>
+          <p:cNvSpPr/>
+          <p:nvPr/>
+        </p:nvSpPr>
+        <p:spPr>
+          <a:xfrm>
+            <a:off x="1367717" y="1727957"/>
+            <a:ext cx="205584" cy="216674"/>
+          </a:xfrm>
+          <a:prstGeom prst="flowChartConnector">
+            <a:avLst/>
+          </a:prstGeom>
+          <a:solidFill>
+            <a:srgbClr val="FFFF00"/>
+          </a:solidFill>
+          <a:ln>
+            <a:solidFill>
+              <a:schemeClr val="tx1"/>
+            </a:solidFill>
+          </a:ln>
+        </p:spPr>
+        <p:style>
+          <a:lnRef idx="1">
+            <a:schemeClr val="accent4"/>
+          </a:lnRef>
+          <a:fillRef idx="2">
+            <a:schemeClr val="accent4"/>
+          </a:fillRef>
+          <a:effectRef idx="1">
+            <a:schemeClr val="accent4"/>
+          </a:effectRef>
+          <a:fontRef idx="minor">
+            <a:schemeClr val="dk1"/>
+          </a:fontRef>
+        </p:style>
+        <p:txBody>
+          <a:bodyPr rtlCol="0" anchor="ctr"/>
+          <a:lstStyle/>
+          <a:p>
+            <a:pPr algn="ctr"/>
+            <a:r>
+              <a:rPr lang="en-US" altLang="ko-KR" sz="1300"/>
+              <a:t>6</a:t>
+            </a:r>
+            <a:endParaRPr lang="ko-KR" altLang="en-US" sz="1300"/>
+          </a:p>
+        </p:txBody>
+      </p:sp>
+      <p:sp>
+        <p:nvSpPr>
+          <p:cNvPr id="45" name="순서도: 연결자 44">
+            <a:extLst>
+              <a:ext uri="{FF2B5EF4-FFF2-40B4-BE49-F238E27FC236}">
+                <a16:creationId xmlns:a16="http://schemas.microsoft.com/office/drawing/2014/main" id="{FA00DFCC-63F0-ABA1-8FA0-EF48FE6A6107}"/>
+              </a:ext>
+            </a:extLst>
+          </p:cNvPr>
+          <p:cNvSpPr/>
+          <p:nvPr/>
+        </p:nvSpPr>
+        <p:spPr>
+          <a:xfrm>
+            <a:off x="3425140" y="1733495"/>
+            <a:ext cx="205584" cy="216674"/>
+          </a:xfrm>
+          <a:prstGeom prst="flowChartConnector">
+            <a:avLst/>
+          </a:prstGeom>
+          <a:solidFill>
+            <a:srgbClr val="FFFF00"/>
+          </a:solidFill>
+          <a:ln>
+            <a:solidFill>
+              <a:schemeClr val="tx1"/>
+            </a:solidFill>
+          </a:ln>
+        </p:spPr>
+        <p:style>
+          <a:lnRef idx="1">
+            <a:schemeClr val="accent4"/>
+          </a:lnRef>
+          <a:fillRef idx="2">
+            <a:schemeClr val="accent4"/>
+          </a:fillRef>
+          <a:effectRef idx="1">
+            <a:schemeClr val="accent4"/>
+          </a:effectRef>
+          <a:fontRef idx="minor">
+            <a:schemeClr val="dk1"/>
+          </a:fontRef>
+        </p:style>
+        <p:txBody>
+          <a:bodyPr rtlCol="0" anchor="ctr"/>
+          <a:lstStyle/>
+          <a:p>
+            <a:pPr algn="ctr"/>
+            <a:r>
+              <a:rPr lang="en-US" altLang="ko-KR" sz="1300"/>
+              <a:t>7</a:t>
+            </a:r>
+            <a:endParaRPr lang="ko-KR" altLang="en-US" sz="1300"/>
+          </a:p>
+        </p:txBody>
+      </p:sp>
+      <p:sp>
+        <p:nvSpPr>
+          <p:cNvPr id="46" name="순서도: 연결자 45">
+            <a:extLst>
+              <a:ext uri="{FF2B5EF4-FFF2-40B4-BE49-F238E27FC236}">
+                <a16:creationId xmlns:a16="http://schemas.microsoft.com/office/drawing/2014/main" id="{97FA4C23-2727-ED17-1A96-5B6DDC129F86}"/>
+              </a:ext>
+            </a:extLst>
+          </p:cNvPr>
+          <p:cNvSpPr/>
+          <p:nvPr/>
+        </p:nvSpPr>
+        <p:spPr>
+          <a:xfrm>
+            <a:off x="5415741" y="1725272"/>
+            <a:ext cx="205584" cy="216674"/>
+          </a:xfrm>
+          <a:prstGeom prst="flowChartConnector">
+            <a:avLst/>
+          </a:prstGeom>
+          <a:solidFill>
+            <a:srgbClr val="FFFF00"/>
+          </a:solidFill>
+          <a:ln>
+            <a:solidFill>
+              <a:schemeClr val="tx1"/>
+            </a:solidFill>
+          </a:ln>
+        </p:spPr>
+        <p:style>
+          <a:lnRef idx="1">
+            <a:schemeClr val="accent4"/>
+          </a:lnRef>
+          <a:fillRef idx="2">
+            <a:schemeClr val="accent4"/>
+          </a:fillRef>
+          <a:effectRef idx="1">
+            <a:schemeClr val="accent4"/>
+          </a:effectRef>
+          <a:fontRef idx="minor">
+            <a:schemeClr val="dk1"/>
+          </a:fontRef>
+        </p:style>
+        <p:txBody>
+          <a:bodyPr rtlCol="0" anchor="ctr"/>
+          <a:lstStyle/>
+          <a:p>
+            <a:pPr algn="ctr"/>
+            <a:r>
+              <a:rPr lang="en-US" altLang="ko-KR" sz="1300"/>
+              <a:t>8</a:t>
+            </a:r>
+            <a:endParaRPr lang="ko-KR" altLang="en-US" sz="1300"/>
+          </a:p>
+        </p:txBody>
+      </p:sp>
+      <p:sp>
+        <p:nvSpPr>
+          <p:cNvPr id="47" name="순서도: 연결자 46">
+            <a:extLst>
+              <a:ext uri="{FF2B5EF4-FFF2-40B4-BE49-F238E27FC236}">
+                <a16:creationId xmlns:a16="http://schemas.microsoft.com/office/drawing/2014/main" id="{6BC2E6A7-05D4-D1B3-FC45-7B61FF4F1190}"/>
+              </a:ext>
+            </a:extLst>
+          </p:cNvPr>
+          <p:cNvSpPr/>
+          <p:nvPr/>
+        </p:nvSpPr>
+        <p:spPr>
+          <a:xfrm>
+            <a:off x="7694228" y="1740131"/>
+            <a:ext cx="205584" cy="216674"/>
+          </a:xfrm>
+          <a:prstGeom prst="flowChartConnector">
+            <a:avLst/>
+          </a:prstGeom>
+          <a:solidFill>
+            <a:srgbClr val="FFFF00"/>
+          </a:solidFill>
+          <a:ln>
+            <a:solidFill>
+              <a:schemeClr val="tx1"/>
+            </a:solidFill>
+          </a:ln>
+        </p:spPr>
+        <p:style>
+          <a:lnRef idx="1">
+            <a:schemeClr val="accent4"/>
+          </a:lnRef>
+          <a:fillRef idx="2">
+            <a:schemeClr val="accent4"/>
+          </a:fillRef>
+          <a:effectRef idx="1">
+            <a:schemeClr val="accent4"/>
+          </a:effectRef>
+          <a:fontRef idx="minor">
+            <a:schemeClr val="dk1"/>
+          </a:fontRef>
+        </p:style>
+        <p:txBody>
+          <a:bodyPr rtlCol="0" anchor="ctr"/>
+          <a:lstStyle/>
+          <a:p>
+            <a:pPr algn="ctr"/>
+            <a:r>
+              <a:rPr lang="en-US" altLang="ko-KR" sz="1300"/>
+              <a:t>9</a:t>
+            </a:r>
+            <a:endParaRPr lang="ko-KR" altLang="en-US" sz="1300"/>
+          </a:p>
+        </p:txBody>
+      </p:sp>
+      <p:sp>
+        <p:nvSpPr>
+          <p:cNvPr id="48" name="순서도: 연결자 47">
+            <a:extLst>
+              <a:ext uri="{FF2B5EF4-FFF2-40B4-BE49-F238E27FC236}">
+                <a16:creationId xmlns:a16="http://schemas.microsoft.com/office/drawing/2014/main" id="{8951CEC5-3418-9253-6A91-45C172A287B3}"/>
+              </a:ext>
+            </a:extLst>
+          </p:cNvPr>
+          <p:cNvSpPr/>
+          <p:nvPr/>
+        </p:nvSpPr>
+        <p:spPr>
+          <a:xfrm>
+            <a:off x="1573301" y="3464475"/>
+            <a:ext cx="233197" cy="245418"/>
+          </a:xfrm>
+          <a:prstGeom prst="flowChartConnector">
+            <a:avLst/>
+          </a:prstGeom>
+          <a:solidFill>
+            <a:srgbClr val="FFFF00"/>
+          </a:solidFill>
+          <a:ln>
+            <a:solidFill>
+              <a:schemeClr val="tx1"/>
+            </a:solidFill>
+          </a:ln>
+        </p:spPr>
+        <p:style>
+          <a:lnRef idx="1">
+            <a:schemeClr val="accent4"/>
+          </a:lnRef>
+          <a:fillRef idx="2">
+            <a:schemeClr val="accent4"/>
+          </a:fillRef>
+          <a:effectRef idx="1">
+            <a:schemeClr val="accent4"/>
+          </a:effectRef>
+          <a:fontRef idx="minor">
+            <a:schemeClr val="dk1"/>
+          </a:fontRef>
+        </p:style>
+        <p:txBody>
+          <a:bodyPr rtlCol="0" anchor="ctr"/>
+          <a:lstStyle/>
+          <a:p>
+            <a:pPr algn="ctr"/>
+            <a:endParaRPr lang="ko-KR" altLang="en-US" sz="700"/>
+          </a:p>
+        </p:txBody>
+      </p:sp>
+      <p:sp>
+        <p:nvSpPr>
+          <p:cNvPr id="49" name="순서도: 연결자 48">
+            <a:extLst>
+              <a:ext uri="{FF2B5EF4-FFF2-40B4-BE49-F238E27FC236}">
+                <a16:creationId xmlns:a16="http://schemas.microsoft.com/office/drawing/2014/main" id="{92F34499-7AF5-0562-210C-7C3DCDE2F6A6}"/>
+              </a:ext>
+            </a:extLst>
+          </p:cNvPr>
+          <p:cNvSpPr/>
+          <p:nvPr/>
+        </p:nvSpPr>
+        <p:spPr>
+          <a:xfrm>
+            <a:off x="9305329" y="5424094"/>
+            <a:ext cx="231278" cy="228685"/>
+          </a:xfrm>
+          <a:prstGeom prst="flowChartConnector">
+            <a:avLst/>
+          </a:prstGeom>
+          <a:solidFill>
+            <a:srgbClr val="FFFF00"/>
+          </a:solidFill>
+          <a:ln>
+            <a:solidFill>
+              <a:schemeClr val="tx1"/>
+            </a:solidFill>
+          </a:ln>
+        </p:spPr>
+        <p:style>
+          <a:lnRef idx="1">
+            <a:schemeClr val="accent4"/>
+          </a:lnRef>
+          <a:fillRef idx="2">
+            <a:schemeClr val="accent4"/>
+          </a:fillRef>
+          <a:effectRef idx="1">
+            <a:schemeClr val="accent4"/>
+          </a:effectRef>
+          <a:fontRef idx="minor">
+            <a:schemeClr val="dk1"/>
+          </a:fontRef>
+        </p:style>
+        <p:txBody>
+          <a:bodyPr rtlCol="0" anchor="ctr"/>
+          <a:lstStyle/>
+          <a:p>
+            <a:pPr algn="ctr"/>
+            <a:endParaRPr lang="ko-KR" altLang="en-US" sz="1300"/>
+          </a:p>
+        </p:txBody>
+      </p:sp>
+      <p:sp>
+        <p:nvSpPr>
+          <p:cNvPr id="50" name="TextBox 49">
+            <a:extLst>
+              <a:ext uri="{FF2B5EF4-FFF2-40B4-BE49-F238E27FC236}">
+                <a16:creationId xmlns:a16="http://schemas.microsoft.com/office/drawing/2014/main" id="{7D8D6604-D519-09F0-6991-818B8F8CEDAF}"/>
+              </a:ext>
+            </a:extLst>
+          </p:cNvPr>
+          <p:cNvSpPr txBox="1"/>
+          <p:nvPr/>
+        </p:nvSpPr>
+        <p:spPr>
+          <a:xfrm>
+            <a:off x="1549665" y="3466571"/>
+            <a:ext cx="590271" cy="215444"/>
+          </a:xfrm>
+          <a:prstGeom prst="rect">
+            <a:avLst/>
+          </a:prstGeom>
+          <a:noFill/>
+        </p:spPr>
+        <p:txBody>
+          <a:bodyPr wrap="square" rtlCol="0">
+            <a:spAutoFit/>
+          </a:bodyPr>
+          <a:lstStyle/>
+          <a:p>
+            <a:r>
+              <a:rPr lang="en-US" altLang="ko-KR" sz="800"/>
+              <a:t>10</a:t>
+            </a:r>
+            <a:endParaRPr lang="ko-KR" altLang="en-US" sz="800"/>
+          </a:p>
+        </p:txBody>
+      </p:sp>
+      <p:sp>
+        <p:nvSpPr>
+          <p:cNvPr id="51" name="TextBox 50">
+            <a:extLst>
+              <a:ext uri="{FF2B5EF4-FFF2-40B4-BE49-F238E27FC236}">
+                <a16:creationId xmlns:a16="http://schemas.microsoft.com/office/drawing/2014/main" id="{4A1A65FD-2F94-18AA-323A-91A8EF25557C}"/>
+              </a:ext>
+            </a:extLst>
+          </p:cNvPr>
+          <p:cNvSpPr txBox="1"/>
+          <p:nvPr/>
+        </p:nvSpPr>
+        <p:spPr>
+          <a:xfrm>
+            <a:off x="9268992" y="5415873"/>
+            <a:ext cx="663497" cy="215444"/>
+          </a:xfrm>
+          <a:prstGeom prst="rect">
+            <a:avLst/>
+          </a:prstGeom>
+          <a:noFill/>
+        </p:spPr>
+        <p:txBody>
+          <a:bodyPr wrap="square" rtlCol="0">
+            <a:spAutoFit/>
+          </a:bodyPr>
+          <a:lstStyle/>
+          <a:p>
+            <a:r>
+              <a:rPr lang="en-US" altLang="ko-KR" sz="800"/>
+              <a:t>11</a:t>
+            </a:r>
+            <a:endParaRPr lang="ko-KR" altLang="en-US" sz="800"/>
+          </a:p>
+        </p:txBody>
+      </p:sp>
+      <p:sp>
+        <p:nvSpPr>
+          <p:cNvPr id="52" name="순서도: 병합 51">
+            <a:extLst>
+              <a:ext uri="{FF2B5EF4-FFF2-40B4-BE49-F238E27FC236}">
+                <a16:creationId xmlns:a16="http://schemas.microsoft.com/office/drawing/2014/main" id="{497CAB73-F258-43AA-B02F-5A7224DAF794}"/>
+              </a:ext>
+            </a:extLst>
+          </p:cNvPr>
+          <p:cNvSpPr/>
+          <p:nvPr/>
+        </p:nvSpPr>
+        <p:spPr>
+          <a:xfrm>
+            <a:off x="10696133" y="2046368"/>
+            <a:ext cx="112195" cy="103405"/>
+          </a:xfrm>
+          <a:prstGeom prst="flowChartMerge">
+            <a:avLst/>
+          </a:prstGeom>
+        </p:spPr>
+        <p:style>
+          <a:lnRef idx="2">
+            <a:schemeClr val="accent1">
+              <a:shade val="15000"/>
+            </a:schemeClr>
+          </a:lnRef>
+          <a:fillRef idx="1">
+            <a:schemeClr val="accent1"/>
+          </a:fillRef>
+          <a:effectRef idx="0">
+            <a:schemeClr val="accent1"/>
+          </a:effectRef>
+          <a:fontRef idx="minor">
+            <a:schemeClr val="lt1"/>
+          </a:fontRef>
+        </p:style>
+        <p:txBody>
+          <a:bodyPr rtlCol="0" anchor="ctr"/>
+          <a:lstStyle/>
+          <a:p>
+            <a:pPr algn="ctr"/>
+            <a:endParaRPr lang="ko-KR" altLang="en-US"/>
+          </a:p>
+        </p:txBody>
+      </p:sp>
+      <p:sp>
+        <p:nvSpPr>
+          <p:cNvPr id="2" name="순서도: 병합 1">
+            <a:extLst>
+              <a:ext uri="{FF2B5EF4-FFF2-40B4-BE49-F238E27FC236}">
+                <a16:creationId xmlns:a16="http://schemas.microsoft.com/office/drawing/2014/main" id="{AAC3B28A-87B5-7DEC-632D-DB9734938261}"/>
+              </a:ext>
+            </a:extLst>
+          </p:cNvPr>
+          <p:cNvSpPr/>
+          <p:nvPr/>
+        </p:nvSpPr>
+        <p:spPr>
+          <a:xfrm>
+            <a:off x="2552810" y="2056362"/>
+            <a:ext cx="112195" cy="103405"/>
+          </a:xfrm>
+          <a:prstGeom prst="flowChartMerge">
+            <a:avLst/>
+          </a:prstGeom>
+        </p:spPr>
+        <p:style>
+          <a:lnRef idx="2">
+            <a:schemeClr val="accent1">
+              <a:shade val="15000"/>
+            </a:schemeClr>
+          </a:lnRef>
+          <a:fillRef idx="1">
+            <a:schemeClr val="accent1"/>
+          </a:fillRef>
+          <a:effectRef idx="0">
+            <a:schemeClr val="accent1"/>
+          </a:effectRef>
+          <a:fontRef idx="minor">
+            <a:schemeClr val="lt1"/>
+          </a:fontRef>
+        </p:style>
+        <p:txBody>
+          <a:bodyPr rtlCol="0" anchor="ctr"/>
+          <a:lstStyle/>
+          <a:p>
+            <a:pPr algn="ctr"/>
+            <a:endParaRPr lang="ko-KR" altLang="en-US"/>
+          </a:p>
+        </p:txBody>
+      </p:sp>
+      <p:sp>
+        <p:nvSpPr>
+          <p:cNvPr id="54" name="사각형: 둥근 모서리 53">
+            <a:extLst>
+              <a:ext uri="{FF2B5EF4-FFF2-40B4-BE49-F238E27FC236}">
+                <a16:creationId xmlns:a16="http://schemas.microsoft.com/office/drawing/2014/main" id="{CB492E22-4B3C-D917-317D-0A494AB8DA0F}"/>
+              </a:ext>
+            </a:extLst>
+          </p:cNvPr>
+          <p:cNvSpPr/>
+          <p:nvPr/>
+        </p:nvSpPr>
+        <p:spPr>
+          <a:xfrm>
+            <a:off x="10331822" y="5574450"/>
+            <a:ext cx="950879" cy="596762"/>
+          </a:xfrm>
+          <a:prstGeom prst="roundRect">
+            <a:avLst/>
+          </a:prstGeom>
+          <a:solidFill>
+            <a:schemeClr val="accent1"/>
+          </a:solidFill>
+          <a:ln>
+            <a:noFill/>
+          </a:ln>
+        </p:spPr>
+        <p:style>
+          <a:lnRef idx="0">
+            <a:scrgbClr r="0" g="0" b="0"/>
+          </a:lnRef>
+          <a:fillRef idx="0">
+            <a:scrgbClr r="0" g="0" b="0"/>
+          </a:fillRef>
+          <a:effectRef idx="0">
+            <a:scrgbClr r="0" g="0" b="0"/>
+          </a:effectRef>
+          <a:fontRef idx="minor">
+            <a:schemeClr val="lt1"/>
+          </a:fontRef>
+        </p:style>
+        <p:txBody>
+          <a:bodyPr rtlCol="0" anchor="ctr"/>
+          <a:lstStyle/>
+          <a:p>
+            <a:pPr algn="ctr"/>
+            <a:r>
+              <a:rPr lang="ko-KR" altLang="en-US"/>
+              <a:t>취소</a:t>
+            </a:r>
+          </a:p>
+        </p:txBody>
+      </p:sp>
+      <p:sp>
+        <p:nvSpPr>
+          <p:cNvPr id="56" name="순서도: 연결자 55">
+            <a:extLst>
+              <a:ext uri="{FF2B5EF4-FFF2-40B4-BE49-F238E27FC236}">
+                <a16:creationId xmlns:a16="http://schemas.microsoft.com/office/drawing/2014/main" id="{56500225-2E78-EA30-9675-A9F092167039}"/>
+              </a:ext>
+            </a:extLst>
+          </p:cNvPr>
+          <p:cNvSpPr/>
+          <p:nvPr/>
+        </p:nvSpPr>
+        <p:spPr>
+          <a:xfrm>
+            <a:off x="10301182" y="5415873"/>
+            <a:ext cx="231278" cy="228685"/>
+          </a:xfrm>
+          <a:prstGeom prst="flowChartConnector">
+            <a:avLst/>
+          </a:prstGeom>
+          <a:solidFill>
+            <a:srgbClr val="FFFF00"/>
+          </a:solidFill>
+          <a:ln>
+            <a:solidFill>
+              <a:schemeClr val="tx1"/>
+            </a:solidFill>
+          </a:ln>
+        </p:spPr>
+        <p:style>
+          <a:lnRef idx="1">
+            <a:schemeClr val="accent4"/>
+          </a:lnRef>
+          <a:fillRef idx="2">
+            <a:schemeClr val="accent4"/>
+          </a:fillRef>
+          <a:effectRef idx="1">
+            <a:schemeClr val="accent4"/>
+          </a:effectRef>
+          <a:fontRef idx="minor">
+            <a:schemeClr val="dk1"/>
+          </a:fontRef>
+        </p:style>
+        <p:txBody>
+          <a:bodyPr rtlCol="0" anchor="ctr"/>
+          <a:lstStyle/>
+          <a:p>
+            <a:pPr algn="ctr"/>
+            <a:endParaRPr lang="ko-KR" altLang="en-US" sz="1300"/>
+          </a:p>
+        </p:txBody>
+      </p:sp>
+      <p:sp>
+        <p:nvSpPr>
+          <p:cNvPr id="55" name="TextBox 54">
+            <a:extLst>
+              <a:ext uri="{FF2B5EF4-FFF2-40B4-BE49-F238E27FC236}">
+                <a16:creationId xmlns:a16="http://schemas.microsoft.com/office/drawing/2014/main" id="{E1131127-4994-B868-2D85-45269859A2F6}"/>
+              </a:ext>
+            </a:extLst>
+          </p:cNvPr>
+          <p:cNvSpPr txBox="1"/>
+          <p:nvPr/>
+        </p:nvSpPr>
+        <p:spPr>
+          <a:xfrm>
+            <a:off x="10267478" y="5422493"/>
+            <a:ext cx="663497" cy="215444"/>
+          </a:xfrm>
+          <a:prstGeom prst="rect">
+            <a:avLst/>
+          </a:prstGeom>
+          <a:noFill/>
+        </p:spPr>
+        <p:txBody>
+          <a:bodyPr wrap="square" rtlCol="0">
+            <a:spAutoFit/>
+          </a:bodyPr>
+          <a:lstStyle/>
+          <a:p>
+            <a:r>
+              <a:rPr lang="en-US" altLang="ko-KR" sz="800"/>
+              <a:t>12</a:t>
+            </a:r>
+            <a:endParaRPr lang="ko-KR" altLang="en-US" sz="800"/>
+          </a:p>
+        </p:txBody>
+      </p:sp>
+    </p:spTree>
+    <p:extLst>
+      <p:ext uri="{BB962C8B-B14F-4D97-AF65-F5344CB8AC3E}">
+        <p14:creationId xmlns:p14="http://schemas.microsoft.com/office/powerpoint/2010/main" val="4257392295"/>
       </p:ext>
     </p:extLst>
   </p:cSld>

--- a/화면 설계서/3.수주 품목 상세정보 조회 페이지.pptx
+++ b/화면 설계서/3.수주 품목 상세정보 조회 페이지.pptx
@@ -5,8 +5,9 @@
     <p:sldMasterId id="2147483648" r:id="rId1"/>
   </p:sldMasterIdLst>
   <p:sldIdLst>
-    <p:sldId id="256" r:id="rId2"/>
-    <p:sldId id="257" r:id="rId3"/>
+    <p:sldId id="259" r:id="rId2"/>
+    <p:sldId id="256" r:id="rId3"/>
+    <p:sldId id="257" r:id="rId4"/>
   </p:sldIdLst>
   <p:sldSz cx="12192000" cy="6858000"/>
   <p:notesSz cx="6858000" cy="9144000"/>
@@ -3311,6 +3312,4334 @@
 </file>
 
 <file path=ppt/slides/slide1.xml><?xml version="1.0" encoding="utf-8"?>
+<p:sld xmlns:a="http://schemas.openxmlformats.org/drawingml/2006/main" xmlns:r="http://schemas.openxmlformats.org/officeDocument/2006/relationships" xmlns:p="http://schemas.openxmlformats.org/presentationml/2006/main">
+  <p:cSld>
+    <p:spTree>
+      <p:nvGrpSpPr>
+        <p:cNvPr id="1" name="">
+          <a:extLst>
+            <a:ext uri="{FF2B5EF4-FFF2-40B4-BE49-F238E27FC236}">
+              <a16:creationId xmlns:a16="http://schemas.microsoft.com/office/drawing/2014/main" id="{B063B89D-F39D-9416-0058-7D674C9EC94D}"/>
+            </a:ext>
+          </a:extLst>
+        </p:cNvPr>
+        <p:cNvGrpSpPr/>
+        <p:nvPr/>
+      </p:nvGrpSpPr>
+      <p:grpSpPr>
+        <a:xfrm>
+          <a:off x="0" y="0"/>
+          <a:ext cx="0" cy="0"/>
+          <a:chOff x="0" y="0"/>
+          <a:chExt cx="0" cy="0"/>
+        </a:xfrm>
+      </p:grpSpPr>
+      <p:sp>
+        <p:nvSpPr>
+          <p:cNvPr id="135" name="사각형: 둥근 모서리 134">
+            <a:extLst>
+              <a:ext uri="{FF2B5EF4-FFF2-40B4-BE49-F238E27FC236}">
+                <a16:creationId xmlns:a16="http://schemas.microsoft.com/office/drawing/2014/main" id="{E6E86CCB-11AD-F79C-CD21-49A66239C2C3}"/>
+              </a:ext>
+            </a:extLst>
+          </p:cNvPr>
+          <p:cNvSpPr/>
+          <p:nvPr/>
+        </p:nvSpPr>
+        <p:spPr>
+          <a:xfrm>
+            <a:off x="1521742" y="4417437"/>
+            <a:ext cx="9134434" cy="791716"/>
+          </a:xfrm>
+          <a:prstGeom prst="roundRect">
+            <a:avLst/>
+          </a:prstGeom>
+        </p:spPr>
+        <p:style>
+          <a:lnRef idx="2">
+            <a:schemeClr val="dk1"/>
+          </a:lnRef>
+          <a:fillRef idx="1">
+            <a:schemeClr val="lt1"/>
+          </a:fillRef>
+          <a:effectRef idx="0">
+            <a:schemeClr val="dk1"/>
+          </a:effectRef>
+          <a:fontRef idx="minor">
+            <a:schemeClr val="dk1"/>
+          </a:fontRef>
+        </p:style>
+        <p:txBody>
+          <a:bodyPr rtlCol="0" anchor="ctr"/>
+          <a:lstStyle/>
+          <a:p>
+            <a:endParaRPr lang="ko-KR" altLang="en-US"/>
+          </a:p>
+        </p:txBody>
+      </p:sp>
+      <p:sp>
+        <p:nvSpPr>
+          <p:cNvPr id="6" name="사각형: 둥근 모서리 5">
+            <a:extLst>
+              <a:ext uri="{FF2B5EF4-FFF2-40B4-BE49-F238E27FC236}">
+                <a16:creationId xmlns:a16="http://schemas.microsoft.com/office/drawing/2014/main" id="{7B11AD47-5B94-2F7A-1268-007E15CC79E5}"/>
+              </a:ext>
+            </a:extLst>
+          </p:cNvPr>
+          <p:cNvSpPr/>
+          <p:nvPr/>
+        </p:nvSpPr>
+        <p:spPr>
+          <a:xfrm>
+            <a:off x="1530597" y="819113"/>
+            <a:ext cx="1404495" cy="375385"/>
+          </a:xfrm>
+          <a:prstGeom prst="roundRect">
+            <a:avLst/>
+          </a:prstGeom>
+          <a:solidFill>
+            <a:schemeClr val="bg2">
+              <a:lumMod val="90000"/>
+            </a:schemeClr>
+          </a:solidFill>
+        </p:spPr>
+        <p:style>
+          <a:lnRef idx="2">
+            <a:schemeClr val="dk1"/>
+          </a:lnRef>
+          <a:fillRef idx="1">
+            <a:schemeClr val="lt1"/>
+          </a:fillRef>
+          <a:effectRef idx="0">
+            <a:schemeClr val="dk1"/>
+          </a:effectRef>
+          <a:fontRef idx="minor">
+            <a:schemeClr val="dk1"/>
+          </a:fontRef>
+        </p:style>
+        <p:txBody>
+          <a:bodyPr rtlCol="0" anchor="ctr"/>
+          <a:lstStyle/>
+          <a:p>
+            <a:pPr algn="ctr"/>
+            <a:r>
+              <a:rPr lang="ko-KR" altLang="en-US">
+                <a:solidFill>
+                  <a:schemeClr val="tx1"/>
+                </a:solidFill>
+              </a:rPr>
+              <a:t>일도테크</a:t>
+            </a:r>
+          </a:p>
+        </p:txBody>
+      </p:sp>
+      <p:sp>
+        <p:nvSpPr>
+          <p:cNvPr id="7" name="사각형: 둥근 모서리 6">
+            <a:extLst>
+              <a:ext uri="{FF2B5EF4-FFF2-40B4-BE49-F238E27FC236}">
+                <a16:creationId xmlns:a16="http://schemas.microsoft.com/office/drawing/2014/main" id="{F87506F4-5997-39C4-935E-E001DB40427C}"/>
+              </a:ext>
+            </a:extLst>
+          </p:cNvPr>
+          <p:cNvSpPr/>
+          <p:nvPr/>
+        </p:nvSpPr>
+        <p:spPr>
+          <a:xfrm>
+            <a:off x="4057195" y="828086"/>
+            <a:ext cx="1256895" cy="375385"/>
+          </a:xfrm>
+          <a:prstGeom prst="roundRect">
+            <a:avLst/>
+          </a:prstGeom>
+        </p:spPr>
+        <p:style>
+          <a:lnRef idx="2">
+            <a:schemeClr val="dk1"/>
+          </a:lnRef>
+          <a:fillRef idx="1">
+            <a:schemeClr val="lt1"/>
+          </a:fillRef>
+          <a:effectRef idx="0">
+            <a:schemeClr val="dk1"/>
+          </a:effectRef>
+          <a:fontRef idx="minor">
+            <a:schemeClr val="dk1"/>
+          </a:fontRef>
+        </p:style>
+        <p:txBody>
+          <a:bodyPr rtlCol="0" anchor="ctr"/>
+          <a:lstStyle/>
+          <a:p>
+            <a:pPr algn="ctr"/>
+            <a:r>
+              <a:rPr lang="ko-KR" altLang="en-US">
+                <a:solidFill>
+                  <a:schemeClr val="tx1"/>
+                </a:solidFill>
+              </a:rPr>
+              <a:t>스프링</a:t>
+            </a:r>
+          </a:p>
+        </p:txBody>
+      </p:sp>
+      <p:sp>
+        <p:nvSpPr>
+          <p:cNvPr id="8" name="사각형: 둥근 모서리 7">
+            <a:extLst>
+              <a:ext uri="{FF2B5EF4-FFF2-40B4-BE49-F238E27FC236}">
+                <a16:creationId xmlns:a16="http://schemas.microsoft.com/office/drawing/2014/main" id="{042B00CB-55D3-816D-42FE-2EE125786ADA}"/>
+              </a:ext>
+            </a:extLst>
+          </p:cNvPr>
+          <p:cNvSpPr/>
+          <p:nvPr/>
+        </p:nvSpPr>
+        <p:spPr>
+          <a:xfrm>
+            <a:off x="6654234" y="796522"/>
+            <a:ext cx="1164611" cy="375385"/>
+          </a:xfrm>
+          <a:prstGeom prst="roundRect">
+            <a:avLst/>
+          </a:prstGeom>
+        </p:spPr>
+        <p:style>
+          <a:lnRef idx="2">
+            <a:schemeClr val="dk1"/>
+          </a:lnRef>
+          <a:fillRef idx="1">
+            <a:schemeClr val="lt1"/>
+          </a:fillRef>
+          <a:effectRef idx="0">
+            <a:schemeClr val="dk1"/>
+          </a:effectRef>
+          <a:fontRef idx="minor">
+            <a:schemeClr val="dk1"/>
+          </a:fontRef>
+        </p:style>
+        <p:txBody>
+          <a:bodyPr rtlCol="0" anchor="ctr"/>
+          <a:lstStyle/>
+          <a:p>
+            <a:pPr algn="ctr"/>
+            <a:r>
+              <a:rPr lang="en-US" altLang="ko-KR">
+                <a:solidFill>
+                  <a:schemeClr val="tx1"/>
+                </a:solidFill>
+              </a:rPr>
+              <a:t>AD-217</a:t>
+            </a:r>
+            <a:endParaRPr lang="ko-KR" altLang="en-US">
+              <a:solidFill>
+                <a:schemeClr val="tx1"/>
+              </a:solidFill>
+            </a:endParaRPr>
+          </a:p>
+        </p:txBody>
+      </p:sp>
+      <p:sp>
+        <p:nvSpPr>
+          <p:cNvPr id="9" name="사각형: 둥근 모서리 8">
+            <a:extLst>
+              <a:ext uri="{FF2B5EF4-FFF2-40B4-BE49-F238E27FC236}">
+                <a16:creationId xmlns:a16="http://schemas.microsoft.com/office/drawing/2014/main" id="{6BC62DBE-4AC2-D67A-7CF1-1BB0212F0FB6}"/>
+              </a:ext>
+            </a:extLst>
+          </p:cNvPr>
+          <p:cNvSpPr/>
+          <p:nvPr/>
+        </p:nvSpPr>
+        <p:spPr>
+          <a:xfrm>
+            <a:off x="1547353" y="1380174"/>
+            <a:ext cx="1393285" cy="375385"/>
+          </a:xfrm>
+          <a:prstGeom prst="roundRect">
+            <a:avLst/>
+          </a:prstGeom>
+        </p:spPr>
+        <p:style>
+          <a:lnRef idx="2">
+            <a:schemeClr val="dk1"/>
+          </a:lnRef>
+          <a:fillRef idx="1">
+            <a:schemeClr val="lt1"/>
+          </a:fillRef>
+          <a:effectRef idx="0">
+            <a:schemeClr val="dk1"/>
+          </a:effectRef>
+          <a:fontRef idx="minor">
+            <a:schemeClr val="dk1"/>
+          </a:fontRef>
+        </p:style>
+        <p:txBody>
+          <a:bodyPr rtlCol="0" anchor="ctr"/>
+          <a:lstStyle/>
+          <a:p>
+            <a:pPr algn="ctr"/>
+            <a:r>
+              <a:rPr lang="en-US" altLang="ko-KR">
+                <a:solidFill>
+                  <a:schemeClr val="tx1"/>
+                </a:solidFill>
+              </a:rPr>
+              <a:t>Gold</a:t>
+            </a:r>
+            <a:endParaRPr lang="ko-KR" altLang="en-US">
+              <a:solidFill>
+                <a:schemeClr val="bg2">
+                  <a:lumMod val="75000"/>
+                </a:schemeClr>
+              </a:solidFill>
+            </a:endParaRPr>
+          </a:p>
+        </p:txBody>
+      </p:sp>
+      <p:sp>
+        <p:nvSpPr>
+          <p:cNvPr id="10" name="사각형: 둥근 모서리 9">
+            <a:extLst>
+              <a:ext uri="{FF2B5EF4-FFF2-40B4-BE49-F238E27FC236}">
+                <a16:creationId xmlns:a16="http://schemas.microsoft.com/office/drawing/2014/main" id="{9B78D97D-3331-7A5B-02D9-F462B0DD54AE}"/>
+              </a:ext>
+            </a:extLst>
+          </p:cNvPr>
+          <p:cNvSpPr/>
+          <p:nvPr/>
+        </p:nvSpPr>
+        <p:spPr>
+          <a:xfrm>
+            <a:off x="9511513" y="1413283"/>
+            <a:ext cx="1164611" cy="375385"/>
+          </a:xfrm>
+          <a:prstGeom prst="roundRect">
+            <a:avLst/>
+          </a:prstGeom>
+        </p:spPr>
+        <p:style>
+          <a:lnRef idx="2">
+            <a:schemeClr val="dk1"/>
+          </a:lnRef>
+          <a:fillRef idx="1">
+            <a:schemeClr val="lt1"/>
+          </a:fillRef>
+          <a:effectRef idx="0">
+            <a:schemeClr val="dk1"/>
+          </a:effectRef>
+          <a:fontRef idx="minor">
+            <a:schemeClr val="dk1"/>
+          </a:fontRef>
+        </p:style>
+        <p:txBody>
+          <a:bodyPr rtlCol="0" anchor="ctr"/>
+          <a:lstStyle/>
+          <a:p>
+            <a:pPr algn="ctr"/>
+            <a:r>
+              <a:rPr lang="ko-KR" altLang="en-US">
+                <a:solidFill>
+                  <a:schemeClr val="tx1"/>
+                </a:solidFill>
+              </a:rPr>
+              <a:t>방산</a:t>
+            </a:r>
+            <a:endParaRPr lang="ko-KR" altLang="en-US">
+              <a:solidFill>
+                <a:schemeClr val="bg2">
+                  <a:lumMod val="75000"/>
+                </a:schemeClr>
+              </a:solidFill>
+            </a:endParaRPr>
+          </a:p>
+        </p:txBody>
+      </p:sp>
+      <p:sp>
+        <p:nvSpPr>
+          <p:cNvPr id="11" name="사각형: 둥근 모서리 10">
+            <a:extLst>
+              <a:ext uri="{FF2B5EF4-FFF2-40B4-BE49-F238E27FC236}">
+                <a16:creationId xmlns:a16="http://schemas.microsoft.com/office/drawing/2014/main" id="{F8FD0C32-DE74-CEA6-EF53-C95E9F94AFAE}"/>
+              </a:ext>
+            </a:extLst>
+          </p:cNvPr>
+          <p:cNvSpPr/>
+          <p:nvPr/>
+        </p:nvSpPr>
+        <p:spPr>
+          <a:xfrm>
+            <a:off x="9500099" y="799274"/>
+            <a:ext cx="1229410" cy="375385"/>
+          </a:xfrm>
+          <a:prstGeom prst="roundRect">
+            <a:avLst/>
+          </a:prstGeom>
+        </p:spPr>
+        <p:style>
+          <a:lnRef idx="2">
+            <a:schemeClr val="dk1"/>
+          </a:lnRef>
+          <a:fillRef idx="1">
+            <a:schemeClr val="lt1"/>
+          </a:fillRef>
+          <a:effectRef idx="0">
+            <a:schemeClr val="dk1"/>
+          </a:effectRef>
+          <a:fontRef idx="minor">
+            <a:schemeClr val="dk1"/>
+          </a:fontRef>
+        </p:style>
+        <p:txBody>
+          <a:bodyPr rtlCol="0" anchor="ctr"/>
+          <a:lstStyle/>
+          <a:p>
+            <a:pPr algn="ctr"/>
+            <a:r>
+              <a:rPr lang="en-US" altLang="ko-KR">
+                <a:solidFill>
+                  <a:schemeClr val="tx1"/>
+                </a:solidFill>
+              </a:rPr>
+              <a:t>19000</a:t>
+            </a:r>
+            <a:endParaRPr lang="ko-KR" altLang="en-US">
+              <a:solidFill>
+                <a:schemeClr val="bg2">
+                  <a:lumMod val="75000"/>
+                </a:schemeClr>
+              </a:solidFill>
+            </a:endParaRPr>
+          </a:p>
+        </p:txBody>
+      </p:sp>
+      <p:sp>
+        <p:nvSpPr>
+          <p:cNvPr id="13" name="사각형: 둥근 모서리 12">
+            <a:extLst>
+              <a:ext uri="{FF2B5EF4-FFF2-40B4-BE49-F238E27FC236}">
+                <a16:creationId xmlns:a16="http://schemas.microsoft.com/office/drawing/2014/main" id="{40E43B12-69B3-0F1F-D31A-AC6D05063CAB}"/>
+              </a:ext>
+            </a:extLst>
+          </p:cNvPr>
+          <p:cNvSpPr/>
+          <p:nvPr/>
+        </p:nvSpPr>
+        <p:spPr>
+          <a:xfrm>
+            <a:off x="4039662" y="1367505"/>
+            <a:ext cx="1256895" cy="375385"/>
+          </a:xfrm>
+          <a:prstGeom prst="roundRect">
+            <a:avLst/>
+          </a:prstGeom>
+        </p:spPr>
+        <p:style>
+          <a:lnRef idx="2">
+            <a:schemeClr val="dk1"/>
+          </a:lnRef>
+          <a:fillRef idx="1">
+            <a:schemeClr val="lt1"/>
+          </a:fillRef>
+          <a:effectRef idx="0">
+            <a:schemeClr val="dk1"/>
+          </a:effectRef>
+          <a:fontRef idx="minor">
+            <a:schemeClr val="dk1"/>
+          </a:fontRef>
+        </p:style>
+        <p:txBody>
+          <a:bodyPr rtlCol="0" anchor="ctr"/>
+          <a:lstStyle/>
+          <a:p>
+            <a:pPr algn="ctr"/>
+            <a:r>
+              <a:rPr lang="ko-KR" altLang="en-US">
+                <a:solidFill>
+                  <a:schemeClr val="tx1"/>
+                </a:solidFill>
+              </a:rPr>
+              <a:t>액체</a:t>
+            </a:r>
+          </a:p>
+        </p:txBody>
+      </p:sp>
+      <p:sp>
+        <p:nvSpPr>
+          <p:cNvPr id="14" name="사각형: 둥근 모서리 13">
+            <a:extLst>
+              <a:ext uri="{FF2B5EF4-FFF2-40B4-BE49-F238E27FC236}">
+                <a16:creationId xmlns:a16="http://schemas.microsoft.com/office/drawing/2014/main" id="{700A49B1-2D35-D496-DC62-FC779201DC27}"/>
+              </a:ext>
+            </a:extLst>
+          </p:cNvPr>
+          <p:cNvSpPr/>
+          <p:nvPr/>
+        </p:nvSpPr>
+        <p:spPr>
+          <a:xfrm>
+            <a:off x="6657817" y="1355228"/>
+            <a:ext cx="1151439" cy="375385"/>
+          </a:xfrm>
+          <a:prstGeom prst="roundRect">
+            <a:avLst/>
+          </a:prstGeom>
+        </p:spPr>
+        <p:style>
+          <a:lnRef idx="2">
+            <a:schemeClr val="dk1"/>
+          </a:lnRef>
+          <a:fillRef idx="1">
+            <a:schemeClr val="lt1"/>
+          </a:fillRef>
+          <a:effectRef idx="0">
+            <a:schemeClr val="dk1"/>
+          </a:effectRef>
+          <a:fontRef idx="minor">
+            <a:schemeClr val="dk1"/>
+          </a:fontRef>
+        </p:style>
+        <p:txBody>
+          <a:bodyPr rtlCol="0" anchor="ctr"/>
+          <a:lstStyle/>
+          <a:p>
+            <a:pPr algn="ctr"/>
+            <a:r>
+              <a:rPr lang="ko-KR" altLang="en-US">
+                <a:solidFill>
+                  <a:schemeClr val="tx1"/>
+                </a:solidFill>
+              </a:rPr>
+              <a:t>비고</a:t>
+            </a:r>
+            <a:endParaRPr lang="ko-KR" altLang="en-US">
+              <a:solidFill>
+                <a:schemeClr val="bg2">
+                  <a:lumMod val="75000"/>
+                </a:schemeClr>
+              </a:solidFill>
+            </a:endParaRPr>
+          </a:p>
+        </p:txBody>
+      </p:sp>
+      <p:sp>
+        <p:nvSpPr>
+          <p:cNvPr id="15" name="사각형: 둥근 모서리 14">
+            <a:extLst>
+              <a:ext uri="{FF2B5EF4-FFF2-40B4-BE49-F238E27FC236}">
+                <a16:creationId xmlns:a16="http://schemas.microsoft.com/office/drawing/2014/main" id="{BCAD7F41-E5A9-C937-0DA0-119D2ECC12EE}"/>
+              </a:ext>
+            </a:extLst>
+          </p:cNvPr>
+          <p:cNvSpPr/>
+          <p:nvPr/>
+        </p:nvSpPr>
+        <p:spPr>
+          <a:xfrm>
+            <a:off x="1506017" y="5473810"/>
+            <a:ext cx="9150157" cy="813043"/>
+          </a:xfrm>
+          <a:prstGeom prst="roundRect">
+            <a:avLst/>
+          </a:prstGeom>
+        </p:spPr>
+        <p:style>
+          <a:lnRef idx="2">
+            <a:schemeClr val="dk1"/>
+          </a:lnRef>
+          <a:fillRef idx="1">
+            <a:schemeClr val="lt1"/>
+          </a:fillRef>
+          <a:effectRef idx="0">
+            <a:schemeClr val="dk1"/>
+          </a:effectRef>
+          <a:fontRef idx="minor">
+            <a:schemeClr val="dk1"/>
+          </a:fontRef>
+        </p:style>
+        <p:txBody>
+          <a:bodyPr rtlCol="0" anchor="ctr"/>
+          <a:lstStyle/>
+          <a:p>
+            <a:pPr algn="ctr"/>
+            <a:r>
+              <a:rPr lang="ko-KR" altLang="en-US">
+                <a:solidFill>
+                  <a:schemeClr val="bg2">
+                    <a:lumMod val="75000"/>
+                  </a:schemeClr>
+                </a:solidFill>
+              </a:rPr>
+              <a:t>이미지 선택</a:t>
+            </a:r>
+            <a:endParaRPr lang="en-US" altLang="ko-KR">
+              <a:solidFill>
+                <a:schemeClr val="bg2">
+                  <a:lumMod val="75000"/>
+                </a:schemeClr>
+              </a:solidFill>
+            </a:endParaRPr>
+          </a:p>
+          <a:p>
+            <a:pPr algn="ctr"/>
+            <a:r>
+              <a:rPr lang="ko-KR" altLang="en-US"/>
+              <a:t> </a:t>
+            </a:r>
+          </a:p>
+        </p:txBody>
+      </p:sp>
+      <p:sp>
+        <p:nvSpPr>
+          <p:cNvPr id="17" name="TextBox 16">
+            <a:extLst>
+              <a:ext uri="{FF2B5EF4-FFF2-40B4-BE49-F238E27FC236}">
+                <a16:creationId xmlns:a16="http://schemas.microsoft.com/office/drawing/2014/main" id="{7BFEE4B1-8489-6160-F8F2-56EE4337C29F}"/>
+              </a:ext>
+            </a:extLst>
+          </p:cNvPr>
+          <p:cNvSpPr txBox="1"/>
+          <p:nvPr/>
+        </p:nvSpPr>
+        <p:spPr>
+          <a:xfrm>
+            <a:off x="1122337" y="64521"/>
+            <a:ext cx="6949440" cy="523220"/>
+          </a:xfrm>
+          <a:prstGeom prst="rect">
+            <a:avLst/>
+          </a:prstGeom>
+          <a:noFill/>
+        </p:spPr>
+        <p:txBody>
+          <a:bodyPr wrap="square" rtlCol="0">
+            <a:spAutoFit/>
+          </a:bodyPr>
+          <a:lstStyle/>
+          <a:p>
+            <a:r>
+              <a:rPr lang="ko-KR" altLang="en-US" sz="2800"/>
+              <a:t>수주 대상 품목 상세정보 조회 페이지</a:t>
+            </a:r>
+          </a:p>
+        </p:txBody>
+      </p:sp>
+      <p:cxnSp>
+        <p:nvCxnSpPr>
+          <p:cNvPr id="19" name="직선 연결선 18">
+            <a:extLst>
+              <a:ext uri="{FF2B5EF4-FFF2-40B4-BE49-F238E27FC236}">
+                <a16:creationId xmlns:a16="http://schemas.microsoft.com/office/drawing/2014/main" id="{29DE356F-A700-E4A3-9BA2-6A6F402DC228}"/>
+              </a:ext>
+            </a:extLst>
+          </p:cNvPr>
+          <p:cNvCxnSpPr>
+            <a:cxnSpLocks/>
+          </p:cNvCxnSpPr>
+          <p:nvPr/>
+        </p:nvCxnSpPr>
+        <p:spPr>
+          <a:xfrm>
+            <a:off x="514748" y="547230"/>
+            <a:ext cx="10781503" cy="0"/>
+          </a:xfrm>
+          <a:prstGeom prst="line">
+            <a:avLst/>
+          </a:prstGeom>
+        </p:spPr>
+        <p:style>
+          <a:lnRef idx="3">
+            <a:schemeClr val="dk1"/>
+          </a:lnRef>
+          <a:fillRef idx="0">
+            <a:schemeClr val="dk1"/>
+          </a:fillRef>
+          <a:effectRef idx="2">
+            <a:schemeClr val="dk1"/>
+          </a:effectRef>
+          <a:fontRef idx="minor">
+            <a:schemeClr val="tx1"/>
+          </a:fontRef>
+        </p:style>
+      </p:cxnSp>
+      <p:sp>
+        <p:nvSpPr>
+          <p:cNvPr id="3" name="사각형: 둥근 모서리 2">
+            <a:extLst>
+              <a:ext uri="{FF2B5EF4-FFF2-40B4-BE49-F238E27FC236}">
+                <a16:creationId xmlns:a16="http://schemas.microsoft.com/office/drawing/2014/main" id="{8823CC3E-573F-ABED-229A-ACDE6236407B}"/>
+              </a:ext>
+            </a:extLst>
+          </p:cNvPr>
+          <p:cNvSpPr/>
+          <p:nvPr/>
+        </p:nvSpPr>
+        <p:spPr>
+          <a:xfrm>
+            <a:off x="1483444" y="2790885"/>
+            <a:ext cx="9134434" cy="1180778"/>
+          </a:xfrm>
+          <a:prstGeom prst="roundRect">
+            <a:avLst/>
+          </a:prstGeom>
+        </p:spPr>
+        <p:style>
+          <a:lnRef idx="2">
+            <a:schemeClr val="dk1"/>
+          </a:lnRef>
+          <a:fillRef idx="1">
+            <a:schemeClr val="lt1"/>
+          </a:fillRef>
+          <a:effectRef idx="0">
+            <a:schemeClr val="dk1"/>
+          </a:effectRef>
+          <a:fontRef idx="minor">
+            <a:schemeClr val="dk1"/>
+          </a:fontRef>
+        </p:style>
+        <p:txBody>
+          <a:bodyPr rtlCol="0" anchor="ctr"/>
+          <a:lstStyle/>
+          <a:p>
+            <a:endParaRPr lang="ko-KR" altLang="en-US"/>
+          </a:p>
+        </p:txBody>
+      </p:sp>
+      <p:pic>
+        <p:nvPicPr>
+          <p:cNvPr id="25" name="그래픽 24" descr="이미지">
+            <a:extLst>
+              <a:ext uri="{FF2B5EF4-FFF2-40B4-BE49-F238E27FC236}">
+                <a16:creationId xmlns:a16="http://schemas.microsoft.com/office/drawing/2014/main" id="{3BD33470-117D-EB54-6716-69FAE989BE2B}"/>
+              </a:ext>
+            </a:extLst>
+          </p:cNvPr>
+          <p:cNvPicPr>
+            <a:picLocks noChangeAspect="1"/>
+          </p:cNvPicPr>
+          <p:nvPr/>
+        </p:nvPicPr>
+        <p:blipFill>
+          <a:blip r:embed="rId2">
+            <a:extLst>
+              <a:ext uri="{96DAC541-7B7A-43D3-8B79-37D633B846F1}">
+                <asvg:svgBlip xmlns:asvg="http://schemas.microsoft.com/office/drawing/2016/SVG/main" r:embed="rId3"/>
+              </a:ext>
+            </a:extLst>
+          </a:blip>
+          <a:stretch>
+            <a:fillRect/>
+          </a:stretch>
+        </p:blipFill>
+        <p:spPr>
+          <a:xfrm>
+            <a:off x="5905500" y="5841239"/>
+            <a:ext cx="445394" cy="349675"/>
+          </a:xfrm>
+          <a:prstGeom prst="rect">
+            <a:avLst/>
+          </a:prstGeom>
+        </p:spPr>
+      </p:pic>
+      <p:sp>
+        <p:nvSpPr>
+          <p:cNvPr id="27" name="사각형: 둥근 모서리 26">
+            <a:extLst>
+              <a:ext uri="{FF2B5EF4-FFF2-40B4-BE49-F238E27FC236}">
+                <a16:creationId xmlns:a16="http://schemas.microsoft.com/office/drawing/2014/main" id="{620F5E94-D64A-CCB6-FC70-C8AED9C2C9FC}"/>
+              </a:ext>
+            </a:extLst>
+          </p:cNvPr>
+          <p:cNvSpPr/>
+          <p:nvPr/>
+        </p:nvSpPr>
+        <p:spPr>
+          <a:xfrm>
+            <a:off x="543895" y="795990"/>
+            <a:ext cx="1022957" cy="375385"/>
+          </a:xfrm>
+          <a:prstGeom prst="roundRect">
+            <a:avLst/>
+          </a:prstGeom>
+          <a:noFill/>
+          <a:ln>
+            <a:noFill/>
+          </a:ln>
+        </p:spPr>
+        <p:style>
+          <a:lnRef idx="0">
+            <a:scrgbClr r="0" g="0" b="0"/>
+          </a:lnRef>
+          <a:fillRef idx="0">
+            <a:scrgbClr r="0" g="0" b="0"/>
+          </a:fillRef>
+          <a:effectRef idx="0">
+            <a:scrgbClr r="0" g="0" b="0"/>
+          </a:effectRef>
+          <a:fontRef idx="minor">
+            <a:schemeClr val="dk1"/>
+          </a:fontRef>
+        </p:style>
+        <p:txBody>
+          <a:bodyPr rtlCol="0" anchor="ctr"/>
+          <a:lstStyle/>
+          <a:p>
+            <a:pPr algn="ctr"/>
+            <a:r>
+              <a:rPr lang="ko-KR" altLang="en-US" sz="1200"/>
+              <a:t>거래처명</a:t>
+            </a:r>
+          </a:p>
+        </p:txBody>
+      </p:sp>
+      <p:sp>
+        <p:nvSpPr>
+          <p:cNvPr id="30" name="사각형: 둥근 모서리 29">
+            <a:extLst>
+              <a:ext uri="{FF2B5EF4-FFF2-40B4-BE49-F238E27FC236}">
+                <a16:creationId xmlns:a16="http://schemas.microsoft.com/office/drawing/2014/main" id="{B591A024-EB82-7D12-23CA-FA3A062C6092}"/>
+              </a:ext>
+            </a:extLst>
+          </p:cNvPr>
+          <p:cNvSpPr/>
+          <p:nvPr/>
+        </p:nvSpPr>
+        <p:spPr>
+          <a:xfrm>
+            <a:off x="2959176" y="805984"/>
+            <a:ext cx="1022957" cy="375385"/>
+          </a:xfrm>
+          <a:prstGeom prst="roundRect">
+            <a:avLst/>
+          </a:prstGeom>
+          <a:noFill/>
+          <a:ln>
+            <a:noFill/>
+          </a:ln>
+        </p:spPr>
+        <p:style>
+          <a:lnRef idx="0">
+            <a:scrgbClr r="0" g="0" b="0"/>
+          </a:lnRef>
+          <a:fillRef idx="0">
+            <a:scrgbClr r="0" g="0" b="0"/>
+          </a:fillRef>
+          <a:effectRef idx="0">
+            <a:scrgbClr r="0" g="0" b="0"/>
+          </a:effectRef>
+          <a:fontRef idx="minor">
+            <a:schemeClr val="dk1"/>
+          </a:fontRef>
+        </p:style>
+        <p:txBody>
+          <a:bodyPr rtlCol="0" anchor="ctr"/>
+          <a:lstStyle/>
+          <a:p>
+            <a:pPr algn="ctr"/>
+            <a:r>
+              <a:rPr lang="ko-KR" altLang="en-US" sz="1200"/>
+              <a:t>품목명</a:t>
+            </a:r>
+          </a:p>
+        </p:txBody>
+      </p:sp>
+      <p:sp>
+        <p:nvSpPr>
+          <p:cNvPr id="31" name="사각형: 둥근 모서리 30">
+            <a:extLst>
+              <a:ext uri="{FF2B5EF4-FFF2-40B4-BE49-F238E27FC236}">
+                <a16:creationId xmlns:a16="http://schemas.microsoft.com/office/drawing/2014/main" id="{36D59F7E-597F-42B8-103D-B3F5436683BC}"/>
+              </a:ext>
+            </a:extLst>
+          </p:cNvPr>
+          <p:cNvSpPr/>
+          <p:nvPr/>
+        </p:nvSpPr>
+        <p:spPr>
+          <a:xfrm>
+            <a:off x="5544572" y="792860"/>
+            <a:ext cx="1022957" cy="375385"/>
+          </a:xfrm>
+          <a:prstGeom prst="roundRect">
+            <a:avLst/>
+          </a:prstGeom>
+          <a:noFill/>
+          <a:ln>
+            <a:noFill/>
+          </a:ln>
+        </p:spPr>
+        <p:style>
+          <a:lnRef idx="0">
+            <a:scrgbClr r="0" g="0" b="0"/>
+          </a:lnRef>
+          <a:fillRef idx="0">
+            <a:scrgbClr r="0" g="0" b="0"/>
+          </a:fillRef>
+          <a:effectRef idx="0">
+            <a:scrgbClr r="0" g="0" b="0"/>
+          </a:effectRef>
+          <a:fontRef idx="minor">
+            <a:schemeClr val="dk1"/>
+          </a:fontRef>
+        </p:style>
+        <p:txBody>
+          <a:bodyPr rtlCol="0" anchor="ctr"/>
+          <a:lstStyle/>
+          <a:p>
+            <a:pPr algn="ctr"/>
+            <a:r>
+              <a:rPr lang="ko-KR" altLang="en-US" sz="1200"/>
+              <a:t>품목번호</a:t>
+            </a:r>
+          </a:p>
+        </p:txBody>
+      </p:sp>
+      <p:sp>
+        <p:nvSpPr>
+          <p:cNvPr id="32" name="사각형: 둥근 모서리 31">
+            <a:extLst>
+              <a:ext uri="{FF2B5EF4-FFF2-40B4-BE49-F238E27FC236}">
+                <a16:creationId xmlns:a16="http://schemas.microsoft.com/office/drawing/2014/main" id="{D2EDBBFB-3EEC-B3C2-5DE3-F543AA20822A}"/>
+              </a:ext>
+            </a:extLst>
+          </p:cNvPr>
+          <p:cNvSpPr/>
+          <p:nvPr/>
+        </p:nvSpPr>
+        <p:spPr>
+          <a:xfrm>
+            <a:off x="8266866" y="826464"/>
+            <a:ext cx="1022957" cy="375385"/>
+          </a:xfrm>
+          <a:prstGeom prst="roundRect">
+            <a:avLst/>
+          </a:prstGeom>
+          <a:noFill/>
+          <a:ln>
+            <a:noFill/>
+          </a:ln>
+        </p:spPr>
+        <p:style>
+          <a:lnRef idx="0">
+            <a:scrgbClr r="0" g="0" b="0"/>
+          </a:lnRef>
+          <a:fillRef idx="0">
+            <a:scrgbClr r="0" g="0" b="0"/>
+          </a:fillRef>
+          <a:effectRef idx="0">
+            <a:scrgbClr r="0" g="0" b="0"/>
+          </a:effectRef>
+          <a:fontRef idx="minor">
+            <a:schemeClr val="dk1"/>
+          </a:fontRef>
+        </p:style>
+        <p:txBody>
+          <a:bodyPr rtlCol="0" anchor="ctr"/>
+          <a:lstStyle/>
+          <a:p>
+            <a:pPr algn="ctr"/>
+            <a:r>
+              <a:rPr lang="ko-KR" altLang="en-US" sz="1200"/>
+              <a:t>품목 단가</a:t>
+            </a:r>
+          </a:p>
+        </p:txBody>
+      </p:sp>
+      <p:sp>
+        <p:nvSpPr>
+          <p:cNvPr id="33" name="사각형: 둥근 모서리 32">
+            <a:extLst>
+              <a:ext uri="{FF2B5EF4-FFF2-40B4-BE49-F238E27FC236}">
+                <a16:creationId xmlns:a16="http://schemas.microsoft.com/office/drawing/2014/main" id="{92727C13-6B32-E072-6009-8372144990D0}"/>
+              </a:ext>
+            </a:extLst>
+          </p:cNvPr>
+          <p:cNvSpPr/>
+          <p:nvPr/>
+        </p:nvSpPr>
+        <p:spPr>
+          <a:xfrm>
+            <a:off x="580756" y="1335731"/>
+            <a:ext cx="694218" cy="375385"/>
+          </a:xfrm>
+          <a:prstGeom prst="roundRect">
+            <a:avLst/>
+          </a:prstGeom>
+          <a:noFill/>
+          <a:ln>
+            <a:noFill/>
+          </a:ln>
+        </p:spPr>
+        <p:style>
+          <a:lnRef idx="0">
+            <a:scrgbClr r="0" g="0" b="0"/>
+          </a:lnRef>
+          <a:fillRef idx="0">
+            <a:scrgbClr r="0" g="0" b="0"/>
+          </a:fillRef>
+          <a:effectRef idx="0">
+            <a:scrgbClr r="0" g="0" b="0"/>
+          </a:effectRef>
+          <a:fontRef idx="minor">
+            <a:schemeClr val="dk1"/>
+          </a:fontRef>
+        </p:style>
+        <p:txBody>
+          <a:bodyPr rtlCol="0" anchor="ctr"/>
+          <a:lstStyle/>
+          <a:p>
+            <a:pPr algn="ctr"/>
+            <a:r>
+              <a:rPr lang="ko-KR" altLang="en-US" sz="1200"/>
+              <a:t>색상</a:t>
+            </a:r>
+          </a:p>
+        </p:txBody>
+      </p:sp>
+      <p:sp>
+        <p:nvSpPr>
+          <p:cNvPr id="35" name="사각형: 둥근 모서리 34">
+            <a:extLst>
+              <a:ext uri="{FF2B5EF4-FFF2-40B4-BE49-F238E27FC236}">
+                <a16:creationId xmlns:a16="http://schemas.microsoft.com/office/drawing/2014/main" id="{235C29EF-5951-ACC3-B530-C2342ED5EA11}"/>
+              </a:ext>
+            </a:extLst>
+          </p:cNvPr>
+          <p:cNvSpPr/>
+          <p:nvPr/>
+        </p:nvSpPr>
+        <p:spPr>
+          <a:xfrm>
+            <a:off x="3047393" y="1329238"/>
+            <a:ext cx="979097" cy="375385"/>
+          </a:xfrm>
+          <a:prstGeom prst="roundRect">
+            <a:avLst/>
+          </a:prstGeom>
+          <a:noFill/>
+          <a:ln>
+            <a:noFill/>
+          </a:ln>
+        </p:spPr>
+        <p:style>
+          <a:lnRef idx="0">
+            <a:scrgbClr r="0" g="0" b="0"/>
+          </a:lnRef>
+          <a:fillRef idx="0">
+            <a:scrgbClr r="0" g="0" b="0"/>
+          </a:fillRef>
+          <a:effectRef idx="0">
+            <a:scrgbClr r="0" g="0" b="0"/>
+          </a:effectRef>
+          <a:fontRef idx="minor">
+            <a:schemeClr val="dk1"/>
+          </a:fontRef>
+        </p:style>
+        <p:txBody>
+          <a:bodyPr rtlCol="0" anchor="ctr"/>
+          <a:lstStyle/>
+          <a:p>
+            <a:pPr algn="ctr"/>
+            <a:r>
+              <a:rPr lang="ko-KR" altLang="en-US" sz="1200"/>
+              <a:t>도장 방식</a:t>
+            </a:r>
+          </a:p>
+        </p:txBody>
+      </p:sp>
+      <p:sp>
+        <p:nvSpPr>
+          <p:cNvPr id="38" name="사각형: 둥근 모서리 37">
+            <a:extLst>
+              <a:ext uri="{FF2B5EF4-FFF2-40B4-BE49-F238E27FC236}">
+                <a16:creationId xmlns:a16="http://schemas.microsoft.com/office/drawing/2014/main" id="{3F8CFE73-CF14-90C9-4610-B2035A6CDE34}"/>
+              </a:ext>
+            </a:extLst>
+          </p:cNvPr>
+          <p:cNvSpPr/>
+          <p:nvPr/>
+        </p:nvSpPr>
+        <p:spPr>
+          <a:xfrm>
+            <a:off x="5502180" y="1343704"/>
+            <a:ext cx="786252" cy="375385"/>
+          </a:xfrm>
+          <a:prstGeom prst="roundRect">
+            <a:avLst/>
+          </a:prstGeom>
+          <a:noFill/>
+          <a:ln>
+            <a:noFill/>
+          </a:ln>
+        </p:spPr>
+        <p:style>
+          <a:lnRef idx="0">
+            <a:scrgbClr r="0" g="0" b="0"/>
+          </a:lnRef>
+          <a:fillRef idx="0">
+            <a:scrgbClr r="0" g="0" b="0"/>
+          </a:fillRef>
+          <a:effectRef idx="0">
+            <a:scrgbClr r="0" g="0" b="0"/>
+          </a:effectRef>
+          <a:fontRef idx="minor">
+            <a:schemeClr val="dk1"/>
+          </a:fontRef>
+        </p:style>
+        <p:txBody>
+          <a:bodyPr rtlCol="0" anchor="ctr"/>
+          <a:lstStyle/>
+          <a:p>
+            <a:pPr algn="ctr"/>
+            <a:r>
+              <a:rPr lang="ko-KR" altLang="en-US" sz="1200"/>
+              <a:t>비고</a:t>
+            </a:r>
+          </a:p>
+        </p:txBody>
+      </p:sp>
+      <p:sp>
+        <p:nvSpPr>
+          <p:cNvPr id="39" name="사각형: 둥근 모서리 38">
+            <a:extLst>
+              <a:ext uri="{FF2B5EF4-FFF2-40B4-BE49-F238E27FC236}">
+                <a16:creationId xmlns:a16="http://schemas.microsoft.com/office/drawing/2014/main" id="{1264122C-1615-76F7-4943-DD0BB5F6FC26}"/>
+              </a:ext>
+            </a:extLst>
+          </p:cNvPr>
+          <p:cNvSpPr/>
+          <p:nvPr/>
+        </p:nvSpPr>
+        <p:spPr>
+          <a:xfrm>
+            <a:off x="8216513" y="1298957"/>
+            <a:ext cx="779196" cy="375385"/>
+          </a:xfrm>
+          <a:prstGeom prst="roundRect">
+            <a:avLst/>
+          </a:prstGeom>
+          <a:noFill/>
+          <a:ln>
+            <a:noFill/>
+          </a:ln>
+        </p:spPr>
+        <p:style>
+          <a:lnRef idx="0">
+            <a:scrgbClr r="0" g="0" b="0"/>
+          </a:lnRef>
+          <a:fillRef idx="0">
+            <a:scrgbClr r="0" g="0" b="0"/>
+          </a:fillRef>
+          <a:effectRef idx="0">
+            <a:scrgbClr r="0" g="0" b="0"/>
+          </a:effectRef>
+          <a:fontRef idx="minor">
+            <a:schemeClr val="dk1"/>
+          </a:fontRef>
+        </p:style>
+        <p:txBody>
+          <a:bodyPr rtlCol="0" anchor="ctr"/>
+          <a:lstStyle/>
+          <a:p>
+            <a:pPr algn="ctr"/>
+            <a:r>
+              <a:rPr lang="ko-KR" altLang="en-US" sz="1200"/>
+              <a:t>분류</a:t>
+            </a:r>
+          </a:p>
+        </p:txBody>
+      </p:sp>
+      <p:sp>
+        <p:nvSpPr>
+          <p:cNvPr id="40" name="사각형: 둥근 모서리 39">
+            <a:extLst>
+              <a:ext uri="{FF2B5EF4-FFF2-40B4-BE49-F238E27FC236}">
+                <a16:creationId xmlns:a16="http://schemas.microsoft.com/office/drawing/2014/main" id="{6D89CC99-D79E-A994-C712-19F0666CD755}"/>
+              </a:ext>
+            </a:extLst>
+          </p:cNvPr>
+          <p:cNvSpPr/>
+          <p:nvPr/>
+        </p:nvSpPr>
+        <p:spPr>
+          <a:xfrm>
+            <a:off x="1483144" y="2454890"/>
+            <a:ext cx="1164611" cy="375385"/>
+          </a:xfrm>
+          <a:prstGeom prst="roundRect">
+            <a:avLst/>
+          </a:prstGeom>
+          <a:noFill/>
+          <a:ln>
+            <a:noFill/>
+          </a:ln>
+        </p:spPr>
+        <p:style>
+          <a:lnRef idx="0">
+            <a:scrgbClr r="0" g="0" b="0"/>
+          </a:lnRef>
+          <a:fillRef idx="0">
+            <a:scrgbClr r="0" g="0" b="0"/>
+          </a:fillRef>
+          <a:effectRef idx="0">
+            <a:scrgbClr r="0" g="0" b="0"/>
+          </a:effectRef>
+          <a:fontRef idx="minor">
+            <a:schemeClr val="dk1"/>
+          </a:fontRef>
+        </p:style>
+        <p:txBody>
+          <a:bodyPr rtlCol="0" anchor="ctr"/>
+          <a:lstStyle/>
+          <a:p>
+            <a:pPr algn="ctr"/>
+            <a:r>
+              <a:rPr lang="ko-KR" altLang="en-US" sz="1200"/>
+              <a:t>라우팅 정보</a:t>
+            </a:r>
+          </a:p>
+        </p:txBody>
+      </p:sp>
+      <p:sp>
+        <p:nvSpPr>
+          <p:cNvPr id="2" name="순서도: 병합 1">
+            <a:extLst>
+              <a:ext uri="{FF2B5EF4-FFF2-40B4-BE49-F238E27FC236}">
+                <a16:creationId xmlns:a16="http://schemas.microsoft.com/office/drawing/2014/main" id="{3DB8E6AB-55BD-5F21-2029-1A3AC65AF85F}"/>
+              </a:ext>
+            </a:extLst>
+          </p:cNvPr>
+          <p:cNvSpPr/>
+          <p:nvPr/>
+        </p:nvSpPr>
+        <p:spPr>
+          <a:xfrm>
+            <a:off x="2760007" y="963936"/>
+            <a:ext cx="112195" cy="103405"/>
+          </a:xfrm>
+          <a:prstGeom prst="flowChartMerge">
+            <a:avLst/>
+          </a:prstGeom>
+        </p:spPr>
+        <p:style>
+          <a:lnRef idx="2">
+            <a:schemeClr val="accent1">
+              <a:shade val="15000"/>
+            </a:schemeClr>
+          </a:lnRef>
+          <a:fillRef idx="1">
+            <a:schemeClr val="accent1"/>
+          </a:fillRef>
+          <a:effectRef idx="0">
+            <a:schemeClr val="accent1"/>
+          </a:effectRef>
+          <a:fontRef idx="minor">
+            <a:schemeClr val="lt1"/>
+          </a:fontRef>
+        </p:style>
+        <p:txBody>
+          <a:bodyPr rtlCol="0" anchor="ctr"/>
+          <a:lstStyle/>
+          <a:p>
+            <a:pPr algn="ctr"/>
+            <a:endParaRPr lang="ko-KR" altLang="en-US"/>
+          </a:p>
+        </p:txBody>
+      </p:sp>
+      <p:sp>
+        <p:nvSpPr>
+          <p:cNvPr id="4" name="순서도: 병합 3">
+            <a:extLst>
+              <a:ext uri="{FF2B5EF4-FFF2-40B4-BE49-F238E27FC236}">
+                <a16:creationId xmlns:a16="http://schemas.microsoft.com/office/drawing/2014/main" id="{5C43DCC0-985B-E000-2900-E448E79F903D}"/>
+              </a:ext>
+            </a:extLst>
+          </p:cNvPr>
+          <p:cNvSpPr/>
+          <p:nvPr/>
+        </p:nvSpPr>
+        <p:spPr>
+          <a:xfrm>
+            <a:off x="10461924" y="1548773"/>
+            <a:ext cx="112195" cy="103405"/>
+          </a:xfrm>
+          <a:prstGeom prst="flowChartMerge">
+            <a:avLst/>
+          </a:prstGeom>
+        </p:spPr>
+        <p:style>
+          <a:lnRef idx="2">
+            <a:schemeClr val="accent1">
+              <a:shade val="15000"/>
+            </a:schemeClr>
+          </a:lnRef>
+          <a:fillRef idx="1">
+            <a:schemeClr val="accent1"/>
+          </a:fillRef>
+          <a:effectRef idx="0">
+            <a:schemeClr val="accent1"/>
+          </a:effectRef>
+          <a:fontRef idx="minor">
+            <a:schemeClr val="lt1"/>
+          </a:fontRef>
+        </p:style>
+        <p:txBody>
+          <a:bodyPr rtlCol="0" anchor="ctr"/>
+          <a:lstStyle/>
+          <a:p>
+            <a:pPr algn="ctr"/>
+            <a:endParaRPr lang="ko-KR" altLang="en-US"/>
+          </a:p>
+        </p:txBody>
+      </p:sp>
+      <p:sp>
+        <p:nvSpPr>
+          <p:cNvPr id="5" name="직사각형 4">
+            <a:extLst>
+              <a:ext uri="{FF2B5EF4-FFF2-40B4-BE49-F238E27FC236}">
+                <a16:creationId xmlns:a16="http://schemas.microsoft.com/office/drawing/2014/main" id="{81496E42-8A4A-F8FD-EEA1-87A872011E3E}"/>
+              </a:ext>
+            </a:extLst>
+          </p:cNvPr>
+          <p:cNvSpPr/>
+          <p:nvPr/>
+        </p:nvSpPr>
+        <p:spPr>
+          <a:xfrm>
+            <a:off x="9511513" y="1787668"/>
+            <a:ext cx="1164611" cy="245327"/>
+          </a:xfrm>
+          <a:prstGeom prst="rect">
+            <a:avLst/>
+          </a:prstGeom>
+        </p:spPr>
+        <p:style>
+          <a:lnRef idx="2">
+            <a:schemeClr val="dk1"/>
+          </a:lnRef>
+          <a:fillRef idx="1">
+            <a:schemeClr val="lt1"/>
+          </a:fillRef>
+          <a:effectRef idx="0">
+            <a:schemeClr val="dk1"/>
+          </a:effectRef>
+          <a:fontRef idx="minor">
+            <a:schemeClr val="dk1"/>
+          </a:fontRef>
+        </p:style>
+        <p:txBody>
+          <a:bodyPr rtlCol="0" anchor="ctr"/>
+          <a:lstStyle/>
+          <a:p>
+            <a:pPr algn="ctr"/>
+            <a:r>
+              <a:rPr lang="ko-KR" altLang="en-US" sz="1000"/>
+              <a:t>방산</a:t>
+            </a:r>
+          </a:p>
+        </p:txBody>
+      </p:sp>
+      <p:sp>
+        <p:nvSpPr>
+          <p:cNvPr id="12" name="직사각형 11">
+            <a:extLst>
+              <a:ext uri="{FF2B5EF4-FFF2-40B4-BE49-F238E27FC236}">
+                <a16:creationId xmlns:a16="http://schemas.microsoft.com/office/drawing/2014/main" id="{48648D9D-648E-2A52-EC1B-8E21AE69DBEA}"/>
+              </a:ext>
+            </a:extLst>
+          </p:cNvPr>
+          <p:cNvSpPr/>
+          <p:nvPr/>
+        </p:nvSpPr>
+        <p:spPr>
+          <a:xfrm>
+            <a:off x="9511512" y="2018210"/>
+            <a:ext cx="1164611" cy="245327"/>
+          </a:xfrm>
+          <a:prstGeom prst="rect">
+            <a:avLst/>
+          </a:prstGeom>
+        </p:spPr>
+        <p:style>
+          <a:lnRef idx="2">
+            <a:schemeClr val="dk1"/>
+          </a:lnRef>
+          <a:fillRef idx="1">
+            <a:schemeClr val="lt1"/>
+          </a:fillRef>
+          <a:effectRef idx="0">
+            <a:schemeClr val="dk1"/>
+          </a:effectRef>
+          <a:fontRef idx="minor">
+            <a:schemeClr val="dk1"/>
+          </a:fontRef>
+        </p:style>
+        <p:txBody>
+          <a:bodyPr rtlCol="0" anchor="ctr"/>
+          <a:lstStyle/>
+          <a:p>
+            <a:pPr algn="ctr"/>
+            <a:r>
+              <a:rPr lang="ko-KR" altLang="en-US" sz="1000"/>
+              <a:t>일반</a:t>
+            </a:r>
+          </a:p>
+        </p:txBody>
+      </p:sp>
+      <p:sp>
+        <p:nvSpPr>
+          <p:cNvPr id="22" name="직사각형 21">
+            <a:extLst>
+              <a:ext uri="{FF2B5EF4-FFF2-40B4-BE49-F238E27FC236}">
+                <a16:creationId xmlns:a16="http://schemas.microsoft.com/office/drawing/2014/main" id="{7BC8B273-1FE9-E69C-0DA7-6A4B45294EDC}"/>
+              </a:ext>
+            </a:extLst>
+          </p:cNvPr>
+          <p:cNvSpPr/>
+          <p:nvPr/>
+        </p:nvSpPr>
+        <p:spPr>
+          <a:xfrm>
+            <a:off x="9511511" y="2236081"/>
+            <a:ext cx="1164611" cy="245327"/>
+          </a:xfrm>
+          <a:prstGeom prst="rect">
+            <a:avLst/>
+          </a:prstGeom>
+        </p:spPr>
+        <p:style>
+          <a:lnRef idx="2">
+            <a:schemeClr val="dk1"/>
+          </a:lnRef>
+          <a:fillRef idx="1">
+            <a:schemeClr val="lt1"/>
+          </a:fillRef>
+          <a:effectRef idx="0">
+            <a:schemeClr val="dk1"/>
+          </a:effectRef>
+          <a:fontRef idx="minor">
+            <a:schemeClr val="dk1"/>
+          </a:fontRef>
+        </p:style>
+        <p:txBody>
+          <a:bodyPr rtlCol="0" anchor="ctr"/>
+          <a:lstStyle/>
+          <a:p>
+            <a:pPr algn="ctr"/>
+            <a:r>
+              <a:rPr lang="ko-KR" altLang="en-US" sz="1000"/>
+              <a:t>자동차</a:t>
+            </a:r>
+          </a:p>
+        </p:txBody>
+      </p:sp>
+      <p:sp>
+        <p:nvSpPr>
+          <p:cNvPr id="28" name="직사각형 27">
+            <a:extLst>
+              <a:ext uri="{FF2B5EF4-FFF2-40B4-BE49-F238E27FC236}">
+                <a16:creationId xmlns:a16="http://schemas.microsoft.com/office/drawing/2014/main" id="{2E3BC7DC-9CD8-D8AE-AE89-C5E802CCFD5B}"/>
+              </a:ext>
+            </a:extLst>
+          </p:cNvPr>
+          <p:cNvSpPr/>
+          <p:nvPr/>
+        </p:nvSpPr>
+        <p:spPr>
+          <a:xfrm>
+            <a:off x="9511511" y="2440660"/>
+            <a:ext cx="1164611" cy="245327"/>
+          </a:xfrm>
+          <a:prstGeom prst="rect">
+            <a:avLst/>
+          </a:prstGeom>
+        </p:spPr>
+        <p:style>
+          <a:lnRef idx="2">
+            <a:schemeClr val="dk1"/>
+          </a:lnRef>
+          <a:fillRef idx="1">
+            <a:schemeClr val="lt1"/>
+          </a:fillRef>
+          <a:effectRef idx="0">
+            <a:schemeClr val="dk1"/>
+          </a:effectRef>
+          <a:fontRef idx="minor">
+            <a:schemeClr val="dk1"/>
+          </a:fontRef>
+        </p:style>
+        <p:txBody>
+          <a:bodyPr rtlCol="0" anchor="ctr"/>
+          <a:lstStyle/>
+          <a:p>
+            <a:pPr algn="ctr"/>
+            <a:r>
+              <a:rPr lang="ko-KR" altLang="en-US" sz="1000"/>
+              <a:t>조선</a:t>
+            </a:r>
+          </a:p>
+        </p:txBody>
+      </p:sp>
+      <p:sp>
+        <p:nvSpPr>
+          <p:cNvPr id="29" name="순서도: 연결자 28">
+            <a:extLst>
+              <a:ext uri="{FF2B5EF4-FFF2-40B4-BE49-F238E27FC236}">
+                <a16:creationId xmlns:a16="http://schemas.microsoft.com/office/drawing/2014/main" id="{B4DFE559-610B-A708-C6B8-AFFD30F33568}"/>
+              </a:ext>
+            </a:extLst>
+          </p:cNvPr>
+          <p:cNvSpPr/>
+          <p:nvPr/>
+        </p:nvSpPr>
+        <p:spPr>
+          <a:xfrm>
+            <a:off x="1551277" y="635260"/>
+            <a:ext cx="205584" cy="216674"/>
+          </a:xfrm>
+          <a:prstGeom prst="flowChartConnector">
+            <a:avLst/>
+          </a:prstGeom>
+          <a:solidFill>
+            <a:srgbClr val="FFFF00"/>
+          </a:solidFill>
+          <a:ln>
+            <a:solidFill>
+              <a:schemeClr val="tx1"/>
+            </a:solidFill>
+          </a:ln>
+        </p:spPr>
+        <p:style>
+          <a:lnRef idx="1">
+            <a:schemeClr val="accent4"/>
+          </a:lnRef>
+          <a:fillRef idx="2">
+            <a:schemeClr val="accent4"/>
+          </a:fillRef>
+          <a:effectRef idx="1">
+            <a:schemeClr val="accent4"/>
+          </a:effectRef>
+          <a:fontRef idx="minor">
+            <a:schemeClr val="dk1"/>
+          </a:fontRef>
+        </p:style>
+        <p:txBody>
+          <a:bodyPr rtlCol="0" anchor="ctr"/>
+          <a:lstStyle/>
+          <a:p>
+            <a:pPr algn="ctr"/>
+            <a:r>
+              <a:rPr lang="en-US" altLang="ko-KR" sz="1300"/>
+              <a:t>1</a:t>
+            </a:r>
+            <a:endParaRPr lang="ko-KR" altLang="en-US" sz="1300"/>
+          </a:p>
+        </p:txBody>
+      </p:sp>
+      <p:sp>
+        <p:nvSpPr>
+          <p:cNvPr id="34" name="순서도: 연결자 33">
+            <a:extLst>
+              <a:ext uri="{FF2B5EF4-FFF2-40B4-BE49-F238E27FC236}">
+                <a16:creationId xmlns:a16="http://schemas.microsoft.com/office/drawing/2014/main" id="{F8C4F54E-39E3-F87A-F97E-539BB6DDF8AC}"/>
+              </a:ext>
+            </a:extLst>
+          </p:cNvPr>
+          <p:cNvSpPr/>
+          <p:nvPr/>
+        </p:nvSpPr>
+        <p:spPr>
+          <a:xfrm>
+            <a:off x="3998844" y="633435"/>
+            <a:ext cx="205584" cy="216674"/>
+          </a:xfrm>
+          <a:prstGeom prst="flowChartConnector">
+            <a:avLst/>
+          </a:prstGeom>
+          <a:solidFill>
+            <a:srgbClr val="FFFF00"/>
+          </a:solidFill>
+          <a:ln>
+            <a:solidFill>
+              <a:schemeClr val="tx1"/>
+            </a:solidFill>
+          </a:ln>
+        </p:spPr>
+        <p:style>
+          <a:lnRef idx="1">
+            <a:schemeClr val="accent4"/>
+          </a:lnRef>
+          <a:fillRef idx="2">
+            <a:schemeClr val="accent4"/>
+          </a:fillRef>
+          <a:effectRef idx="1">
+            <a:schemeClr val="accent4"/>
+          </a:effectRef>
+          <a:fontRef idx="minor">
+            <a:schemeClr val="dk1"/>
+          </a:fontRef>
+        </p:style>
+        <p:txBody>
+          <a:bodyPr rtlCol="0" anchor="ctr"/>
+          <a:lstStyle/>
+          <a:p>
+            <a:pPr algn="ctr"/>
+            <a:r>
+              <a:rPr lang="en-US" altLang="ko-KR" sz="1300"/>
+              <a:t>2</a:t>
+            </a:r>
+            <a:endParaRPr lang="ko-KR" altLang="en-US" sz="1300"/>
+          </a:p>
+        </p:txBody>
+      </p:sp>
+      <p:sp>
+        <p:nvSpPr>
+          <p:cNvPr id="36" name="순서도: 연결자 35">
+            <a:extLst>
+              <a:ext uri="{FF2B5EF4-FFF2-40B4-BE49-F238E27FC236}">
+                <a16:creationId xmlns:a16="http://schemas.microsoft.com/office/drawing/2014/main" id="{8FA0A879-AE11-010F-BBFC-FEE83DF7E8C7}"/>
+              </a:ext>
+            </a:extLst>
+          </p:cNvPr>
+          <p:cNvSpPr/>
+          <p:nvPr/>
+        </p:nvSpPr>
+        <p:spPr>
+          <a:xfrm>
+            <a:off x="6625549" y="599624"/>
+            <a:ext cx="205584" cy="216674"/>
+          </a:xfrm>
+          <a:prstGeom prst="flowChartConnector">
+            <a:avLst/>
+          </a:prstGeom>
+          <a:solidFill>
+            <a:srgbClr val="FFFF00"/>
+          </a:solidFill>
+          <a:ln>
+            <a:solidFill>
+              <a:schemeClr val="tx1"/>
+            </a:solidFill>
+          </a:ln>
+        </p:spPr>
+        <p:style>
+          <a:lnRef idx="1">
+            <a:schemeClr val="accent4"/>
+          </a:lnRef>
+          <a:fillRef idx="2">
+            <a:schemeClr val="accent4"/>
+          </a:fillRef>
+          <a:effectRef idx="1">
+            <a:schemeClr val="accent4"/>
+          </a:effectRef>
+          <a:fontRef idx="minor">
+            <a:schemeClr val="dk1"/>
+          </a:fontRef>
+        </p:style>
+        <p:txBody>
+          <a:bodyPr rtlCol="0" anchor="ctr"/>
+          <a:lstStyle/>
+          <a:p>
+            <a:pPr algn="ctr"/>
+            <a:r>
+              <a:rPr lang="en-US" altLang="ko-KR" sz="1300"/>
+              <a:t>3</a:t>
+            </a:r>
+            <a:endParaRPr lang="ko-KR" altLang="en-US" sz="1300"/>
+          </a:p>
+        </p:txBody>
+      </p:sp>
+      <p:sp>
+        <p:nvSpPr>
+          <p:cNvPr id="37" name="순서도: 연결자 36">
+            <a:extLst>
+              <a:ext uri="{FF2B5EF4-FFF2-40B4-BE49-F238E27FC236}">
+                <a16:creationId xmlns:a16="http://schemas.microsoft.com/office/drawing/2014/main" id="{19C4F823-4E8C-1906-B777-4CF521703EC8}"/>
+              </a:ext>
+            </a:extLst>
+          </p:cNvPr>
+          <p:cNvSpPr/>
+          <p:nvPr/>
+        </p:nvSpPr>
+        <p:spPr>
+          <a:xfrm>
+            <a:off x="9500099" y="595962"/>
+            <a:ext cx="205584" cy="216674"/>
+          </a:xfrm>
+          <a:prstGeom prst="flowChartConnector">
+            <a:avLst/>
+          </a:prstGeom>
+          <a:solidFill>
+            <a:srgbClr val="FFFF00"/>
+          </a:solidFill>
+          <a:ln>
+            <a:solidFill>
+              <a:schemeClr val="tx1"/>
+            </a:solidFill>
+          </a:ln>
+        </p:spPr>
+        <p:style>
+          <a:lnRef idx="1">
+            <a:schemeClr val="accent4"/>
+          </a:lnRef>
+          <a:fillRef idx="2">
+            <a:schemeClr val="accent4"/>
+          </a:fillRef>
+          <a:effectRef idx="1">
+            <a:schemeClr val="accent4"/>
+          </a:effectRef>
+          <a:fontRef idx="minor">
+            <a:schemeClr val="dk1"/>
+          </a:fontRef>
+        </p:style>
+        <p:txBody>
+          <a:bodyPr rtlCol="0" anchor="ctr"/>
+          <a:lstStyle/>
+          <a:p>
+            <a:pPr algn="ctr"/>
+            <a:r>
+              <a:rPr lang="en-US" altLang="ko-KR" sz="1300"/>
+              <a:t>4</a:t>
+            </a:r>
+            <a:endParaRPr lang="ko-KR" altLang="en-US" sz="1300"/>
+          </a:p>
+        </p:txBody>
+      </p:sp>
+      <p:sp>
+        <p:nvSpPr>
+          <p:cNvPr id="41" name="순서도: 연결자 40">
+            <a:extLst>
+              <a:ext uri="{FF2B5EF4-FFF2-40B4-BE49-F238E27FC236}">
+                <a16:creationId xmlns:a16="http://schemas.microsoft.com/office/drawing/2014/main" id="{F65B794B-DE09-928C-614C-6F8D872430DD}"/>
+              </a:ext>
+            </a:extLst>
+          </p:cNvPr>
+          <p:cNvSpPr/>
+          <p:nvPr/>
+        </p:nvSpPr>
+        <p:spPr>
+          <a:xfrm>
+            <a:off x="1589420" y="1205219"/>
+            <a:ext cx="205584" cy="216674"/>
+          </a:xfrm>
+          <a:prstGeom prst="flowChartConnector">
+            <a:avLst/>
+          </a:prstGeom>
+          <a:solidFill>
+            <a:srgbClr val="FFFF00"/>
+          </a:solidFill>
+          <a:ln>
+            <a:solidFill>
+              <a:schemeClr val="tx1"/>
+            </a:solidFill>
+          </a:ln>
+        </p:spPr>
+        <p:style>
+          <a:lnRef idx="1">
+            <a:schemeClr val="accent4"/>
+          </a:lnRef>
+          <a:fillRef idx="2">
+            <a:schemeClr val="accent4"/>
+          </a:fillRef>
+          <a:effectRef idx="1">
+            <a:schemeClr val="accent4"/>
+          </a:effectRef>
+          <a:fontRef idx="minor">
+            <a:schemeClr val="dk1"/>
+          </a:fontRef>
+        </p:style>
+        <p:txBody>
+          <a:bodyPr rtlCol="0" anchor="ctr"/>
+          <a:lstStyle/>
+          <a:p>
+            <a:pPr algn="ctr"/>
+            <a:r>
+              <a:rPr lang="en-US" altLang="ko-KR" sz="1300"/>
+              <a:t>5</a:t>
+            </a:r>
+            <a:endParaRPr lang="ko-KR" altLang="en-US" sz="1300"/>
+          </a:p>
+        </p:txBody>
+      </p:sp>
+      <p:sp>
+        <p:nvSpPr>
+          <p:cNvPr id="42" name="순서도: 연결자 41">
+            <a:extLst>
+              <a:ext uri="{FF2B5EF4-FFF2-40B4-BE49-F238E27FC236}">
+                <a16:creationId xmlns:a16="http://schemas.microsoft.com/office/drawing/2014/main" id="{62BC05A1-AF9C-9933-A26F-F8846E7C91C0}"/>
+              </a:ext>
+            </a:extLst>
+          </p:cNvPr>
+          <p:cNvSpPr/>
+          <p:nvPr/>
+        </p:nvSpPr>
+        <p:spPr>
+          <a:xfrm>
+            <a:off x="4003141" y="1220901"/>
+            <a:ext cx="205584" cy="216674"/>
+          </a:xfrm>
+          <a:prstGeom prst="flowChartConnector">
+            <a:avLst/>
+          </a:prstGeom>
+          <a:solidFill>
+            <a:srgbClr val="FFFF00"/>
+          </a:solidFill>
+          <a:ln>
+            <a:solidFill>
+              <a:schemeClr val="tx1"/>
+            </a:solidFill>
+          </a:ln>
+        </p:spPr>
+        <p:style>
+          <a:lnRef idx="1">
+            <a:schemeClr val="accent4"/>
+          </a:lnRef>
+          <a:fillRef idx="2">
+            <a:schemeClr val="accent4"/>
+          </a:fillRef>
+          <a:effectRef idx="1">
+            <a:schemeClr val="accent4"/>
+          </a:effectRef>
+          <a:fontRef idx="minor">
+            <a:schemeClr val="dk1"/>
+          </a:fontRef>
+        </p:style>
+        <p:txBody>
+          <a:bodyPr rtlCol="0" anchor="ctr"/>
+          <a:lstStyle/>
+          <a:p>
+            <a:pPr algn="ctr"/>
+            <a:r>
+              <a:rPr lang="en-US" altLang="ko-KR" sz="1300"/>
+              <a:t>6</a:t>
+            </a:r>
+            <a:endParaRPr lang="ko-KR" altLang="en-US" sz="1300"/>
+          </a:p>
+        </p:txBody>
+      </p:sp>
+      <p:sp>
+        <p:nvSpPr>
+          <p:cNvPr id="43" name="순서도: 연결자 42">
+            <a:extLst>
+              <a:ext uri="{FF2B5EF4-FFF2-40B4-BE49-F238E27FC236}">
+                <a16:creationId xmlns:a16="http://schemas.microsoft.com/office/drawing/2014/main" id="{FF1319AC-0693-9AF1-7DE7-7ABB1ED467B5}"/>
+              </a:ext>
+            </a:extLst>
+          </p:cNvPr>
+          <p:cNvSpPr/>
+          <p:nvPr/>
+        </p:nvSpPr>
+        <p:spPr>
+          <a:xfrm>
+            <a:off x="6690334" y="1207079"/>
+            <a:ext cx="205584" cy="216674"/>
+          </a:xfrm>
+          <a:prstGeom prst="flowChartConnector">
+            <a:avLst/>
+          </a:prstGeom>
+          <a:solidFill>
+            <a:srgbClr val="FFFF00"/>
+          </a:solidFill>
+          <a:ln>
+            <a:solidFill>
+              <a:schemeClr val="tx1"/>
+            </a:solidFill>
+          </a:ln>
+        </p:spPr>
+        <p:style>
+          <a:lnRef idx="1">
+            <a:schemeClr val="accent4"/>
+          </a:lnRef>
+          <a:fillRef idx="2">
+            <a:schemeClr val="accent4"/>
+          </a:fillRef>
+          <a:effectRef idx="1">
+            <a:schemeClr val="accent4"/>
+          </a:effectRef>
+          <a:fontRef idx="minor">
+            <a:schemeClr val="dk1"/>
+          </a:fontRef>
+        </p:style>
+        <p:txBody>
+          <a:bodyPr rtlCol="0" anchor="ctr"/>
+          <a:lstStyle/>
+          <a:p>
+            <a:pPr algn="ctr"/>
+            <a:r>
+              <a:rPr lang="en-US" altLang="ko-KR" sz="1300"/>
+              <a:t>7</a:t>
+            </a:r>
+            <a:endParaRPr lang="ko-KR" altLang="en-US" sz="1300"/>
+          </a:p>
+        </p:txBody>
+      </p:sp>
+      <p:sp>
+        <p:nvSpPr>
+          <p:cNvPr id="44" name="순서도: 연결자 43">
+            <a:extLst>
+              <a:ext uri="{FF2B5EF4-FFF2-40B4-BE49-F238E27FC236}">
+                <a16:creationId xmlns:a16="http://schemas.microsoft.com/office/drawing/2014/main" id="{12FC2C69-4C7E-4039-38C9-0D9B94A9275C}"/>
+              </a:ext>
+            </a:extLst>
+          </p:cNvPr>
+          <p:cNvSpPr/>
+          <p:nvPr/>
+        </p:nvSpPr>
+        <p:spPr>
+          <a:xfrm>
+            <a:off x="9482828" y="1227676"/>
+            <a:ext cx="205584" cy="216674"/>
+          </a:xfrm>
+          <a:prstGeom prst="flowChartConnector">
+            <a:avLst/>
+          </a:prstGeom>
+          <a:solidFill>
+            <a:srgbClr val="FFFF00"/>
+          </a:solidFill>
+          <a:ln>
+            <a:solidFill>
+              <a:schemeClr val="tx1"/>
+            </a:solidFill>
+          </a:ln>
+        </p:spPr>
+        <p:style>
+          <a:lnRef idx="1">
+            <a:schemeClr val="accent4"/>
+          </a:lnRef>
+          <a:fillRef idx="2">
+            <a:schemeClr val="accent4"/>
+          </a:fillRef>
+          <a:effectRef idx="1">
+            <a:schemeClr val="accent4"/>
+          </a:effectRef>
+          <a:fontRef idx="minor">
+            <a:schemeClr val="dk1"/>
+          </a:fontRef>
+        </p:style>
+        <p:txBody>
+          <a:bodyPr rtlCol="0" anchor="ctr"/>
+          <a:lstStyle/>
+          <a:p>
+            <a:pPr algn="ctr"/>
+            <a:r>
+              <a:rPr lang="en-US" altLang="ko-KR" sz="1300"/>
+              <a:t>8</a:t>
+            </a:r>
+            <a:endParaRPr lang="ko-KR" altLang="en-US" sz="1300"/>
+          </a:p>
+        </p:txBody>
+      </p:sp>
+      <p:sp>
+        <p:nvSpPr>
+          <p:cNvPr id="45" name="순서도: 연결자 44">
+            <a:extLst>
+              <a:ext uri="{FF2B5EF4-FFF2-40B4-BE49-F238E27FC236}">
+                <a16:creationId xmlns:a16="http://schemas.microsoft.com/office/drawing/2014/main" id="{BD1B3D83-A048-0E09-011E-796CA99C6124}"/>
+              </a:ext>
+            </a:extLst>
+          </p:cNvPr>
+          <p:cNvSpPr/>
+          <p:nvPr/>
+        </p:nvSpPr>
+        <p:spPr>
+          <a:xfrm>
+            <a:off x="1414182" y="2660517"/>
+            <a:ext cx="205584" cy="216674"/>
+          </a:xfrm>
+          <a:prstGeom prst="flowChartConnector">
+            <a:avLst/>
+          </a:prstGeom>
+          <a:solidFill>
+            <a:srgbClr val="FFFF00"/>
+          </a:solidFill>
+          <a:ln>
+            <a:solidFill>
+              <a:schemeClr val="tx1"/>
+            </a:solidFill>
+          </a:ln>
+        </p:spPr>
+        <p:style>
+          <a:lnRef idx="1">
+            <a:schemeClr val="accent4"/>
+          </a:lnRef>
+          <a:fillRef idx="2">
+            <a:schemeClr val="accent4"/>
+          </a:fillRef>
+          <a:effectRef idx="1">
+            <a:schemeClr val="accent4"/>
+          </a:effectRef>
+          <a:fontRef idx="minor">
+            <a:schemeClr val="dk1"/>
+          </a:fontRef>
+        </p:style>
+        <p:txBody>
+          <a:bodyPr rtlCol="0" anchor="ctr"/>
+          <a:lstStyle/>
+          <a:p>
+            <a:pPr algn="ctr"/>
+            <a:r>
+              <a:rPr lang="en-US" altLang="ko-KR" sz="1300"/>
+              <a:t>9</a:t>
+            </a:r>
+            <a:endParaRPr lang="ko-KR" altLang="en-US" sz="1300"/>
+          </a:p>
+        </p:txBody>
+      </p:sp>
+      <p:sp>
+        <p:nvSpPr>
+          <p:cNvPr id="46" name="순서도: 연결자 45">
+            <a:extLst>
+              <a:ext uri="{FF2B5EF4-FFF2-40B4-BE49-F238E27FC236}">
+                <a16:creationId xmlns:a16="http://schemas.microsoft.com/office/drawing/2014/main" id="{B7C29252-C4C9-C2D4-BA4D-68FC17672979}"/>
+              </a:ext>
+            </a:extLst>
+          </p:cNvPr>
+          <p:cNvSpPr/>
+          <p:nvPr/>
+        </p:nvSpPr>
+        <p:spPr>
+          <a:xfrm>
+            <a:off x="1405144" y="4373306"/>
+            <a:ext cx="233197" cy="182300"/>
+          </a:xfrm>
+          <a:prstGeom prst="flowChartConnector">
+            <a:avLst/>
+          </a:prstGeom>
+          <a:solidFill>
+            <a:srgbClr val="FFFF00"/>
+          </a:solidFill>
+          <a:ln>
+            <a:solidFill>
+              <a:schemeClr val="tx1"/>
+            </a:solidFill>
+          </a:ln>
+        </p:spPr>
+        <p:style>
+          <a:lnRef idx="1">
+            <a:schemeClr val="accent4"/>
+          </a:lnRef>
+          <a:fillRef idx="2">
+            <a:schemeClr val="accent4"/>
+          </a:fillRef>
+          <a:effectRef idx="1">
+            <a:schemeClr val="accent4"/>
+          </a:effectRef>
+          <a:fontRef idx="minor">
+            <a:schemeClr val="dk1"/>
+          </a:fontRef>
+        </p:style>
+        <p:txBody>
+          <a:bodyPr rtlCol="0" anchor="ctr"/>
+          <a:lstStyle/>
+          <a:p>
+            <a:pPr algn="ctr"/>
+            <a:endParaRPr lang="ko-KR" altLang="en-US" sz="700"/>
+          </a:p>
+        </p:txBody>
+      </p:sp>
+      <p:sp>
+        <p:nvSpPr>
+          <p:cNvPr id="47" name="순서도: 연결자 46">
+            <a:extLst>
+              <a:ext uri="{FF2B5EF4-FFF2-40B4-BE49-F238E27FC236}">
+                <a16:creationId xmlns:a16="http://schemas.microsoft.com/office/drawing/2014/main" id="{1467E177-2FF3-1A49-0EE1-5D9D16E23DC4}"/>
+              </a:ext>
+            </a:extLst>
+          </p:cNvPr>
+          <p:cNvSpPr/>
+          <p:nvPr/>
+        </p:nvSpPr>
+        <p:spPr>
+          <a:xfrm>
+            <a:off x="1391713" y="5304369"/>
+            <a:ext cx="231278" cy="228685"/>
+          </a:xfrm>
+          <a:prstGeom prst="flowChartConnector">
+            <a:avLst/>
+          </a:prstGeom>
+          <a:solidFill>
+            <a:srgbClr val="FFFF00"/>
+          </a:solidFill>
+          <a:ln>
+            <a:solidFill>
+              <a:schemeClr val="tx1"/>
+            </a:solidFill>
+          </a:ln>
+        </p:spPr>
+        <p:style>
+          <a:lnRef idx="1">
+            <a:schemeClr val="accent4"/>
+          </a:lnRef>
+          <a:fillRef idx="2">
+            <a:schemeClr val="accent4"/>
+          </a:fillRef>
+          <a:effectRef idx="1">
+            <a:schemeClr val="accent4"/>
+          </a:effectRef>
+          <a:fontRef idx="minor">
+            <a:schemeClr val="dk1"/>
+          </a:fontRef>
+        </p:style>
+        <p:txBody>
+          <a:bodyPr rtlCol="0" anchor="ctr"/>
+          <a:lstStyle/>
+          <a:p>
+            <a:pPr algn="ctr"/>
+            <a:endParaRPr lang="ko-KR" altLang="en-US" sz="1300"/>
+          </a:p>
+        </p:txBody>
+      </p:sp>
+      <p:sp>
+        <p:nvSpPr>
+          <p:cNvPr id="48" name="TextBox 47">
+            <a:extLst>
+              <a:ext uri="{FF2B5EF4-FFF2-40B4-BE49-F238E27FC236}">
+                <a16:creationId xmlns:a16="http://schemas.microsoft.com/office/drawing/2014/main" id="{80327AFB-B463-4690-3CBB-56656A5753B0}"/>
+              </a:ext>
+            </a:extLst>
+          </p:cNvPr>
+          <p:cNvSpPr txBox="1"/>
+          <p:nvPr/>
+        </p:nvSpPr>
+        <p:spPr>
+          <a:xfrm>
+            <a:off x="1362817" y="4370949"/>
+            <a:ext cx="421298" cy="215444"/>
+          </a:xfrm>
+          <a:prstGeom prst="rect">
+            <a:avLst/>
+          </a:prstGeom>
+          <a:noFill/>
+        </p:spPr>
+        <p:txBody>
+          <a:bodyPr wrap="square" rtlCol="0">
+            <a:spAutoFit/>
+          </a:bodyPr>
+          <a:lstStyle/>
+          <a:p>
+            <a:r>
+              <a:rPr lang="en-US" altLang="ko-KR" sz="800"/>
+              <a:t>10</a:t>
+            </a:r>
+            <a:endParaRPr lang="ko-KR" altLang="en-US" sz="800"/>
+          </a:p>
+        </p:txBody>
+      </p:sp>
+      <p:sp>
+        <p:nvSpPr>
+          <p:cNvPr id="49" name="TextBox 48">
+            <a:extLst>
+              <a:ext uri="{FF2B5EF4-FFF2-40B4-BE49-F238E27FC236}">
+                <a16:creationId xmlns:a16="http://schemas.microsoft.com/office/drawing/2014/main" id="{368DF331-D849-4112-FD16-03F593C9E6F2}"/>
+              </a:ext>
+            </a:extLst>
+          </p:cNvPr>
+          <p:cNvSpPr txBox="1"/>
+          <p:nvPr/>
+        </p:nvSpPr>
+        <p:spPr>
+          <a:xfrm>
+            <a:off x="1355376" y="5296148"/>
+            <a:ext cx="663497" cy="215444"/>
+          </a:xfrm>
+          <a:prstGeom prst="rect">
+            <a:avLst/>
+          </a:prstGeom>
+          <a:noFill/>
+        </p:spPr>
+        <p:txBody>
+          <a:bodyPr wrap="square" rtlCol="0">
+            <a:spAutoFit/>
+          </a:bodyPr>
+          <a:lstStyle/>
+          <a:p>
+            <a:r>
+              <a:rPr lang="en-US" altLang="ko-KR" sz="800"/>
+              <a:t>11</a:t>
+            </a:r>
+            <a:endParaRPr lang="ko-KR" altLang="en-US" sz="800"/>
+          </a:p>
+        </p:txBody>
+      </p:sp>
+      <p:cxnSp>
+        <p:nvCxnSpPr>
+          <p:cNvPr id="53" name="직선 연결선 52">
+            <a:extLst>
+              <a:ext uri="{FF2B5EF4-FFF2-40B4-BE49-F238E27FC236}">
+                <a16:creationId xmlns:a16="http://schemas.microsoft.com/office/drawing/2014/main" id="{19645911-8CA6-DA77-437D-DA3CD13C2403}"/>
+              </a:ext>
+            </a:extLst>
+          </p:cNvPr>
+          <p:cNvCxnSpPr>
+            <a:cxnSpLocks/>
+          </p:cNvCxnSpPr>
+          <p:nvPr/>
+        </p:nvCxnSpPr>
+        <p:spPr>
+          <a:xfrm>
+            <a:off x="1525510" y="3119950"/>
+            <a:ext cx="9086702" cy="0"/>
+          </a:xfrm>
+          <a:prstGeom prst="line">
+            <a:avLst/>
+          </a:prstGeom>
+        </p:spPr>
+        <p:style>
+          <a:lnRef idx="1">
+            <a:schemeClr val="dk1"/>
+          </a:lnRef>
+          <a:fillRef idx="0">
+            <a:schemeClr val="dk1"/>
+          </a:fillRef>
+          <a:effectRef idx="0">
+            <a:schemeClr val="dk1"/>
+          </a:effectRef>
+          <a:fontRef idx="minor">
+            <a:schemeClr val="tx1"/>
+          </a:fontRef>
+        </p:style>
+      </p:cxnSp>
+      <p:cxnSp>
+        <p:nvCxnSpPr>
+          <p:cNvPr id="55" name="직선 연결선 54">
+            <a:extLst>
+              <a:ext uri="{FF2B5EF4-FFF2-40B4-BE49-F238E27FC236}">
+                <a16:creationId xmlns:a16="http://schemas.microsoft.com/office/drawing/2014/main" id="{07B55DA3-0B05-AE52-B310-EC421EE31D20}"/>
+              </a:ext>
+            </a:extLst>
+          </p:cNvPr>
+          <p:cNvCxnSpPr>
+            <a:cxnSpLocks/>
+          </p:cNvCxnSpPr>
+          <p:nvPr/>
+        </p:nvCxnSpPr>
+        <p:spPr>
+          <a:xfrm>
+            <a:off x="3873946" y="2771029"/>
+            <a:ext cx="0" cy="1200634"/>
+          </a:xfrm>
+          <a:prstGeom prst="line">
+            <a:avLst/>
+          </a:prstGeom>
+        </p:spPr>
+        <p:style>
+          <a:lnRef idx="1">
+            <a:schemeClr val="dk1"/>
+          </a:lnRef>
+          <a:fillRef idx="0">
+            <a:schemeClr val="dk1"/>
+          </a:fillRef>
+          <a:effectRef idx="0">
+            <a:schemeClr val="dk1"/>
+          </a:effectRef>
+          <a:fontRef idx="minor">
+            <a:schemeClr val="tx1"/>
+          </a:fontRef>
+        </p:style>
+      </p:cxnSp>
+      <p:cxnSp>
+        <p:nvCxnSpPr>
+          <p:cNvPr id="58" name="직선 연결선 57">
+            <a:extLst>
+              <a:ext uri="{FF2B5EF4-FFF2-40B4-BE49-F238E27FC236}">
+                <a16:creationId xmlns:a16="http://schemas.microsoft.com/office/drawing/2014/main" id="{784CA2DE-57BD-E8CA-4C97-DFA4D6EAD195}"/>
+              </a:ext>
+            </a:extLst>
+          </p:cNvPr>
+          <p:cNvCxnSpPr>
+            <a:cxnSpLocks/>
+            <a:stCxn id="3" idx="0"/>
+            <a:endCxn id="3" idx="2"/>
+          </p:cNvCxnSpPr>
+          <p:nvPr/>
+        </p:nvCxnSpPr>
+        <p:spPr>
+          <a:xfrm>
+            <a:off x="6050661" y="2790885"/>
+            <a:ext cx="0" cy="1180778"/>
+          </a:xfrm>
+          <a:prstGeom prst="line">
+            <a:avLst/>
+          </a:prstGeom>
+        </p:spPr>
+        <p:style>
+          <a:lnRef idx="1">
+            <a:schemeClr val="dk1"/>
+          </a:lnRef>
+          <a:fillRef idx="0">
+            <a:schemeClr val="dk1"/>
+          </a:fillRef>
+          <a:effectRef idx="0">
+            <a:schemeClr val="dk1"/>
+          </a:effectRef>
+          <a:fontRef idx="minor">
+            <a:schemeClr val="tx1"/>
+          </a:fontRef>
+        </p:style>
+      </p:cxnSp>
+      <p:cxnSp>
+        <p:nvCxnSpPr>
+          <p:cNvPr id="59" name="직선 연결선 58">
+            <a:extLst>
+              <a:ext uri="{FF2B5EF4-FFF2-40B4-BE49-F238E27FC236}">
+                <a16:creationId xmlns:a16="http://schemas.microsoft.com/office/drawing/2014/main" id="{96F20378-AC8B-0487-ED03-502BD6DE9CF5}"/>
+              </a:ext>
+            </a:extLst>
+          </p:cNvPr>
+          <p:cNvCxnSpPr>
+            <a:cxnSpLocks/>
+          </p:cNvCxnSpPr>
+          <p:nvPr/>
+        </p:nvCxnSpPr>
+        <p:spPr>
+          <a:xfrm>
+            <a:off x="8450730" y="2799375"/>
+            <a:ext cx="0" cy="1172288"/>
+          </a:xfrm>
+          <a:prstGeom prst="line">
+            <a:avLst/>
+          </a:prstGeom>
+        </p:spPr>
+        <p:style>
+          <a:lnRef idx="1">
+            <a:schemeClr val="dk1"/>
+          </a:lnRef>
+          <a:fillRef idx="0">
+            <a:schemeClr val="dk1"/>
+          </a:fillRef>
+          <a:effectRef idx="0">
+            <a:schemeClr val="dk1"/>
+          </a:effectRef>
+          <a:fontRef idx="minor">
+            <a:schemeClr val="tx1"/>
+          </a:fontRef>
+        </p:style>
+      </p:cxnSp>
+      <p:sp>
+        <p:nvSpPr>
+          <p:cNvPr id="60" name="TextBox 59">
+            <a:extLst>
+              <a:ext uri="{FF2B5EF4-FFF2-40B4-BE49-F238E27FC236}">
+                <a16:creationId xmlns:a16="http://schemas.microsoft.com/office/drawing/2014/main" id="{C3296F34-E97D-C876-CB0B-A03F499E3001}"/>
+              </a:ext>
+            </a:extLst>
+          </p:cNvPr>
+          <p:cNvSpPr txBox="1"/>
+          <p:nvPr/>
+        </p:nvSpPr>
+        <p:spPr>
+          <a:xfrm>
+            <a:off x="2479143" y="2786624"/>
+            <a:ext cx="1435156" cy="369332"/>
+          </a:xfrm>
+          <a:prstGeom prst="rect">
+            <a:avLst/>
+          </a:prstGeom>
+          <a:noFill/>
+        </p:spPr>
+        <p:txBody>
+          <a:bodyPr wrap="square" rtlCol="0">
+            <a:spAutoFit/>
+          </a:bodyPr>
+          <a:lstStyle/>
+          <a:p>
+            <a:r>
+              <a:rPr lang="ko-KR" altLang="en-US"/>
+              <a:t>공정 코드</a:t>
+            </a:r>
+          </a:p>
+        </p:txBody>
+      </p:sp>
+      <p:sp>
+        <p:nvSpPr>
+          <p:cNvPr id="62" name="TextBox 61">
+            <a:extLst>
+              <a:ext uri="{FF2B5EF4-FFF2-40B4-BE49-F238E27FC236}">
+                <a16:creationId xmlns:a16="http://schemas.microsoft.com/office/drawing/2014/main" id="{8B15386C-33BC-4059-F67C-10F841438B1E}"/>
+              </a:ext>
+            </a:extLst>
+          </p:cNvPr>
+          <p:cNvSpPr txBox="1"/>
+          <p:nvPr/>
+        </p:nvSpPr>
+        <p:spPr>
+          <a:xfrm>
+            <a:off x="4325536" y="2799375"/>
+            <a:ext cx="1435156" cy="369332"/>
+          </a:xfrm>
+          <a:prstGeom prst="rect">
+            <a:avLst/>
+          </a:prstGeom>
+          <a:noFill/>
+        </p:spPr>
+        <p:txBody>
+          <a:bodyPr wrap="square" rtlCol="0">
+            <a:spAutoFit/>
+          </a:bodyPr>
+          <a:lstStyle/>
+          <a:p>
+            <a:r>
+              <a:rPr lang="ko-KR" altLang="en-US"/>
+              <a:t>공정 명</a:t>
+            </a:r>
+          </a:p>
+        </p:txBody>
+      </p:sp>
+      <p:sp>
+        <p:nvSpPr>
+          <p:cNvPr id="63" name="TextBox 62">
+            <a:extLst>
+              <a:ext uri="{FF2B5EF4-FFF2-40B4-BE49-F238E27FC236}">
+                <a16:creationId xmlns:a16="http://schemas.microsoft.com/office/drawing/2014/main" id="{6760424B-591B-9E36-AE97-660F3160CCF1}"/>
+              </a:ext>
+            </a:extLst>
+          </p:cNvPr>
+          <p:cNvSpPr txBox="1"/>
+          <p:nvPr/>
+        </p:nvSpPr>
+        <p:spPr>
+          <a:xfrm>
+            <a:off x="6543634" y="2806308"/>
+            <a:ext cx="1435156" cy="369332"/>
+          </a:xfrm>
+          <a:prstGeom prst="rect">
+            <a:avLst/>
+          </a:prstGeom>
+          <a:noFill/>
+        </p:spPr>
+        <p:txBody>
+          <a:bodyPr wrap="square" rtlCol="0">
+            <a:spAutoFit/>
+          </a:bodyPr>
+          <a:lstStyle/>
+          <a:p>
+            <a:r>
+              <a:rPr lang="ko-KR" altLang="en-US"/>
+              <a:t>공정 시간</a:t>
+            </a:r>
+          </a:p>
+        </p:txBody>
+      </p:sp>
+      <p:sp>
+        <p:nvSpPr>
+          <p:cNvPr id="64" name="TextBox 63">
+            <a:extLst>
+              <a:ext uri="{FF2B5EF4-FFF2-40B4-BE49-F238E27FC236}">
+                <a16:creationId xmlns:a16="http://schemas.microsoft.com/office/drawing/2014/main" id="{042B6320-C020-D300-3754-6FD8AC8791C0}"/>
+              </a:ext>
+            </a:extLst>
+          </p:cNvPr>
+          <p:cNvSpPr txBox="1"/>
+          <p:nvPr/>
+        </p:nvSpPr>
+        <p:spPr>
+          <a:xfrm>
+            <a:off x="9111345" y="2799375"/>
+            <a:ext cx="1435156" cy="369332"/>
+          </a:xfrm>
+          <a:prstGeom prst="rect">
+            <a:avLst/>
+          </a:prstGeom>
+          <a:noFill/>
+        </p:spPr>
+        <p:txBody>
+          <a:bodyPr wrap="square" rtlCol="0">
+            <a:spAutoFit/>
+          </a:bodyPr>
+          <a:lstStyle/>
+          <a:p>
+            <a:r>
+              <a:rPr lang="ko-KR" altLang="en-US"/>
+              <a:t>비고</a:t>
+            </a:r>
+          </a:p>
+        </p:txBody>
+      </p:sp>
+      <p:cxnSp>
+        <p:nvCxnSpPr>
+          <p:cNvPr id="65" name="직선 연결선 64">
+            <a:extLst>
+              <a:ext uri="{FF2B5EF4-FFF2-40B4-BE49-F238E27FC236}">
+                <a16:creationId xmlns:a16="http://schemas.microsoft.com/office/drawing/2014/main" id="{AF35C2C7-766E-047C-0383-D9B2986154AC}"/>
+              </a:ext>
+            </a:extLst>
+          </p:cNvPr>
+          <p:cNvCxnSpPr>
+            <a:cxnSpLocks/>
+            <a:stCxn id="3" idx="1"/>
+            <a:endCxn id="3" idx="3"/>
+          </p:cNvCxnSpPr>
+          <p:nvPr/>
+        </p:nvCxnSpPr>
+        <p:spPr>
+          <a:xfrm>
+            <a:off x="1483444" y="3381274"/>
+            <a:ext cx="9134434" cy="0"/>
+          </a:xfrm>
+          <a:prstGeom prst="line">
+            <a:avLst/>
+          </a:prstGeom>
+        </p:spPr>
+        <p:style>
+          <a:lnRef idx="1">
+            <a:schemeClr val="dk1"/>
+          </a:lnRef>
+          <a:fillRef idx="0">
+            <a:schemeClr val="dk1"/>
+          </a:fillRef>
+          <a:effectRef idx="0">
+            <a:schemeClr val="dk1"/>
+          </a:effectRef>
+          <a:fontRef idx="minor">
+            <a:schemeClr val="tx1"/>
+          </a:fontRef>
+        </p:style>
+      </p:cxnSp>
+      <p:cxnSp>
+        <p:nvCxnSpPr>
+          <p:cNvPr id="66" name="직선 연결선 65">
+            <a:extLst>
+              <a:ext uri="{FF2B5EF4-FFF2-40B4-BE49-F238E27FC236}">
+                <a16:creationId xmlns:a16="http://schemas.microsoft.com/office/drawing/2014/main" id="{472880E9-52F6-CA47-73BE-E8D46E83EBE9}"/>
+              </a:ext>
+            </a:extLst>
+          </p:cNvPr>
+          <p:cNvCxnSpPr>
+            <a:cxnSpLocks/>
+          </p:cNvCxnSpPr>
+          <p:nvPr/>
+        </p:nvCxnSpPr>
+        <p:spPr>
+          <a:xfrm>
+            <a:off x="1525510" y="3682395"/>
+            <a:ext cx="9086702" cy="0"/>
+          </a:xfrm>
+          <a:prstGeom prst="line">
+            <a:avLst/>
+          </a:prstGeom>
+        </p:spPr>
+        <p:style>
+          <a:lnRef idx="1">
+            <a:schemeClr val="dk1"/>
+          </a:lnRef>
+          <a:fillRef idx="0">
+            <a:schemeClr val="dk1"/>
+          </a:fillRef>
+          <a:effectRef idx="0">
+            <a:schemeClr val="dk1"/>
+          </a:effectRef>
+          <a:fontRef idx="minor">
+            <a:schemeClr val="tx1"/>
+          </a:fontRef>
+        </p:style>
+      </p:cxnSp>
+      <p:cxnSp>
+        <p:nvCxnSpPr>
+          <p:cNvPr id="77" name="직선 연결선 76">
+            <a:extLst>
+              <a:ext uri="{FF2B5EF4-FFF2-40B4-BE49-F238E27FC236}">
+                <a16:creationId xmlns:a16="http://schemas.microsoft.com/office/drawing/2014/main" id="{CA4344DB-5144-39E0-005D-8222F1016601}"/>
+              </a:ext>
+            </a:extLst>
+          </p:cNvPr>
+          <p:cNvCxnSpPr>
+            <a:cxnSpLocks/>
+          </p:cNvCxnSpPr>
+          <p:nvPr/>
+        </p:nvCxnSpPr>
+        <p:spPr>
+          <a:xfrm>
+            <a:off x="2375288" y="2830276"/>
+            <a:ext cx="0" cy="1129503"/>
+          </a:xfrm>
+          <a:prstGeom prst="line">
+            <a:avLst/>
+          </a:prstGeom>
+        </p:spPr>
+        <p:style>
+          <a:lnRef idx="1">
+            <a:schemeClr val="dk1"/>
+          </a:lnRef>
+          <a:fillRef idx="0">
+            <a:schemeClr val="dk1"/>
+          </a:fillRef>
+          <a:effectRef idx="0">
+            <a:schemeClr val="dk1"/>
+          </a:effectRef>
+          <a:fontRef idx="minor">
+            <a:schemeClr val="tx1"/>
+          </a:fontRef>
+        </p:style>
+      </p:cxnSp>
+      <p:sp>
+        <p:nvSpPr>
+          <p:cNvPr id="89" name="TextBox 88">
+            <a:extLst>
+              <a:ext uri="{FF2B5EF4-FFF2-40B4-BE49-F238E27FC236}">
+                <a16:creationId xmlns:a16="http://schemas.microsoft.com/office/drawing/2014/main" id="{FFAF5E9E-5C4C-D5C6-EAF3-27CFDBA99A55}"/>
+              </a:ext>
+            </a:extLst>
+          </p:cNvPr>
+          <p:cNvSpPr txBox="1"/>
+          <p:nvPr/>
+        </p:nvSpPr>
+        <p:spPr>
+          <a:xfrm>
+            <a:off x="2632230" y="3080509"/>
+            <a:ext cx="1060247" cy="369332"/>
+          </a:xfrm>
+          <a:prstGeom prst="rect">
+            <a:avLst/>
+          </a:prstGeom>
+          <a:noFill/>
+        </p:spPr>
+        <p:txBody>
+          <a:bodyPr wrap="square" rtlCol="0">
+            <a:spAutoFit/>
+          </a:bodyPr>
+          <a:lstStyle/>
+          <a:p>
+            <a:r>
+              <a:rPr lang="en-US" altLang="ko-KR"/>
+              <a:t>PC-10</a:t>
+            </a:r>
+            <a:endParaRPr lang="ko-KR" altLang="en-US"/>
+          </a:p>
+        </p:txBody>
+      </p:sp>
+      <p:sp>
+        <p:nvSpPr>
+          <p:cNvPr id="90" name="TextBox 89">
+            <a:extLst>
+              <a:ext uri="{FF2B5EF4-FFF2-40B4-BE49-F238E27FC236}">
+                <a16:creationId xmlns:a16="http://schemas.microsoft.com/office/drawing/2014/main" id="{17914CEB-FBAD-E86F-556C-2CC8F495539B}"/>
+              </a:ext>
+            </a:extLst>
+          </p:cNvPr>
+          <p:cNvSpPr txBox="1"/>
+          <p:nvPr/>
+        </p:nvSpPr>
+        <p:spPr>
+          <a:xfrm>
+            <a:off x="2630981" y="3335984"/>
+            <a:ext cx="1060247" cy="369332"/>
+          </a:xfrm>
+          <a:prstGeom prst="rect">
+            <a:avLst/>
+          </a:prstGeom>
+          <a:noFill/>
+        </p:spPr>
+        <p:txBody>
+          <a:bodyPr wrap="square" rtlCol="0">
+            <a:spAutoFit/>
+          </a:bodyPr>
+          <a:lstStyle/>
+          <a:p>
+            <a:r>
+              <a:rPr lang="en-US" altLang="ko-KR"/>
+              <a:t>PC-20</a:t>
+            </a:r>
+            <a:endParaRPr lang="ko-KR" altLang="en-US"/>
+          </a:p>
+        </p:txBody>
+      </p:sp>
+      <p:sp>
+        <p:nvSpPr>
+          <p:cNvPr id="91" name="TextBox 90">
+            <a:extLst>
+              <a:ext uri="{FF2B5EF4-FFF2-40B4-BE49-F238E27FC236}">
+                <a16:creationId xmlns:a16="http://schemas.microsoft.com/office/drawing/2014/main" id="{ADED4754-4E09-7B91-FA36-89651B44265B}"/>
+              </a:ext>
+            </a:extLst>
+          </p:cNvPr>
+          <p:cNvSpPr txBox="1"/>
+          <p:nvPr/>
+        </p:nvSpPr>
+        <p:spPr>
+          <a:xfrm>
+            <a:off x="2623216" y="3625491"/>
+            <a:ext cx="1060247" cy="369332"/>
+          </a:xfrm>
+          <a:prstGeom prst="rect">
+            <a:avLst/>
+          </a:prstGeom>
+          <a:noFill/>
+        </p:spPr>
+        <p:txBody>
+          <a:bodyPr wrap="square" rtlCol="0">
+            <a:spAutoFit/>
+          </a:bodyPr>
+          <a:lstStyle/>
+          <a:p>
+            <a:r>
+              <a:rPr lang="en-US" altLang="ko-KR"/>
+              <a:t>PC-30</a:t>
+            </a:r>
+            <a:endParaRPr lang="ko-KR" altLang="en-US"/>
+          </a:p>
+        </p:txBody>
+      </p:sp>
+      <p:sp>
+        <p:nvSpPr>
+          <p:cNvPr id="92" name="TextBox 91">
+            <a:extLst>
+              <a:ext uri="{FF2B5EF4-FFF2-40B4-BE49-F238E27FC236}">
+                <a16:creationId xmlns:a16="http://schemas.microsoft.com/office/drawing/2014/main" id="{DB7F08AA-32AD-847B-CD05-E822CCF5CC81}"/>
+              </a:ext>
+            </a:extLst>
+          </p:cNvPr>
+          <p:cNvSpPr txBox="1"/>
+          <p:nvPr/>
+        </p:nvSpPr>
+        <p:spPr>
+          <a:xfrm>
+            <a:off x="4184950" y="3090325"/>
+            <a:ext cx="1696592" cy="369332"/>
+          </a:xfrm>
+          <a:prstGeom prst="rect">
+            <a:avLst/>
+          </a:prstGeom>
+          <a:noFill/>
+        </p:spPr>
+        <p:txBody>
+          <a:bodyPr wrap="square" rtlCol="0">
+            <a:spAutoFit/>
+          </a:bodyPr>
+          <a:lstStyle/>
+          <a:p>
+            <a:r>
+              <a:rPr lang="ko-KR" altLang="en-US"/>
+              <a:t>입고</a:t>
+            </a:r>
+            <a:r>
+              <a:rPr lang="en-US" altLang="ko-KR"/>
+              <a:t>/</a:t>
+            </a:r>
+            <a:r>
+              <a:rPr lang="ko-KR" altLang="en-US"/>
+              <a:t>수입검사</a:t>
+            </a:r>
+          </a:p>
+        </p:txBody>
+      </p:sp>
+      <p:sp>
+        <p:nvSpPr>
+          <p:cNvPr id="93" name="TextBox 92">
+            <a:extLst>
+              <a:ext uri="{FF2B5EF4-FFF2-40B4-BE49-F238E27FC236}">
+                <a16:creationId xmlns:a16="http://schemas.microsoft.com/office/drawing/2014/main" id="{A5AEC127-9F31-23AA-9110-95B168BEC3F8}"/>
+              </a:ext>
+            </a:extLst>
+          </p:cNvPr>
+          <p:cNvSpPr txBox="1"/>
+          <p:nvPr/>
+        </p:nvSpPr>
+        <p:spPr>
+          <a:xfrm>
+            <a:off x="4416491" y="3381273"/>
+            <a:ext cx="1060247" cy="369332"/>
+          </a:xfrm>
+          <a:prstGeom prst="rect">
+            <a:avLst/>
+          </a:prstGeom>
+          <a:noFill/>
+        </p:spPr>
+        <p:txBody>
+          <a:bodyPr wrap="square" rtlCol="0">
+            <a:spAutoFit/>
+          </a:bodyPr>
+          <a:lstStyle/>
+          <a:p>
+            <a:r>
+              <a:rPr lang="ko-KR" altLang="en-US"/>
+              <a:t>탈지</a:t>
+            </a:r>
+            <a:r>
+              <a:rPr lang="en-US" altLang="ko-KR"/>
+              <a:t>1</a:t>
+            </a:r>
+            <a:endParaRPr lang="ko-KR" altLang="en-US"/>
+          </a:p>
+        </p:txBody>
+      </p:sp>
+      <p:sp>
+        <p:nvSpPr>
+          <p:cNvPr id="94" name="TextBox 93">
+            <a:extLst>
+              <a:ext uri="{FF2B5EF4-FFF2-40B4-BE49-F238E27FC236}">
+                <a16:creationId xmlns:a16="http://schemas.microsoft.com/office/drawing/2014/main" id="{2ACE8D9B-DD71-0A72-BF4A-5B3F6CB8FCC4}"/>
+              </a:ext>
+            </a:extLst>
+          </p:cNvPr>
+          <p:cNvSpPr txBox="1"/>
+          <p:nvPr/>
+        </p:nvSpPr>
+        <p:spPr>
+          <a:xfrm>
+            <a:off x="4419324" y="3658426"/>
+            <a:ext cx="1060247" cy="369332"/>
+          </a:xfrm>
+          <a:prstGeom prst="rect">
+            <a:avLst/>
+          </a:prstGeom>
+          <a:noFill/>
+        </p:spPr>
+        <p:txBody>
+          <a:bodyPr wrap="square" rtlCol="0">
+            <a:spAutoFit/>
+          </a:bodyPr>
+          <a:lstStyle/>
+          <a:p>
+            <a:r>
+              <a:rPr lang="ko-KR" altLang="en-US"/>
+              <a:t>탈지</a:t>
+            </a:r>
+            <a:r>
+              <a:rPr lang="en-US" altLang="ko-KR"/>
+              <a:t>2</a:t>
+            </a:r>
+            <a:endParaRPr lang="ko-KR" altLang="en-US"/>
+          </a:p>
+        </p:txBody>
+      </p:sp>
+      <p:sp>
+        <p:nvSpPr>
+          <p:cNvPr id="95" name="TextBox 94">
+            <a:extLst>
+              <a:ext uri="{FF2B5EF4-FFF2-40B4-BE49-F238E27FC236}">
+                <a16:creationId xmlns:a16="http://schemas.microsoft.com/office/drawing/2014/main" id="{A9EE733F-5F38-5E75-F7DF-D32AF90304EE}"/>
+              </a:ext>
+            </a:extLst>
+          </p:cNvPr>
+          <p:cNvSpPr txBox="1"/>
+          <p:nvPr/>
+        </p:nvSpPr>
+        <p:spPr>
+          <a:xfrm>
+            <a:off x="6731088" y="3098866"/>
+            <a:ext cx="1060247" cy="369332"/>
+          </a:xfrm>
+          <a:prstGeom prst="rect">
+            <a:avLst/>
+          </a:prstGeom>
+          <a:noFill/>
+        </p:spPr>
+        <p:txBody>
+          <a:bodyPr wrap="square" rtlCol="0">
+            <a:spAutoFit/>
+          </a:bodyPr>
+          <a:lstStyle/>
+          <a:p>
+            <a:r>
+              <a:rPr lang="en-US" altLang="ko-KR"/>
+              <a:t>0.5h</a:t>
+            </a:r>
+            <a:endParaRPr lang="ko-KR" altLang="en-US"/>
+          </a:p>
+        </p:txBody>
+      </p:sp>
+      <p:sp>
+        <p:nvSpPr>
+          <p:cNvPr id="96" name="TextBox 95">
+            <a:extLst>
+              <a:ext uri="{FF2B5EF4-FFF2-40B4-BE49-F238E27FC236}">
+                <a16:creationId xmlns:a16="http://schemas.microsoft.com/office/drawing/2014/main" id="{CB8DED12-8CA8-40CC-E780-45BAE07A2108}"/>
+              </a:ext>
+            </a:extLst>
+          </p:cNvPr>
+          <p:cNvSpPr txBox="1"/>
+          <p:nvPr/>
+        </p:nvSpPr>
+        <p:spPr>
+          <a:xfrm>
+            <a:off x="6731087" y="3353482"/>
+            <a:ext cx="1060247" cy="646331"/>
+          </a:xfrm>
+          <a:prstGeom prst="rect">
+            <a:avLst/>
+          </a:prstGeom>
+          <a:noFill/>
+        </p:spPr>
+        <p:txBody>
+          <a:bodyPr wrap="square" rtlCol="0">
+            <a:spAutoFit/>
+          </a:bodyPr>
+          <a:lstStyle/>
+          <a:p>
+            <a:r>
+              <a:rPr lang="en-US" altLang="ko-KR"/>
+              <a:t>0.5h</a:t>
+            </a:r>
+            <a:endParaRPr lang="ko-KR" altLang="en-US"/>
+          </a:p>
+          <a:p>
+            <a:endParaRPr lang="ko-KR" altLang="en-US"/>
+          </a:p>
+        </p:txBody>
+      </p:sp>
+      <p:sp>
+        <p:nvSpPr>
+          <p:cNvPr id="97" name="TextBox 96">
+            <a:extLst>
+              <a:ext uri="{FF2B5EF4-FFF2-40B4-BE49-F238E27FC236}">
+                <a16:creationId xmlns:a16="http://schemas.microsoft.com/office/drawing/2014/main" id="{BDADDE80-C646-E747-5C97-9CC28BE1F36E}"/>
+              </a:ext>
+            </a:extLst>
+          </p:cNvPr>
+          <p:cNvSpPr txBox="1"/>
+          <p:nvPr/>
+        </p:nvSpPr>
+        <p:spPr>
+          <a:xfrm>
+            <a:off x="6727878" y="3641974"/>
+            <a:ext cx="1060247" cy="646331"/>
+          </a:xfrm>
+          <a:prstGeom prst="rect">
+            <a:avLst/>
+          </a:prstGeom>
+          <a:noFill/>
+        </p:spPr>
+        <p:txBody>
+          <a:bodyPr wrap="square" rtlCol="0">
+            <a:spAutoFit/>
+          </a:bodyPr>
+          <a:lstStyle/>
+          <a:p>
+            <a:r>
+              <a:rPr lang="en-US" altLang="ko-KR"/>
+              <a:t>0.5h</a:t>
+            </a:r>
+            <a:endParaRPr lang="ko-KR" altLang="en-US"/>
+          </a:p>
+          <a:p>
+            <a:endParaRPr lang="ko-KR" altLang="en-US"/>
+          </a:p>
+        </p:txBody>
+      </p:sp>
+      <p:sp>
+        <p:nvSpPr>
+          <p:cNvPr id="98" name="TextBox 97">
+            <a:extLst>
+              <a:ext uri="{FF2B5EF4-FFF2-40B4-BE49-F238E27FC236}">
+                <a16:creationId xmlns:a16="http://schemas.microsoft.com/office/drawing/2014/main" id="{6013B062-3F03-D652-BA57-85C8C4F1944D}"/>
+              </a:ext>
+            </a:extLst>
+          </p:cNvPr>
+          <p:cNvSpPr txBox="1"/>
+          <p:nvPr/>
+        </p:nvSpPr>
+        <p:spPr>
+          <a:xfrm>
+            <a:off x="8384599" y="3073916"/>
+            <a:ext cx="2285704" cy="646331"/>
+          </a:xfrm>
+          <a:prstGeom prst="rect">
+            <a:avLst/>
+          </a:prstGeom>
+          <a:noFill/>
+        </p:spPr>
+        <p:txBody>
+          <a:bodyPr wrap="square" rtlCol="0">
+            <a:spAutoFit/>
+          </a:bodyPr>
+          <a:lstStyle/>
+          <a:p>
+            <a:r>
+              <a:rPr lang="ko-KR" altLang="en-US"/>
+              <a:t>외관 검사</a:t>
+            </a:r>
+            <a:r>
+              <a:rPr lang="en-US" altLang="ko-KR"/>
+              <a:t>, LOT </a:t>
+            </a:r>
+            <a:r>
+              <a:rPr lang="ko-KR" altLang="en-US"/>
+              <a:t>부여</a:t>
+            </a:r>
+          </a:p>
+          <a:p>
+            <a:endParaRPr lang="ko-KR" altLang="en-US"/>
+          </a:p>
+        </p:txBody>
+      </p:sp>
+      <p:sp>
+        <p:nvSpPr>
+          <p:cNvPr id="99" name="TextBox 98">
+            <a:extLst>
+              <a:ext uri="{FF2B5EF4-FFF2-40B4-BE49-F238E27FC236}">
+                <a16:creationId xmlns:a16="http://schemas.microsoft.com/office/drawing/2014/main" id="{0FEE818D-9521-D76C-CA28-70AC021B060A}"/>
+              </a:ext>
+            </a:extLst>
+          </p:cNvPr>
+          <p:cNvSpPr txBox="1"/>
+          <p:nvPr/>
+        </p:nvSpPr>
+        <p:spPr>
+          <a:xfrm>
+            <a:off x="8912379" y="3364119"/>
+            <a:ext cx="1245355" cy="369332"/>
+          </a:xfrm>
+          <a:prstGeom prst="rect">
+            <a:avLst/>
+          </a:prstGeom>
+          <a:noFill/>
+        </p:spPr>
+        <p:txBody>
+          <a:bodyPr wrap="square" rtlCol="0">
+            <a:spAutoFit/>
+          </a:bodyPr>
+          <a:lstStyle/>
+          <a:p>
+            <a:r>
+              <a:rPr lang="ko-KR" altLang="en-US"/>
+              <a:t>유분 제거</a:t>
+            </a:r>
+          </a:p>
+        </p:txBody>
+      </p:sp>
+      <p:sp>
+        <p:nvSpPr>
+          <p:cNvPr id="100" name="TextBox 99">
+            <a:extLst>
+              <a:ext uri="{FF2B5EF4-FFF2-40B4-BE49-F238E27FC236}">
+                <a16:creationId xmlns:a16="http://schemas.microsoft.com/office/drawing/2014/main" id="{960F67E9-1B0B-92F6-4A82-F17F10A3421B}"/>
+              </a:ext>
+            </a:extLst>
+          </p:cNvPr>
+          <p:cNvSpPr txBox="1"/>
+          <p:nvPr/>
+        </p:nvSpPr>
+        <p:spPr>
+          <a:xfrm>
+            <a:off x="8912379" y="3664847"/>
+            <a:ext cx="1180641" cy="369332"/>
+          </a:xfrm>
+          <a:prstGeom prst="rect">
+            <a:avLst/>
+          </a:prstGeom>
+          <a:noFill/>
+        </p:spPr>
+        <p:txBody>
+          <a:bodyPr wrap="square" rtlCol="0">
+            <a:spAutoFit/>
+          </a:bodyPr>
+          <a:lstStyle/>
+          <a:p>
+            <a:r>
+              <a:rPr lang="ko-KR" altLang="en-US"/>
+              <a:t>이물 제거</a:t>
+            </a:r>
+          </a:p>
+        </p:txBody>
+      </p:sp>
+      <p:sp>
+        <p:nvSpPr>
+          <p:cNvPr id="106" name="TextBox 105">
+            <a:extLst>
+              <a:ext uri="{FF2B5EF4-FFF2-40B4-BE49-F238E27FC236}">
+                <a16:creationId xmlns:a16="http://schemas.microsoft.com/office/drawing/2014/main" id="{62E83359-7D1D-93F9-588A-069F5376E350}"/>
+              </a:ext>
+            </a:extLst>
+          </p:cNvPr>
+          <p:cNvSpPr txBox="1"/>
+          <p:nvPr/>
+        </p:nvSpPr>
+        <p:spPr>
+          <a:xfrm>
+            <a:off x="1735016" y="2790884"/>
+            <a:ext cx="6096982" cy="369332"/>
+          </a:xfrm>
+          <a:prstGeom prst="rect">
+            <a:avLst/>
+          </a:prstGeom>
+          <a:noFill/>
+        </p:spPr>
+        <p:txBody>
+          <a:bodyPr wrap="square">
+            <a:spAutoFit/>
+          </a:bodyPr>
+          <a:lstStyle/>
+          <a:p>
+            <a:r>
+              <a:rPr lang="ko-KR" altLang="en-US"/>
+              <a:t>번호</a:t>
+            </a:r>
+          </a:p>
+        </p:txBody>
+      </p:sp>
+      <p:sp>
+        <p:nvSpPr>
+          <p:cNvPr id="107" name="TextBox 106">
+            <a:extLst>
+              <a:ext uri="{FF2B5EF4-FFF2-40B4-BE49-F238E27FC236}">
+                <a16:creationId xmlns:a16="http://schemas.microsoft.com/office/drawing/2014/main" id="{C6647461-CB6E-E651-80FF-96EA4F0E871B}"/>
+              </a:ext>
+            </a:extLst>
+          </p:cNvPr>
+          <p:cNvSpPr txBox="1"/>
+          <p:nvPr/>
+        </p:nvSpPr>
+        <p:spPr>
+          <a:xfrm>
+            <a:off x="1905729" y="3090411"/>
+            <a:ext cx="319442" cy="369332"/>
+          </a:xfrm>
+          <a:prstGeom prst="rect">
+            <a:avLst/>
+          </a:prstGeom>
+          <a:noFill/>
+        </p:spPr>
+        <p:txBody>
+          <a:bodyPr wrap="square">
+            <a:spAutoFit/>
+          </a:bodyPr>
+          <a:lstStyle/>
+          <a:p>
+            <a:r>
+              <a:rPr lang="en-US" altLang="ko-KR"/>
+              <a:t>1</a:t>
+            </a:r>
+            <a:endParaRPr lang="ko-KR" altLang="en-US"/>
+          </a:p>
+        </p:txBody>
+      </p:sp>
+      <p:sp>
+        <p:nvSpPr>
+          <p:cNvPr id="110" name="TextBox 109">
+            <a:extLst>
+              <a:ext uri="{FF2B5EF4-FFF2-40B4-BE49-F238E27FC236}">
+                <a16:creationId xmlns:a16="http://schemas.microsoft.com/office/drawing/2014/main" id="{48A5B772-4FCD-281B-7E59-E782E058E1D2}"/>
+              </a:ext>
+            </a:extLst>
+          </p:cNvPr>
+          <p:cNvSpPr txBox="1"/>
+          <p:nvPr/>
+        </p:nvSpPr>
+        <p:spPr>
+          <a:xfrm>
+            <a:off x="1908562" y="3349776"/>
+            <a:ext cx="319442" cy="369332"/>
+          </a:xfrm>
+          <a:prstGeom prst="rect">
+            <a:avLst/>
+          </a:prstGeom>
+          <a:noFill/>
+        </p:spPr>
+        <p:txBody>
+          <a:bodyPr wrap="square">
+            <a:spAutoFit/>
+          </a:bodyPr>
+          <a:lstStyle/>
+          <a:p>
+            <a:r>
+              <a:rPr lang="en-US" altLang="ko-KR"/>
+              <a:t>2</a:t>
+            </a:r>
+            <a:endParaRPr lang="ko-KR" altLang="en-US"/>
+          </a:p>
+        </p:txBody>
+      </p:sp>
+      <p:sp>
+        <p:nvSpPr>
+          <p:cNvPr id="111" name="TextBox 110">
+            <a:extLst>
+              <a:ext uri="{FF2B5EF4-FFF2-40B4-BE49-F238E27FC236}">
+                <a16:creationId xmlns:a16="http://schemas.microsoft.com/office/drawing/2014/main" id="{B0F7719D-33FB-C9F8-0F16-E5966120131F}"/>
+              </a:ext>
+            </a:extLst>
+          </p:cNvPr>
+          <p:cNvSpPr txBox="1"/>
+          <p:nvPr/>
+        </p:nvSpPr>
+        <p:spPr>
+          <a:xfrm>
+            <a:off x="1896127" y="3631212"/>
+            <a:ext cx="319442" cy="369332"/>
+          </a:xfrm>
+          <a:prstGeom prst="rect">
+            <a:avLst/>
+          </a:prstGeom>
+          <a:noFill/>
+        </p:spPr>
+        <p:txBody>
+          <a:bodyPr wrap="square">
+            <a:spAutoFit/>
+          </a:bodyPr>
+          <a:lstStyle/>
+          <a:p>
+            <a:r>
+              <a:rPr lang="en-US" altLang="ko-KR"/>
+              <a:t>3</a:t>
+            </a:r>
+            <a:endParaRPr lang="ko-KR" altLang="en-US"/>
+          </a:p>
+        </p:txBody>
+      </p:sp>
+      <p:cxnSp>
+        <p:nvCxnSpPr>
+          <p:cNvPr id="115" name="직선 연결선 114">
+            <a:extLst>
+              <a:ext uri="{FF2B5EF4-FFF2-40B4-BE49-F238E27FC236}">
+                <a16:creationId xmlns:a16="http://schemas.microsoft.com/office/drawing/2014/main" id="{6CFA13A2-4A91-488F-F753-E9A3476348E3}"/>
+              </a:ext>
+            </a:extLst>
+          </p:cNvPr>
+          <p:cNvCxnSpPr>
+            <a:cxnSpLocks/>
+          </p:cNvCxnSpPr>
+          <p:nvPr/>
+        </p:nvCxnSpPr>
+        <p:spPr>
+          <a:xfrm>
+            <a:off x="1735016" y="2830276"/>
+            <a:ext cx="0" cy="1129503"/>
+          </a:xfrm>
+          <a:prstGeom prst="line">
+            <a:avLst/>
+          </a:prstGeom>
+        </p:spPr>
+        <p:style>
+          <a:lnRef idx="1">
+            <a:schemeClr val="dk1"/>
+          </a:lnRef>
+          <a:fillRef idx="0">
+            <a:schemeClr val="dk1"/>
+          </a:fillRef>
+          <a:effectRef idx="0">
+            <a:schemeClr val="dk1"/>
+          </a:effectRef>
+          <a:fontRef idx="minor">
+            <a:schemeClr val="tx1"/>
+          </a:fontRef>
+        </p:style>
+      </p:cxnSp>
+      <p:sp>
+        <p:nvSpPr>
+          <p:cNvPr id="121" name="직사각형 120">
+            <a:extLst>
+              <a:ext uri="{FF2B5EF4-FFF2-40B4-BE49-F238E27FC236}">
+                <a16:creationId xmlns:a16="http://schemas.microsoft.com/office/drawing/2014/main" id="{1F0F7157-F41A-7D6E-350F-59F7173E528B}"/>
+              </a:ext>
+            </a:extLst>
+          </p:cNvPr>
+          <p:cNvSpPr/>
+          <p:nvPr/>
+        </p:nvSpPr>
+        <p:spPr>
+          <a:xfrm>
+            <a:off x="1568401" y="3175640"/>
+            <a:ext cx="120626" cy="127166"/>
+          </a:xfrm>
+          <a:prstGeom prst="rect">
+            <a:avLst/>
+          </a:prstGeom>
+        </p:spPr>
+        <p:style>
+          <a:lnRef idx="2">
+            <a:schemeClr val="dk1"/>
+          </a:lnRef>
+          <a:fillRef idx="1">
+            <a:schemeClr val="lt1"/>
+          </a:fillRef>
+          <a:effectRef idx="0">
+            <a:schemeClr val="dk1"/>
+          </a:effectRef>
+          <a:fontRef idx="minor">
+            <a:schemeClr val="dk1"/>
+          </a:fontRef>
+        </p:style>
+        <p:txBody>
+          <a:bodyPr rtlCol="0" anchor="ctr"/>
+          <a:lstStyle/>
+          <a:p>
+            <a:pPr algn="ctr"/>
+            <a:endParaRPr lang="ko-KR" altLang="en-US"/>
+          </a:p>
+        </p:txBody>
+      </p:sp>
+      <p:sp>
+        <p:nvSpPr>
+          <p:cNvPr id="122" name="직사각형 121">
+            <a:extLst>
+              <a:ext uri="{FF2B5EF4-FFF2-40B4-BE49-F238E27FC236}">
+                <a16:creationId xmlns:a16="http://schemas.microsoft.com/office/drawing/2014/main" id="{10305519-A14A-7EF4-0C22-D822E37E5EB5}"/>
+              </a:ext>
+            </a:extLst>
+          </p:cNvPr>
+          <p:cNvSpPr/>
+          <p:nvPr/>
+        </p:nvSpPr>
+        <p:spPr>
+          <a:xfrm>
+            <a:off x="1567175" y="3451625"/>
+            <a:ext cx="120626" cy="127166"/>
+          </a:xfrm>
+          <a:prstGeom prst="rect">
+            <a:avLst/>
+          </a:prstGeom>
+        </p:spPr>
+        <p:style>
+          <a:lnRef idx="2">
+            <a:schemeClr val="dk1"/>
+          </a:lnRef>
+          <a:fillRef idx="1">
+            <a:schemeClr val="lt1"/>
+          </a:fillRef>
+          <a:effectRef idx="0">
+            <a:schemeClr val="dk1"/>
+          </a:effectRef>
+          <a:fontRef idx="minor">
+            <a:schemeClr val="dk1"/>
+          </a:fontRef>
+        </p:style>
+        <p:txBody>
+          <a:bodyPr rtlCol="0" anchor="ctr"/>
+          <a:lstStyle/>
+          <a:p>
+            <a:pPr algn="ctr"/>
+            <a:endParaRPr lang="ko-KR" altLang="en-US"/>
+          </a:p>
+        </p:txBody>
+      </p:sp>
+      <p:sp>
+        <p:nvSpPr>
+          <p:cNvPr id="123" name="직사각형 122">
+            <a:extLst>
+              <a:ext uri="{FF2B5EF4-FFF2-40B4-BE49-F238E27FC236}">
+                <a16:creationId xmlns:a16="http://schemas.microsoft.com/office/drawing/2014/main" id="{9BC6F25F-A36E-4AA5-0B13-43462EDDF040}"/>
+              </a:ext>
+            </a:extLst>
+          </p:cNvPr>
+          <p:cNvSpPr/>
+          <p:nvPr/>
+        </p:nvSpPr>
+        <p:spPr>
+          <a:xfrm>
+            <a:off x="1566499" y="3739140"/>
+            <a:ext cx="120626" cy="127166"/>
+          </a:xfrm>
+          <a:prstGeom prst="rect">
+            <a:avLst/>
+          </a:prstGeom>
+        </p:spPr>
+        <p:style>
+          <a:lnRef idx="2">
+            <a:schemeClr val="dk1"/>
+          </a:lnRef>
+          <a:fillRef idx="1">
+            <a:schemeClr val="lt1"/>
+          </a:fillRef>
+          <a:effectRef idx="0">
+            <a:schemeClr val="dk1"/>
+          </a:effectRef>
+          <a:fontRef idx="minor">
+            <a:schemeClr val="dk1"/>
+          </a:fontRef>
+        </p:style>
+        <p:txBody>
+          <a:bodyPr rtlCol="0" anchor="ctr"/>
+          <a:lstStyle/>
+          <a:p>
+            <a:pPr algn="ctr"/>
+            <a:endParaRPr lang="ko-KR" altLang="en-US"/>
+          </a:p>
+        </p:txBody>
+      </p:sp>
+      <p:pic>
+        <p:nvPicPr>
+          <p:cNvPr id="102" name="그래픽 101" descr="확인 표시">
+            <a:extLst>
+              <a:ext uri="{FF2B5EF4-FFF2-40B4-BE49-F238E27FC236}">
+                <a16:creationId xmlns:a16="http://schemas.microsoft.com/office/drawing/2014/main" id="{14999244-F2FD-2C43-43A9-8E53CA51D7E5}"/>
+              </a:ext>
+            </a:extLst>
+          </p:cNvPr>
+          <p:cNvPicPr>
+            <a:picLocks noChangeAspect="1"/>
+          </p:cNvPicPr>
+          <p:nvPr/>
+        </p:nvPicPr>
+        <p:blipFill>
+          <a:blip r:embed="rId4">
+            <a:extLst>
+              <a:ext uri="{96DAC541-7B7A-43D3-8B79-37D633B846F1}">
+                <asvg:svgBlip xmlns:asvg="http://schemas.microsoft.com/office/drawing/2016/SVG/main" r:embed="rId5"/>
+              </a:ext>
+            </a:extLst>
+          </a:blip>
+          <a:stretch>
+            <a:fillRect/>
+          </a:stretch>
+        </p:blipFill>
+        <p:spPr>
+          <a:xfrm>
+            <a:off x="1539656" y="3037818"/>
+            <a:ext cx="219310" cy="296750"/>
+          </a:xfrm>
+          <a:prstGeom prst="rect">
+            <a:avLst/>
+          </a:prstGeom>
+        </p:spPr>
+      </p:pic>
+      <p:sp>
+        <p:nvSpPr>
+          <p:cNvPr id="134" name="사각형: 둥근 모서리 133">
+            <a:extLst>
+              <a:ext uri="{FF2B5EF4-FFF2-40B4-BE49-F238E27FC236}">
+                <a16:creationId xmlns:a16="http://schemas.microsoft.com/office/drawing/2014/main" id="{C0D49EE0-CC8C-2A2F-7E5E-CCB44C8BAA78}"/>
+              </a:ext>
+            </a:extLst>
+          </p:cNvPr>
+          <p:cNvSpPr/>
+          <p:nvPr/>
+        </p:nvSpPr>
+        <p:spPr>
+          <a:xfrm>
+            <a:off x="1355889" y="4091328"/>
+            <a:ext cx="1336814" cy="375385"/>
+          </a:xfrm>
+          <a:prstGeom prst="roundRect">
+            <a:avLst/>
+          </a:prstGeom>
+          <a:noFill/>
+          <a:ln>
+            <a:noFill/>
+          </a:ln>
+        </p:spPr>
+        <p:style>
+          <a:lnRef idx="0">
+            <a:scrgbClr r="0" g="0" b="0"/>
+          </a:lnRef>
+          <a:fillRef idx="0">
+            <a:scrgbClr r="0" g="0" b="0"/>
+          </a:fillRef>
+          <a:effectRef idx="0">
+            <a:scrgbClr r="0" g="0" b="0"/>
+          </a:effectRef>
+          <a:fontRef idx="minor">
+            <a:schemeClr val="dk1"/>
+          </a:fontRef>
+        </p:style>
+        <p:txBody>
+          <a:bodyPr rtlCol="0" anchor="ctr"/>
+          <a:lstStyle/>
+          <a:p>
+            <a:pPr algn="ctr"/>
+            <a:r>
+              <a:rPr lang="ko-KR" altLang="en-US" sz="1200"/>
+              <a:t>선택 라우팅</a:t>
+            </a:r>
+          </a:p>
+        </p:txBody>
+      </p:sp>
+      <p:cxnSp>
+        <p:nvCxnSpPr>
+          <p:cNvPr id="137" name="직선 연결선 136">
+            <a:extLst>
+              <a:ext uri="{FF2B5EF4-FFF2-40B4-BE49-F238E27FC236}">
+                <a16:creationId xmlns:a16="http://schemas.microsoft.com/office/drawing/2014/main" id="{01C893CA-839D-8AEF-C503-F8D7820183ED}"/>
+              </a:ext>
+            </a:extLst>
+          </p:cNvPr>
+          <p:cNvCxnSpPr>
+            <a:cxnSpLocks/>
+          </p:cNvCxnSpPr>
+          <p:nvPr/>
+        </p:nvCxnSpPr>
+        <p:spPr>
+          <a:xfrm>
+            <a:off x="3889967" y="4433427"/>
+            <a:ext cx="0" cy="791716"/>
+          </a:xfrm>
+          <a:prstGeom prst="line">
+            <a:avLst/>
+          </a:prstGeom>
+        </p:spPr>
+        <p:style>
+          <a:lnRef idx="1">
+            <a:schemeClr val="dk1"/>
+          </a:lnRef>
+          <a:fillRef idx="0">
+            <a:schemeClr val="dk1"/>
+          </a:fillRef>
+          <a:effectRef idx="0">
+            <a:schemeClr val="dk1"/>
+          </a:effectRef>
+          <a:fontRef idx="minor">
+            <a:schemeClr val="tx1"/>
+          </a:fontRef>
+        </p:style>
+      </p:cxnSp>
+      <p:cxnSp>
+        <p:nvCxnSpPr>
+          <p:cNvPr id="138" name="직선 연결선 137">
+            <a:extLst>
+              <a:ext uri="{FF2B5EF4-FFF2-40B4-BE49-F238E27FC236}">
+                <a16:creationId xmlns:a16="http://schemas.microsoft.com/office/drawing/2014/main" id="{6A3D73DF-5795-1A64-982C-36E0575D4F13}"/>
+              </a:ext>
+            </a:extLst>
+          </p:cNvPr>
+          <p:cNvCxnSpPr>
+            <a:cxnSpLocks/>
+            <a:stCxn id="135" idx="0"/>
+            <a:endCxn id="135" idx="2"/>
+          </p:cNvCxnSpPr>
+          <p:nvPr/>
+        </p:nvCxnSpPr>
+        <p:spPr>
+          <a:xfrm>
+            <a:off x="6088959" y="4417437"/>
+            <a:ext cx="0" cy="791716"/>
+          </a:xfrm>
+          <a:prstGeom prst="line">
+            <a:avLst/>
+          </a:prstGeom>
+        </p:spPr>
+        <p:style>
+          <a:lnRef idx="1">
+            <a:schemeClr val="dk1"/>
+          </a:lnRef>
+          <a:fillRef idx="0">
+            <a:schemeClr val="dk1"/>
+          </a:fillRef>
+          <a:effectRef idx="0">
+            <a:schemeClr val="dk1"/>
+          </a:effectRef>
+          <a:fontRef idx="minor">
+            <a:schemeClr val="tx1"/>
+          </a:fontRef>
+        </p:style>
+      </p:cxnSp>
+      <p:sp>
+        <p:nvSpPr>
+          <p:cNvPr id="140" name="TextBox 139">
+            <a:extLst>
+              <a:ext uri="{FF2B5EF4-FFF2-40B4-BE49-F238E27FC236}">
+                <a16:creationId xmlns:a16="http://schemas.microsoft.com/office/drawing/2014/main" id="{F80DD440-DEAB-41C0-16EB-31B5BC0AC2C2}"/>
+              </a:ext>
+            </a:extLst>
+          </p:cNvPr>
+          <p:cNvSpPr txBox="1"/>
+          <p:nvPr/>
+        </p:nvSpPr>
+        <p:spPr>
+          <a:xfrm>
+            <a:off x="2522690" y="4459953"/>
+            <a:ext cx="1435156" cy="369332"/>
+          </a:xfrm>
+          <a:prstGeom prst="rect">
+            <a:avLst/>
+          </a:prstGeom>
+          <a:noFill/>
+        </p:spPr>
+        <p:txBody>
+          <a:bodyPr wrap="square" rtlCol="0">
+            <a:spAutoFit/>
+          </a:bodyPr>
+          <a:lstStyle/>
+          <a:p>
+            <a:r>
+              <a:rPr lang="ko-KR" altLang="en-US"/>
+              <a:t>공정 코드</a:t>
+            </a:r>
+          </a:p>
+        </p:txBody>
+      </p:sp>
+      <p:sp>
+        <p:nvSpPr>
+          <p:cNvPr id="141" name="TextBox 140">
+            <a:extLst>
+              <a:ext uri="{FF2B5EF4-FFF2-40B4-BE49-F238E27FC236}">
+                <a16:creationId xmlns:a16="http://schemas.microsoft.com/office/drawing/2014/main" id="{4C895CF8-77E7-E7BC-04AA-0A39648038A3}"/>
+              </a:ext>
+            </a:extLst>
+          </p:cNvPr>
+          <p:cNvSpPr txBox="1"/>
+          <p:nvPr/>
+        </p:nvSpPr>
+        <p:spPr>
+          <a:xfrm>
+            <a:off x="4325536" y="4433427"/>
+            <a:ext cx="1435156" cy="369332"/>
+          </a:xfrm>
+          <a:prstGeom prst="rect">
+            <a:avLst/>
+          </a:prstGeom>
+          <a:noFill/>
+        </p:spPr>
+        <p:txBody>
+          <a:bodyPr wrap="square" rtlCol="0">
+            <a:spAutoFit/>
+          </a:bodyPr>
+          <a:lstStyle/>
+          <a:p>
+            <a:r>
+              <a:rPr lang="ko-KR" altLang="en-US"/>
+              <a:t>공정 명</a:t>
+            </a:r>
+          </a:p>
+        </p:txBody>
+      </p:sp>
+      <p:sp>
+        <p:nvSpPr>
+          <p:cNvPr id="142" name="TextBox 141">
+            <a:extLst>
+              <a:ext uri="{FF2B5EF4-FFF2-40B4-BE49-F238E27FC236}">
+                <a16:creationId xmlns:a16="http://schemas.microsoft.com/office/drawing/2014/main" id="{168836E7-9F8E-2C17-5F77-AE2532D2EBD8}"/>
+              </a:ext>
+            </a:extLst>
+          </p:cNvPr>
+          <p:cNvSpPr txBox="1"/>
+          <p:nvPr/>
+        </p:nvSpPr>
+        <p:spPr>
+          <a:xfrm>
+            <a:off x="6515958" y="4499011"/>
+            <a:ext cx="1435156" cy="369332"/>
+          </a:xfrm>
+          <a:prstGeom prst="rect">
+            <a:avLst/>
+          </a:prstGeom>
+          <a:noFill/>
+        </p:spPr>
+        <p:txBody>
+          <a:bodyPr wrap="square" rtlCol="0">
+            <a:spAutoFit/>
+          </a:bodyPr>
+          <a:lstStyle/>
+          <a:p>
+            <a:r>
+              <a:rPr lang="ko-KR" altLang="en-US"/>
+              <a:t>공정 시간</a:t>
+            </a:r>
+          </a:p>
+        </p:txBody>
+      </p:sp>
+      <p:sp>
+        <p:nvSpPr>
+          <p:cNvPr id="143" name="TextBox 142">
+            <a:extLst>
+              <a:ext uri="{FF2B5EF4-FFF2-40B4-BE49-F238E27FC236}">
+                <a16:creationId xmlns:a16="http://schemas.microsoft.com/office/drawing/2014/main" id="{6C9B27DF-551B-7237-1FA5-D57921F9B25E}"/>
+              </a:ext>
+            </a:extLst>
+          </p:cNvPr>
+          <p:cNvSpPr txBox="1"/>
+          <p:nvPr/>
+        </p:nvSpPr>
+        <p:spPr>
+          <a:xfrm>
+            <a:off x="9111345" y="4446631"/>
+            <a:ext cx="1435156" cy="369332"/>
+          </a:xfrm>
+          <a:prstGeom prst="rect">
+            <a:avLst/>
+          </a:prstGeom>
+          <a:noFill/>
+        </p:spPr>
+        <p:txBody>
+          <a:bodyPr wrap="square" rtlCol="0">
+            <a:spAutoFit/>
+          </a:bodyPr>
+          <a:lstStyle/>
+          <a:p>
+            <a:r>
+              <a:rPr lang="ko-KR" altLang="en-US"/>
+              <a:t>비고</a:t>
+            </a:r>
+          </a:p>
+        </p:txBody>
+      </p:sp>
+      <p:cxnSp>
+        <p:nvCxnSpPr>
+          <p:cNvPr id="144" name="직선 연결선 143">
+            <a:extLst>
+              <a:ext uri="{FF2B5EF4-FFF2-40B4-BE49-F238E27FC236}">
+                <a16:creationId xmlns:a16="http://schemas.microsoft.com/office/drawing/2014/main" id="{9E49D1B5-3EE0-9212-B9A8-A3D66183D574}"/>
+              </a:ext>
+            </a:extLst>
+          </p:cNvPr>
+          <p:cNvCxnSpPr>
+            <a:cxnSpLocks/>
+            <a:stCxn id="135" idx="1"/>
+            <a:endCxn id="135" idx="3"/>
+          </p:cNvCxnSpPr>
+          <p:nvPr/>
+        </p:nvCxnSpPr>
+        <p:spPr>
+          <a:xfrm>
+            <a:off x="1521742" y="4813295"/>
+            <a:ext cx="9134434" cy="0"/>
+          </a:xfrm>
+          <a:prstGeom prst="line">
+            <a:avLst/>
+          </a:prstGeom>
+        </p:spPr>
+        <p:style>
+          <a:lnRef idx="1">
+            <a:schemeClr val="dk1"/>
+          </a:lnRef>
+          <a:fillRef idx="0">
+            <a:schemeClr val="dk1"/>
+          </a:fillRef>
+          <a:effectRef idx="0">
+            <a:schemeClr val="dk1"/>
+          </a:effectRef>
+          <a:fontRef idx="minor">
+            <a:schemeClr val="tx1"/>
+          </a:fontRef>
+        </p:style>
+      </p:cxnSp>
+      <p:cxnSp>
+        <p:nvCxnSpPr>
+          <p:cNvPr id="146" name="직선 연결선 145">
+            <a:extLst>
+              <a:ext uri="{FF2B5EF4-FFF2-40B4-BE49-F238E27FC236}">
+                <a16:creationId xmlns:a16="http://schemas.microsoft.com/office/drawing/2014/main" id="{CFC67936-8BAC-794E-E84C-30E820592658}"/>
+              </a:ext>
+            </a:extLst>
+          </p:cNvPr>
+          <p:cNvCxnSpPr>
+            <a:cxnSpLocks/>
+          </p:cNvCxnSpPr>
+          <p:nvPr/>
+        </p:nvCxnSpPr>
+        <p:spPr>
+          <a:xfrm>
+            <a:off x="2391309" y="4433427"/>
+            <a:ext cx="0" cy="791716"/>
+          </a:xfrm>
+          <a:prstGeom prst="line">
+            <a:avLst/>
+          </a:prstGeom>
+        </p:spPr>
+        <p:style>
+          <a:lnRef idx="1">
+            <a:schemeClr val="dk1"/>
+          </a:lnRef>
+          <a:fillRef idx="0">
+            <a:schemeClr val="dk1"/>
+          </a:fillRef>
+          <a:effectRef idx="0">
+            <a:schemeClr val="dk1"/>
+          </a:effectRef>
+          <a:fontRef idx="minor">
+            <a:schemeClr val="tx1"/>
+          </a:fontRef>
+        </p:style>
+      </p:cxnSp>
+      <p:sp>
+        <p:nvSpPr>
+          <p:cNvPr id="147" name="TextBox 146">
+            <a:extLst>
+              <a:ext uri="{FF2B5EF4-FFF2-40B4-BE49-F238E27FC236}">
+                <a16:creationId xmlns:a16="http://schemas.microsoft.com/office/drawing/2014/main" id="{6D44D66D-B4B4-5D11-F1AF-392295E0BD97}"/>
+              </a:ext>
+            </a:extLst>
+          </p:cNvPr>
+          <p:cNvSpPr txBox="1"/>
+          <p:nvPr/>
+        </p:nvSpPr>
+        <p:spPr>
+          <a:xfrm>
+            <a:off x="2694893" y="4830701"/>
+            <a:ext cx="1060247" cy="369332"/>
+          </a:xfrm>
+          <a:prstGeom prst="rect">
+            <a:avLst/>
+          </a:prstGeom>
+          <a:noFill/>
+        </p:spPr>
+        <p:txBody>
+          <a:bodyPr wrap="square" rtlCol="0">
+            <a:spAutoFit/>
+          </a:bodyPr>
+          <a:lstStyle/>
+          <a:p>
+            <a:r>
+              <a:rPr lang="en-US" altLang="ko-KR"/>
+              <a:t>PC-10</a:t>
+            </a:r>
+            <a:endParaRPr lang="ko-KR" altLang="en-US"/>
+          </a:p>
+        </p:txBody>
+      </p:sp>
+      <p:sp>
+        <p:nvSpPr>
+          <p:cNvPr id="150" name="TextBox 149">
+            <a:extLst>
+              <a:ext uri="{FF2B5EF4-FFF2-40B4-BE49-F238E27FC236}">
+                <a16:creationId xmlns:a16="http://schemas.microsoft.com/office/drawing/2014/main" id="{4CC6136F-FBC3-226B-904C-2222D196596E}"/>
+              </a:ext>
+            </a:extLst>
+          </p:cNvPr>
+          <p:cNvSpPr txBox="1"/>
+          <p:nvPr/>
+        </p:nvSpPr>
+        <p:spPr>
+          <a:xfrm>
+            <a:off x="4184950" y="4829285"/>
+            <a:ext cx="1696592" cy="369332"/>
+          </a:xfrm>
+          <a:prstGeom prst="rect">
+            <a:avLst/>
+          </a:prstGeom>
+          <a:noFill/>
+        </p:spPr>
+        <p:txBody>
+          <a:bodyPr wrap="square" rtlCol="0">
+            <a:spAutoFit/>
+          </a:bodyPr>
+          <a:lstStyle/>
+          <a:p>
+            <a:r>
+              <a:rPr lang="ko-KR" altLang="en-US"/>
+              <a:t>입고</a:t>
+            </a:r>
+            <a:r>
+              <a:rPr lang="en-US" altLang="ko-KR"/>
+              <a:t>/</a:t>
+            </a:r>
+            <a:r>
+              <a:rPr lang="ko-KR" altLang="en-US"/>
+              <a:t>수입검사</a:t>
+            </a:r>
+          </a:p>
+        </p:txBody>
+      </p:sp>
+      <p:sp>
+        <p:nvSpPr>
+          <p:cNvPr id="153" name="TextBox 152">
+            <a:extLst>
+              <a:ext uri="{FF2B5EF4-FFF2-40B4-BE49-F238E27FC236}">
+                <a16:creationId xmlns:a16="http://schemas.microsoft.com/office/drawing/2014/main" id="{7FD095C1-2D35-521B-E823-DA7A64838E3C}"/>
+              </a:ext>
+            </a:extLst>
+          </p:cNvPr>
+          <p:cNvSpPr txBox="1"/>
+          <p:nvPr/>
+        </p:nvSpPr>
+        <p:spPr>
+          <a:xfrm>
+            <a:off x="6771751" y="4847816"/>
+            <a:ext cx="1060247" cy="369332"/>
+          </a:xfrm>
+          <a:prstGeom prst="rect">
+            <a:avLst/>
+          </a:prstGeom>
+          <a:noFill/>
+        </p:spPr>
+        <p:txBody>
+          <a:bodyPr wrap="square" rtlCol="0">
+            <a:spAutoFit/>
+          </a:bodyPr>
+          <a:lstStyle/>
+          <a:p>
+            <a:r>
+              <a:rPr lang="en-US" altLang="ko-KR"/>
+              <a:t>0.5h</a:t>
+            </a:r>
+            <a:endParaRPr lang="ko-KR" altLang="en-US"/>
+          </a:p>
+        </p:txBody>
+      </p:sp>
+      <p:sp>
+        <p:nvSpPr>
+          <p:cNvPr id="155" name="TextBox 154">
+            <a:extLst>
+              <a:ext uri="{FF2B5EF4-FFF2-40B4-BE49-F238E27FC236}">
+                <a16:creationId xmlns:a16="http://schemas.microsoft.com/office/drawing/2014/main" id="{BFCDC428-FB83-ED9F-DF89-888FFAEB8640}"/>
+              </a:ext>
+            </a:extLst>
+          </p:cNvPr>
+          <p:cNvSpPr txBox="1"/>
+          <p:nvPr/>
+        </p:nvSpPr>
+        <p:spPr>
+          <a:xfrm>
+            <a:off x="8442768" y="4837607"/>
+            <a:ext cx="2285704" cy="646331"/>
+          </a:xfrm>
+          <a:prstGeom prst="rect">
+            <a:avLst/>
+          </a:prstGeom>
+          <a:noFill/>
+        </p:spPr>
+        <p:txBody>
+          <a:bodyPr wrap="square" rtlCol="0">
+            <a:spAutoFit/>
+          </a:bodyPr>
+          <a:lstStyle/>
+          <a:p>
+            <a:r>
+              <a:rPr lang="ko-KR" altLang="en-US"/>
+              <a:t>외관 검사</a:t>
+            </a:r>
+            <a:r>
+              <a:rPr lang="en-US" altLang="ko-KR"/>
+              <a:t>, LOT </a:t>
+            </a:r>
+            <a:r>
+              <a:rPr lang="ko-KR" altLang="en-US"/>
+              <a:t>부여</a:t>
+            </a:r>
+          </a:p>
+          <a:p>
+            <a:endParaRPr lang="ko-KR" altLang="en-US"/>
+          </a:p>
+        </p:txBody>
+      </p:sp>
+      <p:sp>
+        <p:nvSpPr>
+          <p:cNvPr id="158" name="TextBox 157">
+            <a:extLst>
+              <a:ext uri="{FF2B5EF4-FFF2-40B4-BE49-F238E27FC236}">
+                <a16:creationId xmlns:a16="http://schemas.microsoft.com/office/drawing/2014/main" id="{C086C53D-9B61-07F7-21FC-AAA714751355}"/>
+              </a:ext>
+            </a:extLst>
+          </p:cNvPr>
+          <p:cNvSpPr txBox="1"/>
+          <p:nvPr/>
+        </p:nvSpPr>
+        <p:spPr>
+          <a:xfrm>
+            <a:off x="1683424" y="4472949"/>
+            <a:ext cx="646821" cy="369332"/>
+          </a:xfrm>
+          <a:prstGeom prst="rect">
+            <a:avLst/>
+          </a:prstGeom>
+          <a:noFill/>
+        </p:spPr>
+        <p:txBody>
+          <a:bodyPr wrap="square">
+            <a:spAutoFit/>
+          </a:bodyPr>
+          <a:lstStyle/>
+          <a:p>
+            <a:r>
+              <a:rPr lang="ko-KR" altLang="en-US"/>
+              <a:t>순서</a:t>
+            </a:r>
+          </a:p>
+        </p:txBody>
+      </p:sp>
+      <p:sp>
+        <p:nvSpPr>
+          <p:cNvPr id="159" name="TextBox 158">
+            <a:extLst>
+              <a:ext uri="{FF2B5EF4-FFF2-40B4-BE49-F238E27FC236}">
+                <a16:creationId xmlns:a16="http://schemas.microsoft.com/office/drawing/2014/main" id="{F05E4936-474D-1201-CE5A-8F62EF3049CE}"/>
+              </a:ext>
+            </a:extLst>
+          </p:cNvPr>
+          <p:cNvSpPr txBox="1"/>
+          <p:nvPr/>
+        </p:nvSpPr>
+        <p:spPr>
+          <a:xfrm>
+            <a:off x="1866765" y="4822545"/>
+            <a:ext cx="319442" cy="369332"/>
+          </a:xfrm>
+          <a:prstGeom prst="rect">
+            <a:avLst/>
+          </a:prstGeom>
+          <a:noFill/>
+        </p:spPr>
+        <p:txBody>
+          <a:bodyPr wrap="square">
+            <a:spAutoFit/>
+          </a:bodyPr>
+          <a:lstStyle/>
+          <a:p>
+            <a:r>
+              <a:rPr lang="en-US" altLang="ko-KR"/>
+              <a:t>1</a:t>
+            </a:r>
+            <a:endParaRPr lang="ko-KR" altLang="en-US"/>
+          </a:p>
+        </p:txBody>
+      </p:sp>
+      <p:cxnSp>
+        <p:nvCxnSpPr>
+          <p:cNvPr id="191" name="직선 연결선 190">
+            <a:extLst>
+              <a:ext uri="{FF2B5EF4-FFF2-40B4-BE49-F238E27FC236}">
+                <a16:creationId xmlns:a16="http://schemas.microsoft.com/office/drawing/2014/main" id="{EDC61C27-D217-C081-41F8-65F30C4C42D6}"/>
+              </a:ext>
+            </a:extLst>
+          </p:cNvPr>
+          <p:cNvCxnSpPr>
+            <a:cxnSpLocks/>
+          </p:cNvCxnSpPr>
+          <p:nvPr/>
+        </p:nvCxnSpPr>
+        <p:spPr>
+          <a:xfrm>
+            <a:off x="8450730" y="4417437"/>
+            <a:ext cx="0" cy="791716"/>
+          </a:xfrm>
+          <a:prstGeom prst="line">
+            <a:avLst/>
+          </a:prstGeom>
+        </p:spPr>
+        <p:style>
+          <a:lnRef idx="1">
+            <a:schemeClr val="dk1"/>
+          </a:lnRef>
+          <a:fillRef idx="0">
+            <a:schemeClr val="dk1"/>
+          </a:fillRef>
+          <a:effectRef idx="0">
+            <a:schemeClr val="dk1"/>
+          </a:effectRef>
+          <a:fontRef idx="minor">
+            <a:schemeClr val="tx1"/>
+          </a:fontRef>
+        </p:style>
+      </p:cxnSp>
+      <p:sp>
+        <p:nvSpPr>
+          <p:cNvPr id="18" name="순서도: 병합 17">
+            <a:extLst>
+              <a:ext uri="{FF2B5EF4-FFF2-40B4-BE49-F238E27FC236}">
+                <a16:creationId xmlns:a16="http://schemas.microsoft.com/office/drawing/2014/main" id="{8B51BE5B-DEC5-0F41-5F1B-6F790F0B3171}"/>
+              </a:ext>
+            </a:extLst>
+          </p:cNvPr>
+          <p:cNvSpPr/>
+          <p:nvPr/>
+        </p:nvSpPr>
+        <p:spPr>
+          <a:xfrm>
+            <a:off x="5094923" y="1497070"/>
+            <a:ext cx="112195" cy="103405"/>
+          </a:xfrm>
+          <a:prstGeom prst="flowChartMerge">
+            <a:avLst/>
+          </a:prstGeom>
+        </p:spPr>
+        <p:style>
+          <a:lnRef idx="2">
+            <a:schemeClr val="accent1">
+              <a:shade val="15000"/>
+            </a:schemeClr>
+          </a:lnRef>
+          <a:fillRef idx="1">
+            <a:schemeClr val="accent1"/>
+          </a:fillRef>
+          <a:effectRef idx="0">
+            <a:schemeClr val="accent1"/>
+          </a:effectRef>
+          <a:fontRef idx="minor">
+            <a:schemeClr val="lt1"/>
+          </a:fontRef>
+        </p:style>
+        <p:txBody>
+          <a:bodyPr rtlCol="0" anchor="ctr"/>
+          <a:lstStyle/>
+          <a:p>
+            <a:pPr algn="ctr"/>
+            <a:endParaRPr lang="ko-KR" altLang="en-US"/>
+          </a:p>
+        </p:txBody>
+      </p:sp>
+      <p:sp>
+        <p:nvSpPr>
+          <p:cNvPr id="20" name="사각형: 둥근 모서리 19">
+            <a:extLst>
+              <a:ext uri="{FF2B5EF4-FFF2-40B4-BE49-F238E27FC236}">
+                <a16:creationId xmlns:a16="http://schemas.microsoft.com/office/drawing/2014/main" id="{BA929F18-C1A9-786F-0740-08AAC45D827C}"/>
+              </a:ext>
+            </a:extLst>
+          </p:cNvPr>
+          <p:cNvSpPr/>
+          <p:nvPr/>
+        </p:nvSpPr>
+        <p:spPr>
+          <a:xfrm>
+            <a:off x="8584177" y="6503247"/>
+            <a:ext cx="950879" cy="255135"/>
+          </a:xfrm>
+          <a:prstGeom prst="roundRect">
+            <a:avLst/>
+          </a:prstGeom>
+          <a:solidFill>
+            <a:schemeClr val="accent1"/>
+          </a:solidFill>
+          <a:ln>
+            <a:noFill/>
+          </a:ln>
+        </p:spPr>
+        <p:style>
+          <a:lnRef idx="0">
+            <a:scrgbClr r="0" g="0" b="0"/>
+          </a:lnRef>
+          <a:fillRef idx="0">
+            <a:scrgbClr r="0" g="0" b="0"/>
+          </a:fillRef>
+          <a:effectRef idx="0">
+            <a:scrgbClr r="0" g="0" b="0"/>
+          </a:effectRef>
+          <a:fontRef idx="minor">
+            <a:schemeClr val="lt1"/>
+          </a:fontRef>
+        </p:style>
+        <p:txBody>
+          <a:bodyPr rtlCol="0" anchor="ctr"/>
+          <a:lstStyle/>
+          <a:p>
+            <a:pPr algn="ctr"/>
+            <a:r>
+              <a:rPr lang="ko-KR" altLang="en-US"/>
+              <a:t>수정</a:t>
+            </a:r>
+          </a:p>
+        </p:txBody>
+      </p:sp>
+      <p:sp>
+        <p:nvSpPr>
+          <p:cNvPr id="21" name="순서도: 연결자 20">
+            <a:extLst>
+              <a:ext uri="{FF2B5EF4-FFF2-40B4-BE49-F238E27FC236}">
+                <a16:creationId xmlns:a16="http://schemas.microsoft.com/office/drawing/2014/main" id="{58200034-950D-B2AF-D0D6-356A0F134BE3}"/>
+              </a:ext>
+            </a:extLst>
+          </p:cNvPr>
+          <p:cNvSpPr/>
+          <p:nvPr/>
+        </p:nvSpPr>
+        <p:spPr>
+          <a:xfrm>
+            <a:off x="8549362" y="6388558"/>
+            <a:ext cx="231278" cy="228685"/>
+          </a:xfrm>
+          <a:prstGeom prst="flowChartConnector">
+            <a:avLst/>
+          </a:prstGeom>
+          <a:solidFill>
+            <a:srgbClr val="FFFF00"/>
+          </a:solidFill>
+          <a:ln>
+            <a:solidFill>
+              <a:schemeClr val="tx1"/>
+            </a:solidFill>
+          </a:ln>
+        </p:spPr>
+        <p:style>
+          <a:lnRef idx="1">
+            <a:schemeClr val="accent4"/>
+          </a:lnRef>
+          <a:fillRef idx="2">
+            <a:schemeClr val="accent4"/>
+          </a:fillRef>
+          <a:effectRef idx="1">
+            <a:schemeClr val="accent4"/>
+          </a:effectRef>
+          <a:fontRef idx="minor">
+            <a:schemeClr val="dk1"/>
+          </a:fontRef>
+        </p:style>
+        <p:txBody>
+          <a:bodyPr rtlCol="0" anchor="ctr"/>
+          <a:lstStyle/>
+          <a:p>
+            <a:pPr algn="ctr"/>
+            <a:endParaRPr lang="ko-KR" altLang="en-US" sz="1300"/>
+          </a:p>
+        </p:txBody>
+      </p:sp>
+      <p:sp>
+        <p:nvSpPr>
+          <p:cNvPr id="23" name="TextBox 22">
+            <a:extLst>
+              <a:ext uri="{FF2B5EF4-FFF2-40B4-BE49-F238E27FC236}">
+                <a16:creationId xmlns:a16="http://schemas.microsoft.com/office/drawing/2014/main" id="{2DB4894E-857B-5C56-655E-D5887D7A0100}"/>
+              </a:ext>
+            </a:extLst>
+          </p:cNvPr>
+          <p:cNvSpPr txBox="1"/>
+          <p:nvPr/>
+        </p:nvSpPr>
+        <p:spPr>
+          <a:xfrm>
+            <a:off x="8513025" y="6380337"/>
+            <a:ext cx="663497" cy="215444"/>
+          </a:xfrm>
+          <a:prstGeom prst="rect">
+            <a:avLst/>
+          </a:prstGeom>
+          <a:noFill/>
+        </p:spPr>
+        <p:txBody>
+          <a:bodyPr wrap="square" rtlCol="0">
+            <a:spAutoFit/>
+          </a:bodyPr>
+          <a:lstStyle/>
+          <a:p>
+            <a:r>
+              <a:rPr lang="en-US" altLang="ko-KR" sz="800"/>
+              <a:t>12</a:t>
+            </a:r>
+            <a:endParaRPr lang="ko-KR" altLang="en-US" sz="800"/>
+          </a:p>
+        </p:txBody>
+      </p:sp>
+      <p:sp>
+        <p:nvSpPr>
+          <p:cNvPr id="24" name="사각형: 둥근 모서리 23">
+            <a:extLst>
+              <a:ext uri="{FF2B5EF4-FFF2-40B4-BE49-F238E27FC236}">
+                <a16:creationId xmlns:a16="http://schemas.microsoft.com/office/drawing/2014/main" id="{92386199-1585-08EA-1869-673F1B552A50}"/>
+              </a:ext>
+            </a:extLst>
+          </p:cNvPr>
+          <p:cNvSpPr/>
+          <p:nvPr/>
+        </p:nvSpPr>
+        <p:spPr>
+          <a:xfrm>
+            <a:off x="9617580" y="6512888"/>
+            <a:ext cx="950879" cy="255135"/>
+          </a:xfrm>
+          <a:prstGeom prst="roundRect">
+            <a:avLst/>
+          </a:prstGeom>
+          <a:solidFill>
+            <a:schemeClr val="accent1"/>
+          </a:solidFill>
+          <a:ln>
+            <a:noFill/>
+          </a:ln>
+        </p:spPr>
+        <p:style>
+          <a:lnRef idx="0">
+            <a:scrgbClr r="0" g="0" b="0"/>
+          </a:lnRef>
+          <a:fillRef idx="0">
+            <a:scrgbClr r="0" g="0" b="0"/>
+          </a:fillRef>
+          <a:effectRef idx="0">
+            <a:scrgbClr r="0" g="0" b="0"/>
+          </a:effectRef>
+          <a:fontRef idx="minor">
+            <a:schemeClr val="lt1"/>
+          </a:fontRef>
+        </p:style>
+        <p:txBody>
+          <a:bodyPr rtlCol="0" anchor="ctr"/>
+          <a:lstStyle/>
+          <a:p>
+            <a:pPr algn="ctr"/>
+            <a:r>
+              <a:rPr lang="ko-KR" altLang="en-US"/>
+              <a:t>취소</a:t>
+            </a:r>
+          </a:p>
+        </p:txBody>
+      </p:sp>
+      <p:sp>
+        <p:nvSpPr>
+          <p:cNvPr id="26" name="순서도: 연결자 25">
+            <a:extLst>
+              <a:ext uri="{FF2B5EF4-FFF2-40B4-BE49-F238E27FC236}">
+                <a16:creationId xmlns:a16="http://schemas.microsoft.com/office/drawing/2014/main" id="{740FD119-F9C9-3D13-BB19-43253E262955}"/>
+              </a:ext>
+            </a:extLst>
+          </p:cNvPr>
+          <p:cNvSpPr/>
+          <p:nvPr/>
+        </p:nvSpPr>
+        <p:spPr>
+          <a:xfrm>
+            <a:off x="9545215" y="6380337"/>
+            <a:ext cx="231278" cy="228685"/>
+          </a:xfrm>
+          <a:prstGeom prst="flowChartConnector">
+            <a:avLst/>
+          </a:prstGeom>
+          <a:solidFill>
+            <a:srgbClr val="FFFF00"/>
+          </a:solidFill>
+          <a:ln>
+            <a:solidFill>
+              <a:schemeClr val="tx1"/>
+            </a:solidFill>
+          </a:ln>
+        </p:spPr>
+        <p:style>
+          <a:lnRef idx="1">
+            <a:schemeClr val="accent4"/>
+          </a:lnRef>
+          <a:fillRef idx="2">
+            <a:schemeClr val="accent4"/>
+          </a:fillRef>
+          <a:effectRef idx="1">
+            <a:schemeClr val="accent4"/>
+          </a:effectRef>
+          <a:fontRef idx="minor">
+            <a:schemeClr val="dk1"/>
+          </a:fontRef>
+        </p:style>
+        <p:txBody>
+          <a:bodyPr rtlCol="0" anchor="ctr"/>
+          <a:lstStyle/>
+          <a:p>
+            <a:pPr algn="ctr"/>
+            <a:endParaRPr lang="ko-KR" altLang="en-US" sz="1300"/>
+          </a:p>
+        </p:txBody>
+      </p:sp>
+      <p:sp>
+        <p:nvSpPr>
+          <p:cNvPr id="50" name="TextBox 49">
+            <a:extLst>
+              <a:ext uri="{FF2B5EF4-FFF2-40B4-BE49-F238E27FC236}">
+                <a16:creationId xmlns:a16="http://schemas.microsoft.com/office/drawing/2014/main" id="{D49F7CA8-768B-5447-093E-924C5D64E159}"/>
+              </a:ext>
+            </a:extLst>
+          </p:cNvPr>
+          <p:cNvSpPr txBox="1"/>
+          <p:nvPr/>
+        </p:nvSpPr>
+        <p:spPr>
+          <a:xfrm>
+            <a:off x="9511511" y="6386957"/>
+            <a:ext cx="663497" cy="215444"/>
+          </a:xfrm>
+          <a:prstGeom prst="rect">
+            <a:avLst/>
+          </a:prstGeom>
+          <a:noFill/>
+        </p:spPr>
+        <p:txBody>
+          <a:bodyPr wrap="square" rtlCol="0">
+            <a:spAutoFit/>
+          </a:bodyPr>
+          <a:lstStyle/>
+          <a:p>
+            <a:r>
+              <a:rPr lang="en-US" altLang="ko-KR" sz="800"/>
+              <a:t>13</a:t>
+            </a:r>
+            <a:endParaRPr lang="ko-KR" altLang="en-US" sz="800"/>
+          </a:p>
+        </p:txBody>
+      </p:sp>
+    </p:spTree>
+    <p:extLst>
+      <p:ext uri="{BB962C8B-B14F-4D97-AF65-F5344CB8AC3E}">
+        <p14:creationId xmlns:p14="http://schemas.microsoft.com/office/powerpoint/2010/main" val="341631477"/>
+      </p:ext>
+    </p:extLst>
+  </p:cSld>
+  <p:clrMapOvr>
+    <a:masterClrMapping/>
+  </p:clrMapOvr>
+</p:sld>
+</file>
+
+<file path=ppt/slides/slide2.xml><?xml version="1.0" encoding="utf-8"?>
 <p:sld xmlns:a="http://schemas.openxmlformats.org/drawingml/2006/main" xmlns:r="http://schemas.openxmlformats.org/officeDocument/2006/relationships" xmlns:p="http://schemas.openxmlformats.org/presentationml/2006/main">
   <p:cSld>
     <p:spTree>
@@ -5483,7 +9812,7 @@
 </p:sld>
 </file>
 
-<file path=ppt/slides/slide2.xml><?xml version="1.0" encoding="utf-8"?>
+<file path=ppt/slides/slide3.xml><?xml version="1.0" encoding="utf-8"?>
 <p:sld xmlns:a="http://schemas.openxmlformats.org/drawingml/2006/main" xmlns:r="http://schemas.openxmlformats.org/officeDocument/2006/relationships" xmlns:p="http://schemas.openxmlformats.org/presentationml/2006/main">
   <p:cSld>
     <p:spTree>
